--- a/slideshow/Teologia Sistematica y Biblica - Myer Pearlman/Clases/7. Pecado.pptx
+++ b/slideshow/Teologia Sistematica y Biblica - Myer Pearlman/Clases/7. Pecado.pptx
@@ -3,22 +3,31 @@
 <p:presentation xmlns:a="http://schemas.openxmlformats.org/drawingml/2006/main" xmlns:r="http://schemas.openxmlformats.org/officeDocument/2006/relationships" xmlns:p="http://schemas.openxmlformats.org/presentationml/2006/main" saveSubsetFonts="1">
   <p:sldMasterIdLst>
     <p:sldMasterId id="2147483672" r:id="rId1"/>
+    <p:sldMasterId id="2147483684" r:id="rId2"/>
   </p:sldMasterIdLst>
   <p:sldIdLst>
-    <p:sldId id="256" r:id="rId2"/>
-    <p:sldId id="292" r:id="rId3"/>
-    <p:sldId id="261" r:id="rId4"/>
-    <p:sldId id="328" r:id="rId5"/>
-    <p:sldId id="262" r:id="rId6"/>
-    <p:sldId id="329" r:id="rId7"/>
-    <p:sldId id="330" r:id="rId8"/>
-    <p:sldId id="331" r:id="rId9"/>
-    <p:sldId id="314" r:id="rId10"/>
-    <p:sldId id="315" r:id="rId11"/>
+    <p:sldId id="256" r:id="rId3"/>
+    <p:sldId id="292" r:id="rId4"/>
+    <p:sldId id="261" r:id="rId5"/>
+    <p:sldId id="328" r:id="rId6"/>
+    <p:sldId id="262" r:id="rId7"/>
+    <p:sldId id="329" r:id="rId8"/>
+    <p:sldId id="330" r:id="rId9"/>
+    <p:sldId id="331" r:id="rId10"/>
+    <p:sldId id="314" r:id="rId11"/>
     <p:sldId id="316" r:id="rId12"/>
     <p:sldId id="332" r:id="rId13"/>
     <p:sldId id="333" r:id="rId14"/>
     <p:sldId id="334" r:id="rId15"/>
+    <p:sldId id="335" r:id="rId16"/>
+    <p:sldId id="337" r:id="rId17"/>
+    <p:sldId id="336" r:id="rId18"/>
+    <p:sldId id="338" r:id="rId19"/>
+    <p:sldId id="339" r:id="rId20"/>
+    <p:sldId id="340" r:id="rId21"/>
+    <p:sldId id="341" r:id="rId22"/>
+    <p:sldId id="342" r:id="rId23"/>
+    <p:sldId id="343" r:id="rId24"/>
   </p:sldIdLst>
   <p:sldSz cx="9144000" cy="5715000" type="screen16x10"/>
   <p:notesSz cx="6858000" cy="9144000"/>
@@ -256,7 +265,7 @@
           <a:p>
             <a:fld id="{50DEE611-8BEF-4990-B4F5-91A0FAC492E5}" type="datetimeFigureOut">
               <a:rPr lang="es-VE" smtClean="0"/>
-              <a:t>30/04/2021</a:t>
+              <a:t>08/05/2021</a:t>
             </a:fld>
             <a:endParaRPr lang="es-VE" dirty="0"/>
           </a:p>
@@ -426,7 +435,7 @@
           <a:p>
             <a:fld id="{50DEE611-8BEF-4990-B4F5-91A0FAC492E5}" type="datetimeFigureOut">
               <a:rPr lang="es-VE" smtClean="0"/>
-              <a:t>30/04/2021</a:t>
+              <a:t>08/05/2021</a:t>
             </a:fld>
             <a:endParaRPr lang="es-VE" dirty="0"/>
           </a:p>
@@ -606,7 +615,7 @@
           <a:p>
             <a:fld id="{50DEE611-8BEF-4990-B4F5-91A0FAC492E5}" type="datetimeFigureOut">
               <a:rPr lang="es-VE" smtClean="0"/>
-              <a:t>30/04/2021</a:t>
+              <a:t>08/05/2021</a:t>
             </a:fld>
             <a:endParaRPr lang="es-VE" dirty="0"/>
           </a:p>
@@ -658,6 +667,1959 @@
     <p:extLst>
       <p:ext uri="{BB962C8B-B14F-4D97-AF65-F5344CB8AC3E}">
         <p14:creationId xmlns:p14="http://schemas.microsoft.com/office/powerpoint/2010/main" val="117500492"/>
+      </p:ext>
+    </p:extLst>
+  </p:cSld>
+  <p:clrMapOvr>
+    <a:masterClrMapping/>
+  </p:clrMapOvr>
+</p:sldLayout>
+</file>
+
+<file path=ppt/slideLayouts/slideLayout12.xml><?xml version="1.0" encoding="utf-8"?>
+<p:sldLayout xmlns:a="http://schemas.openxmlformats.org/drawingml/2006/main" xmlns:r="http://schemas.openxmlformats.org/officeDocument/2006/relationships" xmlns:p="http://schemas.openxmlformats.org/presentationml/2006/main" type="title" preserve="1">
+  <p:cSld name="Diapositiva de título">
+    <p:spTree>
+      <p:nvGrpSpPr>
+        <p:cNvPr id="1" name=""/>
+        <p:cNvGrpSpPr/>
+        <p:nvPr/>
+      </p:nvGrpSpPr>
+      <p:grpSpPr>
+        <a:xfrm>
+          <a:off x="0" y="0"/>
+          <a:ext cx="0" cy="0"/>
+          <a:chOff x="0" y="0"/>
+          <a:chExt cx="0" cy="0"/>
+        </a:xfrm>
+      </p:grpSpPr>
+      <p:sp>
+        <p:nvSpPr>
+          <p:cNvPr id="2" name="Title 1"/>
+          <p:cNvSpPr>
+            <a:spLocks noGrp="1"/>
+          </p:cNvSpPr>
+          <p:nvPr>
+            <p:ph type="ctrTitle"/>
+          </p:nvPr>
+        </p:nvSpPr>
+        <p:spPr>
+          <a:xfrm>
+            <a:off x="1143000" y="935303"/>
+            <a:ext cx="6858000" cy="1989667"/>
+          </a:xfrm>
+        </p:spPr>
+        <p:txBody>
+          <a:bodyPr anchor="b"/>
+          <a:lstStyle>
+            <a:lvl1pPr algn="ctr">
+              <a:defRPr sz="4500"/>
+            </a:lvl1pPr>
+          </a:lstStyle>
+          <a:p>
+            <a:r>
+              <a:rPr lang="es-ES"/>
+              <a:t>Haga clic para modificar el estilo de título del patrón</a:t>
+            </a:r>
+            <a:endParaRPr lang="en-US" dirty="0"/>
+          </a:p>
+        </p:txBody>
+      </p:sp>
+      <p:sp>
+        <p:nvSpPr>
+          <p:cNvPr id="3" name="Subtitle 2"/>
+          <p:cNvSpPr>
+            <a:spLocks noGrp="1"/>
+          </p:cNvSpPr>
+          <p:nvPr>
+            <p:ph type="subTitle" idx="1"/>
+          </p:nvPr>
+        </p:nvSpPr>
+        <p:spPr>
+          <a:xfrm>
+            <a:off x="1143000" y="3001698"/>
+            <a:ext cx="6858000" cy="1379802"/>
+          </a:xfrm>
+        </p:spPr>
+        <p:txBody>
+          <a:bodyPr/>
+          <a:lstStyle>
+            <a:lvl1pPr marL="0" indent="0" algn="ctr">
+              <a:buNone/>
+              <a:defRPr sz="1800"/>
+            </a:lvl1pPr>
+            <a:lvl2pPr marL="342891" indent="0" algn="ctr">
+              <a:buNone/>
+              <a:defRPr sz="1500"/>
+            </a:lvl2pPr>
+            <a:lvl3pPr marL="685783" indent="0" algn="ctr">
+              <a:buNone/>
+              <a:defRPr sz="1351"/>
+            </a:lvl3pPr>
+            <a:lvl4pPr marL="1028674" indent="0" algn="ctr">
+              <a:buNone/>
+              <a:defRPr sz="1200"/>
+            </a:lvl4pPr>
+            <a:lvl5pPr marL="1371566" indent="0" algn="ctr">
+              <a:buNone/>
+              <a:defRPr sz="1200"/>
+            </a:lvl5pPr>
+            <a:lvl6pPr marL="1714457" indent="0" algn="ctr">
+              <a:buNone/>
+              <a:defRPr sz="1200"/>
+            </a:lvl6pPr>
+            <a:lvl7pPr marL="2057349" indent="0" algn="ctr">
+              <a:buNone/>
+              <a:defRPr sz="1200"/>
+            </a:lvl7pPr>
+            <a:lvl8pPr marL="2400240" indent="0" algn="ctr">
+              <a:buNone/>
+              <a:defRPr sz="1200"/>
+            </a:lvl8pPr>
+            <a:lvl9pPr marL="2743131" indent="0" algn="ctr">
+              <a:buNone/>
+              <a:defRPr sz="1200"/>
+            </a:lvl9pPr>
+          </a:lstStyle>
+          <a:p>
+            <a:r>
+              <a:rPr lang="es-ES"/>
+              <a:t>Haga clic para modificar el estilo de subtítulo del patrón</a:t>
+            </a:r>
+            <a:endParaRPr lang="en-US" dirty="0"/>
+          </a:p>
+        </p:txBody>
+      </p:sp>
+      <p:sp>
+        <p:nvSpPr>
+          <p:cNvPr id="4" name="Date Placeholder 3"/>
+          <p:cNvSpPr>
+            <a:spLocks noGrp="1"/>
+          </p:cNvSpPr>
+          <p:nvPr>
+            <p:ph type="dt" sz="half" idx="10"/>
+          </p:nvPr>
+        </p:nvSpPr>
+        <p:spPr/>
+        <p:txBody>
+          <a:bodyPr/>
+          <a:lstStyle/>
+          <a:p>
+            <a:fld id="{50DEE611-8BEF-4990-B4F5-91A0FAC492E5}" type="datetimeFigureOut">
+              <a:rPr lang="es-VE" smtClean="0">
+                <a:solidFill>
+                  <a:prstClr val="white">
+                    <a:tint val="75000"/>
+                  </a:prstClr>
+                </a:solidFill>
+              </a:rPr>
+              <a:pPr/>
+              <a:t>08/05/2021</a:t>
+            </a:fld>
+            <a:endParaRPr lang="es-VE" dirty="0">
+              <a:solidFill>
+                <a:prstClr val="white">
+                  <a:tint val="75000"/>
+                </a:prstClr>
+              </a:solidFill>
+            </a:endParaRPr>
+          </a:p>
+        </p:txBody>
+      </p:sp>
+      <p:sp>
+        <p:nvSpPr>
+          <p:cNvPr id="5" name="Footer Placeholder 4"/>
+          <p:cNvSpPr>
+            <a:spLocks noGrp="1"/>
+          </p:cNvSpPr>
+          <p:nvPr>
+            <p:ph type="ftr" sz="quarter" idx="11"/>
+          </p:nvPr>
+        </p:nvSpPr>
+        <p:spPr/>
+        <p:txBody>
+          <a:bodyPr/>
+          <a:lstStyle/>
+          <a:p>
+            <a:endParaRPr lang="es-VE" dirty="0">
+              <a:solidFill>
+                <a:prstClr val="white">
+                  <a:tint val="75000"/>
+                </a:prstClr>
+              </a:solidFill>
+            </a:endParaRPr>
+          </a:p>
+        </p:txBody>
+      </p:sp>
+      <p:sp>
+        <p:nvSpPr>
+          <p:cNvPr id="6" name="Slide Number Placeholder 5"/>
+          <p:cNvSpPr>
+            <a:spLocks noGrp="1"/>
+          </p:cNvSpPr>
+          <p:nvPr>
+            <p:ph type="sldNum" sz="quarter" idx="12"/>
+          </p:nvPr>
+        </p:nvSpPr>
+        <p:spPr/>
+        <p:txBody>
+          <a:bodyPr/>
+          <a:lstStyle/>
+          <a:p>
+            <a:fld id="{C59C3D6C-8A4B-4894-9C44-65904329E8B4}" type="slidenum">
+              <a:rPr lang="es-VE" smtClean="0">
+                <a:solidFill>
+                  <a:prstClr val="white">
+                    <a:tint val="75000"/>
+                  </a:prstClr>
+                </a:solidFill>
+              </a:rPr>
+              <a:pPr/>
+              <a:t>‹Nº›</a:t>
+            </a:fld>
+            <a:endParaRPr lang="es-VE" dirty="0">
+              <a:solidFill>
+                <a:prstClr val="white">
+                  <a:tint val="75000"/>
+                </a:prstClr>
+              </a:solidFill>
+            </a:endParaRPr>
+          </a:p>
+        </p:txBody>
+      </p:sp>
+    </p:spTree>
+    <p:extLst>
+      <p:ext uri="{BB962C8B-B14F-4D97-AF65-F5344CB8AC3E}">
+        <p14:creationId xmlns:p14="http://schemas.microsoft.com/office/powerpoint/2010/main" val="2687198973"/>
+      </p:ext>
+    </p:extLst>
+  </p:cSld>
+  <p:clrMapOvr>
+    <a:masterClrMapping/>
+  </p:clrMapOvr>
+</p:sldLayout>
+</file>
+
+<file path=ppt/slideLayouts/slideLayout13.xml><?xml version="1.0" encoding="utf-8"?>
+<p:sldLayout xmlns:a="http://schemas.openxmlformats.org/drawingml/2006/main" xmlns:r="http://schemas.openxmlformats.org/officeDocument/2006/relationships" xmlns:p="http://schemas.openxmlformats.org/presentationml/2006/main" type="obj" preserve="1">
+  <p:cSld name="Título y objetos">
+    <p:spTree>
+      <p:nvGrpSpPr>
+        <p:cNvPr id="1" name=""/>
+        <p:cNvGrpSpPr/>
+        <p:nvPr/>
+      </p:nvGrpSpPr>
+      <p:grpSpPr>
+        <a:xfrm>
+          <a:off x="0" y="0"/>
+          <a:ext cx="0" cy="0"/>
+          <a:chOff x="0" y="0"/>
+          <a:chExt cx="0" cy="0"/>
+        </a:xfrm>
+      </p:grpSpPr>
+      <p:sp>
+        <p:nvSpPr>
+          <p:cNvPr id="2" name="Title 1"/>
+          <p:cNvSpPr>
+            <a:spLocks noGrp="1"/>
+          </p:cNvSpPr>
+          <p:nvPr>
+            <p:ph type="title"/>
+          </p:nvPr>
+        </p:nvSpPr>
+        <p:spPr/>
+        <p:txBody>
+          <a:bodyPr/>
+          <a:lstStyle/>
+          <a:p>
+            <a:r>
+              <a:rPr lang="es-ES"/>
+              <a:t>Haga clic para modificar el estilo de título del patrón</a:t>
+            </a:r>
+            <a:endParaRPr lang="en-US" dirty="0"/>
+          </a:p>
+        </p:txBody>
+      </p:sp>
+      <p:sp>
+        <p:nvSpPr>
+          <p:cNvPr id="3" name="Content Placeholder 2"/>
+          <p:cNvSpPr>
+            <a:spLocks noGrp="1"/>
+          </p:cNvSpPr>
+          <p:nvPr>
+            <p:ph idx="1"/>
+          </p:nvPr>
+        </p:nvSpPr>
+        <p:spPr/>
+        <p:txBody>
+          <a:bodyPr/>
+          <a:lstStyle/>
+          <a:p>
+            <a:pPr lvl="0"/>
+            <a:r>
+              <a:rPr lang="es-ES"/>
+              <a:t>Haga clic para modificar los estilos de texto del patrón</a:t>
+            </a:r>
+          </a:p>
+          <a:p>
+            <a:pPr lvl="1"/>
+            <a:r>
+              <a:rPr lang="es-ES"/>
+              <a:t>Segundo nivel</a:t>
+            </a:r>
+          </a:p>
+          <a:p>
+            <a:pPr lvl="2"/>
+            <a:r>
+              <a:rPr lang="es-ES"/>
+              <a:t>Tercer nivel</a:t>
+            </a:r>
+          </a:p>
+          <a:p>
+            <a:pPr lvl="3"/>
+            <a:r>
+              <a:rPr lang="es-ES"/>
+              <a:t>Cuarto nivel</a:t>
+            </a:r>
+          </a:p>
+          <a:p>
+            <a:pPr lvl="4"/>
+            <a:r>
+              <a:rPr lang="es-ES"/>
+              <a:t>Quinto nivel</a:t>
+            </a:r>
+            <a:endParaRPr lang="en-US" dirty="0"/>
+          </a:p>
+        </p:txBody>
+      </p:sp>
+      <p:sp>
+        <p:nvSpPr>
+          <p:cNvPr id="4" name="Date Placeholder 3"/>
+          <p:cNvSpPr>
+            <a:spLocks noGrp="1"/>
+          </p:cNvSpPr>
+          <p:nvPr>
+            <p:ph type="dt" sz="half" idx="10"/>
+          </p:nvPr>
+        </p:nvSpPr>
+        <p:spPr/>
+        <p:txBody>
+          <a:bodyPr/>
+          <a:lstStyle/>
+          <a:p>
+            <a:fld id="{50DEE611-8BEF-4990-B4F5-91A0FAC492E5}" type="datetimeFigureOut">
+              <a:rPr lang="es-VE" smtClean="0">
+                <a:solidFill>
+                  <a:prstClr val="white">
+                    <a:tint val="75000"/>
+                  </a:prstClr>
+                </a:solidFill>
+              </a:rPr>
+              <a:pPr/>
+              <a:t>08/05/2021</a:t>
+            </a:fld>
+            <a:endParaRPr lang="es-VE" dirty="0">
+              <a:solidFill>
+                <a:prstClr val="white">
+                  <a:tint val="75000"/>
+                </a:prstClr>
+              </a:solidFill>
+            </a:endParaRPr>
+          </a:p>
+        </p:txBody>
+      </p:sp>
+      <p:sp>
+        <p:nvSpPr>
+          <p:cNvPr id="5" name="Footer Placeholder 4"/>
+          <p:cNvSpPr>
+            <a:spLocks noGrp="1"/>
+          </p:cNvSpPr>
+          <p:nvPr>
+            <p:ph type="ftr" sz="quarter" idx="11"/>
+          </p:nvPr>
+        </p:nvSpPr>
+        <p:spPr/>
+        <p:txBody>
+          <a:bodyPr/>
+          <a:lstStyle/>
+          <a:p>
+            <a:endParaRPr lang="es-VE" dirty="0">
+              <a:solidFill>
+                <a:prstClr val="white">
+                  <a:tint val="75000"/>
+                </a:prstClr>
+              </a:solidFill>
+            </a:endParaRPr>
+          </a:p>
+        </p:txBody>
+      </p:sp>
+      <p:sp>
+        <p:nvSpPr>
+          <p:cNvPr id="6" name="Slide Number Placeholder 5"/>
+          <p:cNvSpPr>
+            <a:spLocks noGrp="1"/>
+          </p:cNvSpPr>
+          <p:nvPr>
+            <p:ph type="sldNum" sz="quarter" idx="12"/>
+          </p:nvPr>
+        </p:nvSpPr>
+        <p:spPr/>
+        <p:txBody>
+          <a:bodyPr/>
+          <a:lstStyle/>
+          <a:p>
+            <a:fld id="{C59C3D6C-8A4B-4894-9C44-65904329E8B4}" type="slidenum">
+              <a:rPr lang="es-VE" smtClean="0">
+                <a:solidFill>
+                  <a:prstClr val="white">
+                    <a:tint val="75000"/>
+                  </a:prstClr>
+                </a:solidFill>
+              </a:rPr>
+              <a:pPr/>
+              <a:t>‹Nº›</a:t>
+            </a:fld>
+            <a:endParaRPr lang="es-VE" dirty="0">
+              <a:solidFill>
+                <a:prstClr val="white">
+                  <a:tint val="75000"/>
+                </a:prstClr>
+              </a:solidFill>
+            </a:endParaRPr>
+          </a:p>
+        </p:txBody>
+      </p:sp>
+    </p:spTree>
+    <p:extLst>
+      <p:ext uri="{BB962C8B-B14F-4D97-AF65-F5344CB8AC3E}">
+        <p14:creationId xmlns:p14="http://schemas.microsoft.com/office/powerpoint/2010/main" val="3198160588"/>
+      </p:ext>
+    </p:extLst>
+  </p:cSld>
+  <p:clrMapOvr>
+    <a:masterClrMapping/>
+  </p:clrMapOvr>
+</p:sldLayout>
+</file>
+
+<file path=ppt/slideLayouts/slideLayout14.xml><?xml version="1.0" encoding="utf-8"?>
+<p:sldLayout xmlns:a="http://schemas.openxmlformats.org/drawingml/2006/main" xmlns:r="http://schemas.openxmlformats.org/officeDocument/2006/relationships" xmlns:p="http://schemas.openxmlformats.org/presentationml/2006/main" type="secHead" preserve="1">
+  <p:cSld name="Encabezado de sección">
+    <p:spTree>
+      <p:nvGrpSpPr>
+        <p:cNvPr id="1" name=""/>
+        <p:cNvGrpSpPr/>
+        <p:nvPr/>
+      </p:nvGrpSpPr>
+      <p:grpSpPr>
+        <a:xfrm>
+          <a:off x="0" y="0"/>
+          <a:ext cx="0" cy="0"/>
+          <a:chOff x="0" y="0"/>
+          <a:chExt cx="0" cy="0"/>
+        </a:xfrm>
+      </p:grpSpPr>
+      <p:sp>
+        <p:nvSpPr>
+          <p:cNvPr id="2" name="Title 1"/>
+          <p:cNvSpPr>
+            <a:spLocks noGrp="1"/>
+          </p:cNvSpPr>
+          <p:nvPr>
+            <p:ph type="title"/>
+          </p:nvPr>
+        </p:nvSpPr>
+        <p:spPr>
+          <a:xfrm>
+            <a:off x="623889" y="1424783"/>
+            <a:ext cx="7886700" cy="2377281"/>
+          </a:xfrm>
+        </p:spPr>
+        <p:txBody>
+          <a:bodyPr anchor="b"/>
+          <a:lstStyle>
+            <a:lvl1pPr>
+              <a:defRPr sz="4500"/>
+            </a:lvl1pPr>
+          </a:lstStyle>
+          <a:p>
+            <a:r>
+              <a:rPr lang="es-ES"/>
+              <a:t>Haga clic para modificar el estilo de título del patrón</a:t>
+            </a:r>
+            <a:endParaRPr lang="en-US" dirty="0"/>
+          </a:p>
+        </p:txBody>
+      </p:sp>
+      <p:sp>
+        <p:nvSpPr>
+          <p:cNvPr id="3" name="Text Placeholder 2"/>
+          <p:cNvSpPr>
+            <a:spLocks noGrp="1"/>
+          </p:cNvSpPr>
+          <p:nvPr>
+            <p:ph type="body" idx="1"/>
+          </p:nvPr>
+        </p:nvSpPr>
+        <p:spPr>
+          <a:xfrm>
+            <a:off x="623889" y="3824553"/>
+            <a:ext cx="7886700" cy="1250156"/>
+          </a:xfrm>
+        </p:spPr>
+        <p:txBody>
+          <a:bodyPr/>
+          <a:lstStyle>
+            <a:lvl1pPr marL="0" indent="0">
+              <a:buNone/>
+              <a:defRPr sz="1800">
+                <a:solidFill>
+                  <a:schemeClr val="tx1">
+                    <a:tint val="75000"/>
+                  </a:schemeClr>
+                </a:solidFill>
+              </a:defRPr>
+            </a:lvl1pPr>
+            <a:lvl2pPr marL="342891" indent="0">
+              <a:buNone/>
+              <a:defRPr sz="1500">
+                <a:solidFill>
+                  <a:schemeClr val="tx1">
+                    <a:tint val="75000"/>
+                  </a:schemeClr>
+                </a:solidFill>
+              </a:defRPr>
+            </a:lvl2pPr>
+            <a:lvl3pPr marL="685783" indent="0">
+              <a:buNone/>
+              <a:defRPr sz="1351">
+                <a:solidFill>
+                  <a:schemeClr val="tx1">
+                    <a:tint val="75000"/>
+                  </a:schemeClr>
+                </a:solidFill>
+              </a:defRPr>
+            </a:lvl3pPr>
+            <a:lvl4pPr marL="1028674" indent="0">
+              <a:buNone/>
+              <a:defRPr sz="1200">
+                <a:solidFill>
+                  <a:schemeClr val="tx1">
+                    <a:tint val="75000"/>
+                  </a:schemeClr>
+                </a:solidFill>
+              </a:defRPr>
+            </a:lvl4pPr>
+            <a:lvl5pPr marL="1371566" indent="0">
+              <a:buNone/>
+              <a:defRPr sz="1200">
+                <a:solidFill>
+                  <a:schemeClr val="tx1">
+                    <a:tint val="75000"/>
+                  </a:schemeClr>
+                </a:solidFill>
+              </a:defRPr>
+            </a:lvl5pPr>
+            <a:lvl6pPr marL="1714457" indent="0">
+              <a:buNone/>
+              <a:defRPr sz="1200">
+                <a:solidFill>
+                  <a:schemeClr val="tx1">
+                    <a:tint val="75000"/>
+                  </a:schemeClr>
+                </a:solidFill>
+              </a:defRPr>
+            </a:lvl6pPr>
+            <a:lvl7pPr marL="2057349" indent="0">
+              <a:buNone/>
+              <a:defRPr sz="1200">
+                <a:solidFill>
+                  <a:schemeClr val="tx1">
+                    <a:tint val="75000"/>
+                  </a:schemeClr>
+                </a:solidFill>
+              </a:defRPr>
+            </a:lvl7pPr>
+            <a:lvl8pPr marL="2400240" indent="0">
+              <a:buNone/>
+              <a:defRPr sz="1200">
+                <a:solidFill>
+                  <a:schemeClr val="tx1">
+                    <a:tint val="75000"/>
+                  </a:schemeClr>
+                </a:solidFill>
+              </a:defRPr>
+            </a:lvl8pPr>
+            <a:lvl9pPr marL="2743131" indent="0">
+              <a:buNone/>
+              <a:defRPr sz="1200">
+                <a:solidFill>
+                  <a:schemeClr val="tx1">
+                    <a:tint val="75000"/>
+                  </a:schemeClr>
+                </a:solidFill>
+              </a:defRPr>
+            </a:lvl9pPr>
+          </a:lstStyle>
+          <a:p>
+            <a:pPr lvl="0"/>
+            <a:r>
+              <a:rPr lang="es-ES"/>
+              <a:t>Haga clic para modificar los estilos de texto del patrón</a:t>
+            </a:r>
+          </a:p>
+        </p:txBody>
+      </p:sp>
+      <p:sp>
+        <p:nvSpPr>
+          <p:cNvPr id="4" name="Date Placeholder 3"/>
+          <p:cNvSpPr>
+            <a:spLocks noGrp="1"/>
+          </p:cNvSpPr>
+          <p:nvPr>
+            <p:ph type="dt" sz="half" idx="10"/>
+          </p:nvPr>
+        </p:nvSpPr>
+        <p:spPr/>
+        <p:txBody>
+          <a:bodyPr/>
+          <a:lstStyle/>
+          <a:p>
+            <a:fld id="{50DEE611-8BEF-4990-B4F5-91A0FAC492E5}" type="datetimeFigureOut">
+              <a:rPr lang="es-VE" smtClean="0">
+                <a:solidFill>
+                  <a:prstClr val="white">
+                    <a:tint val="75000"/>
+                  </a:prstClr>
+                </a:solidFill>
+              </a:rPr>
+              <a:pPr/>
+              <a:t>08/05/2021</a:t>
+            </a:fld>
+            <a:endParaRPr lang="es-VE" dirty="0">
+              <a:solidFill>
+                <a:prstClr val="white">
+                  <a:tint val="75000"/>
+                </a:prstClr>
+              </a:solidFill>
+            </a:endParaRPr>
+          </a:p>
+        </p:txBody>
+      </p:sp>
+      <p:sp>
+        <p:nvSpPr>
+          <p:cNvPr id="5" name="Footer Placeholder 4"/>
+          <p:cNvSpPr>
+            <a:spLocks noGrp="1"/>
+          </p:cNvSpPr>
+          <p:nvPr>
+            <p:ph type="ftr" sz="quarter" idx="11"/>
+          </p:nvPr>
+        </p:nvSpPr>
+        <p:spPr/>
+        <p:txBody>
+          <a:bodyPr/>
+          <a:lstStyle/>
+          <a:p>
+            <a:endParaRPr lang="es-VE" dirty="0">
+              <a:solidFill>
+                <a:prstClr val="white">
+                  <a:tint val="75000"/>
+                </a:prstClr>
+              </a:solidFill>
+            </a:endParaRPr>
+          </a:p>
+        </p:txBody>
+      </p:sp>
+      <p:sp>
+        <p:nvSpPr>
+          <p:cNvPr id="6" name="Slide Number Placeholder 5"/>
+          <p:cNvSpPr>
+            <a:spLocks noGrp="1"/>
+          </p:cNvSpPr>
+          <p:nvPr>
+            <p:ph type="sldNum" sz="quarter" idx="12"/>
+          </p:nvPr>
+        </p:nvSpPr>
+        <p:spPr/>
+        <p:txBody>
+          <a:bodyPr/>
+          <a:lstStyle/>
+          <a:p>
+            <a:fld id="{C59C3D6C-8A4B-4894-9C44-65904329E8B4}" type="slidenum">
+              <a:rPr lang="es-VE" smtClean="0">
+                <a:solidFill>
+                  <a:prstClr val="white">
+                    <a:tint val="75000"/>
+                  </a:prstClr>
+                </a:solidFill>
+              </a:rPr>
+              <a:pPr/>
+              <a:t>‹Nº›</a:t>
+            </a:fld>
+            <a:endParaRPr lang="es-VE" dirty="0">
+              <a:solidFill>
+                <a:prstClr val="white">
+                  <a:tint val="75000"/>
+                </a:prstClr>
+              </a:solidFill>
+            </a:endParaRPr>
+          </a:p>
+        </p:txBody>
+      </p:sp>
+    </p:spTree>
+    <p:extLst>
+      <p:ext uri="{BB962C8B-B14F-4D97-AF65-F5344CB8AC3E}">
+        <p14:creationId xmlns:p14="http://schemas.microsoft.com/office/powerpoint/2010/main" val="4237270797"/>
+      </p:ext>
+    </p:extLst>
+  </p:cSld>
+  <p:clrMapOvr>
+    <a:masterClrMapping/>
+  </p:clrMapOvr>
+</p:sldLayout>
+</file>
+
+<file path=ppt/slideLayouts/slideLayout15.xml><?xml version="1.0" encoding="utf-8"?>
+<p:sldLayout xmlns:a="http://schemas.openxmlformats.org/drawingml/2006/main" xmlns:r="http://schemas.openxmlformats.org/officeDocument/2006/relationships" xmlns:p="http://schemas.openxmlformats.org/presentationml/2006/main" type="twoObj" preserve="1">
+  <p:cSld name="Dos objetos">
+    <p:spTree>
+      <p:nvGrpSpPr>
+        <p:cNvPr id="1" name=""/>
+        <p:cNvGrpSpPr/>
+        <p:nvPr/>
+      </p:nvGrpSpPr>
+      <p:grpSpPr>
+        <a:xfrm>
+          <a:off x="0" y="0"/>
+          <a:ext cx="0" cy="0"/>
+          <a:chOff x="0" y="0"/>
+          <a:chExt cx="0" cy="0"/>
+        </a:xfrm>
+      </p:grpSpPr>
+      <p:sp>
+        <p:nvSpPr>
+          <p:cNvPr id="2" name="Title 1"/>
+          <p:cNvSpPr>
+            <a:spLocks noGrp="1"/>
+          </p:cNvSpPr>
+          <p:nvPr>
+            <p:ph type="title"/>
+          </p:nvPr>
+        </p:nvSpPr>
+        <p:spPr/>
+        <p:txBody>
+          <a:bodyPr/>
+          <a:lstStyle/>
+          <a:p>
+            <a:r>
+              <a:rPr lang="es-ES"/>
+              <a:t>Haga clic para modificar el estilo de título del patrón</a:t>
+            </a:r>
+            <a:endParaRPr lang="en-US" dirty="0"/>
+          </a:p>
+        </p:txBody>
+      </p:sp>
+      <p:sp>
+        <p:nvSpPr>
+          <p:cNvPr id="3" name="Content Placeholder 2"/>
+          <p:cNvSpPr>
+            <a:spLocks noGrp="1"/>
+          </p:cNvSpPr>
+          <p:nvPr>
+            <p:ph sz="half" idx="1"/>
+          </p:nvPr>
+        </p:nvSpPr>
+        <p:spPr>
+          <a:xfrm>
+            <a:off x="628651" y="1521354"/>
+            <a:ext cx="3886200" cy="3626115"/>
+          </a:xfrm>
+        </p:spPr>
+        <p:txBody>
+          <a:bodyPr/>
+          <a:lstStyle/>
+          <a:p>
+            <a:pPr lvl="0"/>
+            <a:r>
+              <a:rPr lang="es-ES"/>
+              <a:t>Haga clic para modificar los estilos de texto del patrón</a:t>
+            </a:r>
+          </a:p>
+          <a:p>
+            <a:pPr lvl="1"/>
+            <a:r>
+              <a:rPr lang="es-ES"/>
+              <a:t>Segundo nivel</a:t>
+            </a:r>
+          </a:p>
+          <a:p>
+            <a:pPr lvl="2"/>
+            <a:r>
+              <a:rPr lang="es-ES"/>
+              <a:t>Tercer nivel</a:t>
+            </a:r>
+          </a:p>
+          <a:p>
+            <a:pPr lvl="3"/>
+            <a:r>
+              <a:rPr lang="es-ES"/>
+              <a:t>Cuarto nivel</a:t>
+            </a:r>
+          </a:p>
+          <a:p>
+            <a:pPr lvl="4"/>
+            <a:r>
+              <a:rPr lang="es-ES"/>
+              <a:t>Quinto nivel</a:t>
+            </a:r>
+            <a:endParaRPr lang="en-US" dirty="0"/>
+          </a:p>
+        </p:txBody>
+      </p:sp>
+      <p:sp>
+        <p:nvSpPr>
+          <p:cNvPr id="4" name="Content Placeholder 3"/>
+          <p:cNvSpPr>
+            <a:spLocks noGrp="1"/>
+          </p:cNvSpPr>
+          <p:nvPr>
+            <p:ph sz="half" idx="2"/>
+          </p:nvPr>
+        </p:nvSpPr>
+        <p:spPr>
+          <a:xfrm>
+            <a:off x="4629151" y="1521354"/>
+            <a:ext cx="3886200" cy="3626115"/>
+          </a:xfrm>
+        </p:spPr>
+        <p:txBody>
+          <a:bodyPr/>
+          <a:lstStyle/>
+          <a:p>
+            <a:pPr lvl="0"/>
+            <a:r>
+              <a:rPr lang="es-ES"/>
+              <a:t>Haga clic para modificar los estilos de texto del patrón</a:t>
+            </a:r>
+          </a:p>
+          <a:p>
+            <a:pPr lvl="1"/>
+            <a:r>
+              <a:rPr lang="es-ES"/>
+              <a:t>Segundo nivel</a:t>
+            </a:r>
+          </a:p>
+          <a:p>
+            <a:pPr lvl="2"/>
+            <a:r>
+              <a:rPr lang="es-ES"/>
+              <a:t>Tercer nivel</a:t>
+            </a:r>
+          </a:p>
+          <a:p>
+            <a:pPr lvl="3"/>
+            <a:r>
+              <a:rPr lang="es-ES"/>
+              <a:t>Cuarto nivel</a:t>
+            </a:r>
+          </a:p>
+          <a:p>
+            <a:pPr lvl="4"/>
+            <a:r>
+              <a:rPr lang="es-ES"/>
+              <a:t>Quinto nivel</a:t>
+            </a:r>
+            <a:endParaRPr lang="en-US" dirty="0"/>
+          </a:p>
+        </p:txBody>
+      </p:sp>
+      <p:sp>
+        <p:nvSpPr>
+          <p:cNvPr id="5" name="Date Placeholder 4"/>
+          <p:cNvSpPr>
+            <a:spLocks noGrp="1"/>
+          </p:cNvSpPr>
+          <p:nvPr>
+            <p:ph type="dt" sz="half" idx="10"/>
+          </p:nvPr>
+        </p:nvSpPr>
+        <p:spPr/>
+        <p:txBody>
+          <a:bodyPr/>
+          <a:lstStyle/>
+          <a:p>
+            <a:fld id="{50DEE611-8BEF-4990-B4F5-91A0FAC492E5}" type="datetimeFigureOut">
+              <a:rPr lang="es-VE" smtClean="0">
+                <a:solidFill>
+                  <a:prstClr val="white">
+                    <a:tint val="75000"/>
+                  </a:prstClr>
+                </a:solidFill>
+              </a:rPr>
+              <a:pPr/>
+              <a:t>08/05/2021</a:t>
+            </a:fld>
+            <a:endParaRPr lang="es-VE" dirty="0">
+              <a:solidFill>
+                <a:prstClr val="white">
+                  <a:tint val="75000"/>
+                </a:prstClr>
+              </a:solidFill>
+            </a:endParaRPr>
+          </a:p>
+        </p:txBody>
+      </p:sp>
+      <p:sp>
+        <p:nvSpPr>
+          <p:cNvPr id="6" name="Footer Placeholder 5"/>
+          <p:cNvSpPr>
+            <a:spLocks noGrp="1"/>
+          </p:cNvSpPr>
+          <p:nvPr>
+            <p:ph type="ftr" sz="quarter" idx="11"/>
+          </p:nvPr>
+        </p:nvSpPr>
+        <p:spPr/>
+        <p:txBody>
+          <a:bodyPr/>
+          <a:lstStyle/>
+          <a:p>
+            <a:endParaRPr lang="es-VE" dirty="0">
+              <a:solidFill>
+                <a:prstClr val="white">
+                  <a:tint val="75000"/>
+                </a:prstClr>
+              </a:solidFill>
+            </a:endParaRPr>
+          </a:p>
+        </p:txBody>
+      </p:sp>
+      <p:sp>
+        <p:nvSpPr>
+          <p:cNvPr id="7" name="Slide Number Placeholder 6"/>
+          <p:cNvSpPr>
+            <a:spLocks noGrp="1"/>
+          </p:cNvSpPr>
+          <p:nvPr>
+            <p:ph type="sldNum" sz="quarter" idx="12"/>
+          </p:nvPr>
+        </p:nvSpPr>
+        <p:spPr/>
+        <p:txBody>
+          <a:bodyPr/>
+          <a:lstStyle/>
+          <a:p>
+            <a:fld id="{C59C3D6C-8A4B-4894-9C44-65904329E8B4}" type="slidenum">
+              <a:rPr lang="es-VE" smtClean="0">
+                <a:solidFill>
+                  <a:prstClr val="white">
+                    <a:tint val="75000"/>
+                  </a:prstClr>
+                </a:solidFill>
+              </a:rPr>
+              <a:pPr/>
+              <a:t>‹Nº›</a:t>
+            </a:fld>
+            <a:endParaRPr lang="es-VE" dirty="0">
+              <a:solidFill>
+                <a:prstClr val="white">
+                  <a:tint val="75000"/>
+                </a:prstClr>
+              </a:solidFill>
+            </a:endParaRPr>
+          </a:p>
+        </p:txBody>
+      </p:sp>
+    </p:spTree>
+    <p:extLst>
+      <p:ext uri="{BB962C8B-B14F-4D97-AF65-F5344CB8AC3E}">
+        <p14:creationId xmlns:p14="http://schemas.microsoft.com/office/powerpoint/2010/main" val="2962898865"/>
+      </p:ext>
+    </p:extLst>
+  </p:cSld>
+  <p:clrMapOvr>
+    <a:masterClrMapping/>
+  </p:clrMapOvr>
+</p:sldLayout>
+</file>
+
+<file path=ppt/slideLayouts/slideLayout16.xml><?xml version="1.0" encoding="utf-8"?>
+<p:sldLayout xmlns:a="http://schemas.openxmlformats.org/drawingml/2006/main" xmlns:r="http://schemas.openxmlformats.org/officeDocument/2006/relationships" xmlns:p="http://schemas.openxmlformats.org/presentationml/2006/main" type="twoTxTwoObj" preserve="1">
+  <p:cSld name="Comparación">
+    <p:spTree>
+      <p:nvGrpSpPr>
+        <p:cNvPr id="1" name=""/>
+        <p:cNvGrpSpPr/>
+        <p:nvPr/>
+      </p:nvGrpSpPr>
+      <p:grpSpPr>
+        <a:xfrm>
+          <a:off x="0" y="0"/>
+          <a:ext cx="0" cy="0"/>
+          <a:chOff x="0" y="0"/>
+          <a:chExt cx="0" cy="0"/>
+        </a:xfrm>
+      </p:grpSpPr>
+      <p:sp>
+        <p:nvSpPr>
+          <p:cNvPr id="2" name="Title 1"/>
+          <p:cNvSpPr>
+            <a:spLocks noGrp="1"/>
+          </p:cNvSpPr>
+          <p:nvPr>
+            <p:ph type="title"/>
+          </p:nvPr>
+        </p:nvSpPr>
+        <p:spPr>
+          <a:xfrm>
+            <a:off x="629842" y="304271"/>
+            <a:ext cx="7886700" cy="1104636"/>
+          </a:xfrm>
+        </p:spPr>
+        <p:txBody>
+          <a:bodyPr/>
+          <a:lstStyle/>
+          <a:p>
+            <a:r>
+              <a:rPr lang="es-ES"/>
+              <a:t>Haga clic para modificar el estilo de título del patrón</a:t>
+            </a:r>
+            <a:endParaRPr lang="en-US" dirty="0"/>
+          </a:p>
+        </p:txBody>
+      </p:sp>
+      <p:sp>
+        <p:nvSpPr>
+          <p:cNvPr id="3" name="Text Placeholder 2"/>
+          <p:cNvSpPr>
+            <a:spLocks noGrp="1"/>
+          </p:cNvSpPr>
+          <p:nvPr>
+            <p:ph type="body" idx="1"/>
+          </p:nvPr>
+        </p:nvSpPr>
+        <p:spPr>
+          <a:xfrm>
+            <a:off x="629842" y="1400970"/>
+            <a:ext cx="3868340" cy="686593"/>
+          </a:xfrm>
+        </p:spPr>
+        <p:txBody>
+          <a:bodyPr anchor="b"/>
+          <a:lstStyle>
+            <a:lvl1pPr marL="0" indent="0">
+              <a:buNone/>
+              <a:defRPr sz="1800" b="1"/>
+            </a:lvl1pPr>
+            <a:lvl2pPr marL="342891" indent="0">
+              <a:buNone/>
+              <a:defRPr sz="1500" b="1"/>
+            </a:lvl2pPr>
+            <a:lvl3pPr marL="685783" indent="0">
+              <a:buNone/>
+              <a:defRPr sz="1351" b="1"/>
+            </a:lvl3pPr>
+            <a:lvl4pPr marL="1028674" indent="0">
+              <a:buNone/>
+              <a:defRPr sz="1200" b="1"/>
+            </a:lvl4pPr>
+            <a:lvl5pPr marL="1371566" indent="0">
+              <a:buNone/>
+              <a:defRPr sz="1200" b="1"/>
+            </a:lvl5pPr>
+            <a:lvl6pPr marL="1714457" indent="0">
+              <a:buNone/>
+              <a:defRPr sz="1200" b="1"/>
+            </a:lvl6pPr>
+            <a:lvl7pPr marL="2057349" indent="0">
+              <a:buNone/>
+              <a:defRPr sz="1200" b="1"/>
+            </a:lvl7pPr>
+            <a:lvl8pPr marL="2400240" indent="0">
+              <a:buNone/>
+              <a:defRPr sz="1200" b="1"/>
+            </a:lvl8pPr>
+            <a:lvl9pPr marL="2743131" indent="0">
+              <a:buNone/>
+              <a:defRPr sz="1200" b="1"/>
+            </a:lvl9pPr>
+          </a:lstStyle>
+          <a:p>
+            <a:pPr lvl="0"/>
+            <a:r>
+              <a:rPr lang="es-ES"/>
+              <a:t>Haga clic para modificar los estilos de texto del patrón</a:t>
+            </a:r>
+          </a:p>
+        </p:txBody>
+      </p:sp>
+      <p:sp>
+        <p:nvSpPr>
+          <p:cNvPr id="4" name="Content Placeholder 3"/>
+          <p:cNvSpPr>
+            <a:spLocks noGrp="1"/>
+          </p:cNvSpPr>
+          <p:nvPr>
+            <p:ph sz="half" idx="2"/>
+          </p:nvPr>
+        </p:nvSpPr>
+        <p:spPr>
+          <a:xfrm>
+            <a:off x="629842" y="2087563"/>
+            <a:ext cx="3868340" cy="3070490"/>
+          </a:xfrm>
+        </p:spPr>
+        <p:txBody>
+          <a:bodyPr/>
+          <a:lstStyle/>
+          <a:p>
+            <a:pPr lvl="0"/>
+            <a:r>
+              <a:rPr lang="es-ES"/>
+              <a:t>Haga clic para modificar los estilos de texto del patrón</a:t>
+            </a:r>
+          </a:p>
+          <a:p>
+            <a:pPr lvl="1"/>
+            <a:r>
+              <a:rPr lang="es-ES"/>
+              <a:t>Segundo nivel</a:t>
+            </a:r>
+          </a:p>
+          <a:p>
+            <a:pPr lvl="2"/>
+            <a:r>
+              <a:rPr lang="es-ES"/>
+              <a:t>Tercer nivel</a:t>
+            </a:r>
+          </a:p>
+          <a:p>
+            <a:pPr lvl="3"/>
+            <a:r>
+              <a:rPr lang="es-ES"/>
+              <a:t>Cuarto nivel</a:t>
+            </a:r>
+          </a:p>
+          <a:p>
+            <a:pPr lvl="4"/>
+            <a:r>
+              <a:rPr lang="es-ES"/>
+              <a:t>Quinto nivel</a:t>
+            </a:r>
+            <a:endParaRPr lang="en-US" dirty="0"/>
+          </a:p>
+        </p:txBody>
+      </p:sp>
+      <p:sp>
+        <p:nvSpPr>
+          <p:cNvPr id="5" name="Text Placeholder 4"/>
+          <p:cNvSpPr>
+            <a:spLocks noGrp="1"/>
+          </p:cNvSpPr>
+          <p:nvPr>
+            <p:ph type="body" sz="quarter" idx="3"/>
+          </p:nvPr>
+        </p:nvSpPr>
+        <p:spPr>
+          <a:xfrm>
+            <a:off x="4629151" y="1400970"/>
+            <a:ext cx="3887391" cy="686593"/>
+          </a:xfrm>
+        </p:spPr>
+        <p:txBody>
+          <a:bodyPr anchor="b"/>
+          <a:lstStyle>
+            <a:lvl1pPr marL="0" indent="0">
+              <a:buNone/>
+              <a:defRPr sz="1800" b="1"/>
+            </a:lvl1pPr>
+            <a:lvl2pPr marL="342891" indent="0">
+              <a:buNone/>
+              <a:defRPr sz="1500" b="1"/>
+            </a:lvl2pPr>
+            <a:lvl3pPr marL="685783" indent="0">
+              <a:buNone/>
+              <a:defRPr sz="1351" b="1"/>
+            </a:lvl3pPr>
+            <a:lvl4pPr marL="1028674" indent="0">
+              <a:buNone/>
+              <a:defRPr sz="1200" b="1"/>
+            </a:lvl4pPr>
+            <a:lvl5pPr marL="1371566" indent="0">
+              <a:buNone/>
+              <a:defRPr sz="1200" b="1"/>
+            </a:lvl5pPr>
+            <a:lvl6pPr marL="1714457" indent="0">
+              <a:buNone/>
+              <a:defRPr sz="1200" b="1"/>
+            </a:lvl6pPr>
+            <a:lvl7pPr marL="2057349" indent="0">
+              <a:buNone/>
+              <a:defRPr sz="1200" b="1"/>
+            </a:lvl7pPr>
+            <a:lvl8pPr marL="2400240" indent="0">
+              <a:buNone/>
+              <a:defRPr sz="1200" b="1"/>
+            </a:lvl8pPr>
+            <a:lvl9pPr marL="2743131" indent="0">
+              <a:buNone/>
+              <a:defRPr sz="1200" b="1"/>
+            </a:lvl9pPr>
+          </a:lstStyle>
+          <a:p>
+            <a:pPr lvl="0"/>
+            <a:r>
+              <a:rPr lang="es-ES"/>
+              <a:t>Haga clic para modificar los estilos de texto del patrón</a:t>
+            </a:r>
+          </a:p>
+        </p:txBody>
+      </p:sp>
+      <p:sp>
+        <p:nvSpPr>
+          <p:cNvPr id="6" name="Content Placeholder 5"/>
+          <p:cNvSpPr>
+            <a:spLocks noGrp="1"/>
+          </p:cNvSpPr>
+          <p:nvPr>
+            <p:ph sz="quarter" idx="4"/>
+          </p:nvPr>
+        </p:nvSpPr>
+        <p:spPr>
+          <a:xfrm>
+            <a:off x="4629151" y="2087563"/>
+            <a:ext cx="3887391" cy="3070490"/>
+          </a:xfrm>
+        </p:spPr>
+        <p:txBody>
+          <a:bodyPr/>
+          <a:lstStyle/>
+          <a:p>
+            <a:pPr lvl="0"/>
+            <a:r>
+              <a:rPr lang="es-ES"/>
+              <a:t>Haga clic para modificar los estilos de texto del patrón</a:t>
+            </a:r>
+          </a:p>
+          <a:p>
+            <a:pPr lvl="1"/>
+            <a:r>
+              <a:rPr lang="es-ES"/>
+              <a:t>Segundo nivel</a:t>
+            </a:r>
+          </a:p>
+          <a:p>
+            <a:pPr lvl="2"/>
+            <a:r>
+              <a:rPr lang="es-ES"/>
+              <a:t>Tercer nivel</a:t>
+            </a:r>
+          </a:p>
+          <a:p>
+            <a:pPr lvl="3"/>
+            <a:r>
+              <a:rPr lang="es-ES"/>
+              <a:t>Cuarto nivel</a:t>
+            </a:r>
+          </a:p>
+          <a:p>
+            <a:pPr lvl="4"/>
+            <a:r>
+              <a:rPr lang="es-ES"/>
+              <a:t>Quinto nivel</a:t>
+            </a:r>
+            <a:endParaRPr lang="en-US" dirty="0"/>
+          </a:p>
+        </p:txBody>
+      </p:sp>
+      <p:sp>
+        <p:nvSpPr>
+          <p:cNvPr id="7" name="Date Placeholder 6"/>
+          <p:cNvSpPr>
+            <a:spLocks noGrp="1"/>
+          </p:cNvSpPr>
+          <p:nvPr>
+            <p:ph type="dt" sz="half" idx="10"/>
+          </p:nvPr>
+        </p:nvSpPr>
+        <p:spPr/>
+        <p:txBody>
+          <a:bodyPr/>
+          <a:lstStyle/>
+          <a:p>
+            <a:fld id="{50DEE611-8BEF-4990-B4F5-91A0FAC492E5}" type="datetimeFigureOut">
+              <a:rPr lang="es-VE" smtClean="0">
+                <a:solidFill>
+                  <a:prstClr val="white">
+                    <a:tint val="75000"/>
+                  </a:prstClr>
+                </a:solidFill>
+              </a:rPr>
+              <a:pPr/>
+              <a:t>08/05/2021</a:t>
+            </a:fld>
+            <a:endParaRPr lang="es-VE" dirty="0">
+              <a:solidFill>
+                <a:prstClr val="white">
+                  <a:tint val="75000"/>
+                </a:prstClr>
+              </a:solidFill>
+            </a:endParaRPr>
+          </a:p>
+        </p:txBody>
+      </p:sp>
+      <p:sp>
+        <p:nvSpPr>
+          <p:cNvPr id="8" name="Footer Placeholder 7"/>
+          <p:cNvSpPr>
+            <a:spLocks noGrp="1"/>
+          </p:cNvSpPr>
+          <p:nvPr>
+            <p:ph type="ftr" sz="quarter" idx="11"/>
+          </p:nvPr>
+        </p:nvSpPr>
+        <p:spPr/>
+        <p:txBody>
+          <a:bodyPr/>
+          <a:lstStyle/>
+          <a:p>
+            <a:endParaRPr lang="es-VE" dirty="0">
+              <a:solidFill>
+                <a:prstClr val="white">
+                  <a:tint val="75000"/>
+                </a:prstClr>
+              </a:solidFill>
+            </a:endParaRPr>
+          </a:p>
+        </p:txBody>
+      </p:sp>
+      <p:sp>
+        <p:nvSpPr>
+          <p:cNvPr id="9" name="Slide Number Placeholder 8"/>
+          <p:cNvSpPr>
+            <a:spLocks noGrp="1"/>
+          </p:cNvSpPr>
+          <p:nvPr>
+            <p:ph type="sldNum" sz="quarter" idx="12"/>
+          </p:nvPr>
+        </p:nvSpPr>
+        <p:spPr/>
+        <p:txBody>
+          <a:bodyPr/>
+          <a:lstStyle/>
+          <a:p>
+            <a:fld id="{C59C3D6C-8A4B-4894-9C44-65904329E8B4}" type="slidenum">
+              <a:rPr lang="es-VE" smtClean="0">
+                <a:solidFill>
+                  <a:prstClr val="white">
+                    <a:tint val="75000"/>
+                  </a:prstClr>
+                </a:solidFill>
+              </a:rPr>
+              <a:pPr/>
+              <a:t>‹Nº›</a:t>
+            </a:fld>
+            <a:endParaRPr lang="es-VE" dirty="0">
+              <a:solidFill>
+                <a:prstClr val="white">
+                  <a:tint val="75000"/>
+                </a:prstClr>
+              </a:solidFill>
+            </a:endParaRPr>
+          </a:p>
+        </p:txBody>
+      </p:sp>
+    </p:spTree>
+    <p:extLst>
+      <p:ext uri="{BB962C8B-B14F-4D97-AF65-F5344CB8AC3E}">
+        <p14:creationId xmlns:p14="http://schemas.microsoft.com/office/powerpoint/2010/main" val="3700399445"/>
+      </p:ext>
+    </p:extLst>
+  </p:cSld>
+  <p:clrMapOvr>
+    <a:masterClrMapping/>
+  </p:clrMapOvr>
+</p:sldLayout>
+</file>
+
+<file path=ppt/slideLayouts/slideLayout17.xml><?xml version="1.0" encoding="utf-8"?>
+<p:sldLayout xmlns:a="http://schemas.openxmlformats.org/drawingml/2006/main" xmlns:r="http://schemas.openxmlformats.org/officeDocument/2006/relationships" xmlns:p="http://schemas.openxmlformats.org/presentationml/2006/main" type="titleOnly" preserve="1">
+  <p:cSld name="Solo el título">
+    <p:spTree>
+      <p:nvGrpSpPr>
+        <p:cNvPr id="1" name=""/>
+        <p:cNvGrpSpPr/>
+        <p:nvPr/>
+      </p:nvGrpSpPr>
+      <p:grpSpPr>
+        <a:xfrm>
+          <a:off x="0" y="0"/>
+          <a:ext cx="0" cy="0"/>
+          <a:chOff x="0" y="0"/>
+          <a:chExt cx="0" cy="0"/>
+        </a:xfrm>
+      </p:grpSpPr>
+      <p:sp>
+        <p:nvSpPr>
+          <p:cNvPr id="2" name="Title 1"/>
+          <p:cNvSpPr>
+            <a:spLocks noGrp="1"/>
+          </p:cNvSpPr>
+          <p:nvPr>
+            <p:ph type="title"/>
+          </p:nvPr>
+        </p:nvSpPr>
+        <p:spPr/>
+        <p:txBody>
+          <a:bodyPr/>
+          <a:lstStyle/>
+          <a:p>
+            <a:r>
+              <a:rPr lang="es-ES"/>
+              <a:t>Haga clic para modificar el estilo de título del patrón</a:t>
+            </a:r>
+            <a:endParaRPr lang="en-US" dirty="0"/>
+          </a:p>
+        </p:txBody>
+      </p:sp>
+      <p:sp>
+        <p:nvSpPr>
+          <p:cNvPr id="3" name="Date Placeholder 2"/>
+          <p:cNvSpPr>
+            <a:spLocks noGrp="1"/>
+          </p:cNvSpPr>
+          <p:nvPr>
+            <p:ph type="dt" sz="half" idx="10"/>
+          </p:nvPr>
+        </p:nvSpPr>
+        <p:spPr/>
+        <p:txBody>
+          <a:bodyPr/>
+          <a:lstStyle/>
+          <a:p>
+            <a:fld id="{50DEE611-8BEF-4990-B4F5-91A0FAC492E5}" type="datetimeFigureOut">
+              <a:rPr lang="es-VE" smtClean="0">
+                <a:solidFill>
+                  <a:prstClr val="white">
+                    <a:tint val="75000"/>
+                  </a:prstClr>
+                </a:solidFill>
+              </a:rPr>
+              <a:pPr/>
+              <a:t>08/05/2021</a:t>
+            </a:fld>
+            <a:endParaRPr lang="es-VE" dirty="0">
+              <a:solidFill>
+                <a:prstClr val="white">
+                  <a:tint val="75000"/>
+                </a:prstClr>
+              </a:solidFill>
+            </a:endParaRPr>
+          </a:p>
+        </p:txBody>
+      </p:sp>
+      <p:sp>
+        <p:nvSpPr>
+          <p:cNvPr id="4" name="Footer Placeholder 3"/>
+          <p:cNvSpPr>
+            <a:spLocks noGrp="1"/>
+          </p:cNvSpPr>
+          <p:nvPr>
+            <p:ph type="ftr" sz="quarter" idx="11"/>
+          </p:nvPr>
+        </p:nvSpPr>
+        <p:spPr/>
+        <p:txBody>
+          <a:bodyPr/>
+          <a:lstStyle/>
+          <a:p>
+            <a:endParaRPr lang="es-VE" dirty="0">
+              <a:solidFill>
+                <a:prstClr val="white">
+                  <a:tint val="75000"/>
+                </a:prstClr>
+              </a:solidFill>
+            </a:endParaRPr>
+          </a:p>
+        </p:txBody>
+      </p:sp>
+      <p:sp>
+        <p:nvSpPr>
+          <p:cNvPr id="5" name="Slide Number Placeholder 4"/>
+          <p:cNvSpPr>
+            <a:spLocks noGrp="1"/>
+          </p:cNvSpPr>
+          <p:nvPr>
+            <p:ph type="sldNum" sz="quarter" idx="12"/>
+          </p:nvPr>
+        </p:nvSpPr>
+        <p:spPr/>
+        <p:txBody>
+          <a:bodyPr/>
+          <a:lstStyle/>
+          <a:p>
+            <a:fld id="{C59C3D6C-8A4B-4894-9C44-65904329E8B4}" type="slidenum">
+              <a:rPr lang="es-VE" smtClean="0">
+                <a:solidFill>
+                  <a:prstClr val="white">
+                    <a:tint val="75000"/>
+                  </a:prstClr>
+                </a:solidFill>
+              </a:rPr>
+              <a:pPr/>
+              <a:t>‹Nº›</a:t>
+            </a:fld>
+            <a:endParaRPr lang="es-VE" dirty="0">
+              <a:solidFill>
+                <a:prstClr val="white">
+                  <a:tint val="75000"/>
+                </a:prstClr>
+              </a:solidFill>
+            </a:endParaRPr>
+          </a:p>
+        </p:txBody>
+      </p:sp>
+    </p:spTree>
+    <p:extLst>
+      <p:ext uri="{BB962C8B-B14F-4D97-AF65-F5344CB8AC3E}">
+        <p14:creationId xmlns:p14="http://schemas.microsoft.com/office/powerpoint/2010/main" val="3491622635"/>
+      </p:ext>
+    </p:extLst>
+  </p:cSld>
+  <p:clrMapOvr>
+    <a:masterClrMapping/>
+  </p:clrMapOvr>
+</p:sldLayout>
+</file>
+
+<file path=ppt/slideLayouts/slideLayout18.xml><?xml version="1.0" encoding="utf-8"?>
+<p:sldLayout xmlns:a="http://schemas.openxmlformats.org/drawingml/2006/main" xmlns:r="http://schemas.openxmlformats.org/officeDocument/2006/relationships" xmlns:p="http://schemas.openxmlformats.org/presentationml/2006/main" type="blank" preserve="1">
+  <p:cSld name="En blanco">
+    <p:spTree>
+      <p:nvGrpSpPr>
+        <p:cNvPr id="1" name=""/>
+        <p:cNvGrpSpPr/>
+        <p:nvPr/>
+      </p:nvGrpSpPr>
+      <p:grpSpPr>
+        <a:xfrm>
+          <a:off x="0" y="0"/>
+          <a:ext cx="0" cy="0"/>
+          <a:chOff x="0" y="0"/>
+          <a:chExt cx="0" cy="0"/>
+        </a:xfrm>
+      </p:grpSpPr>
+      <p:sp>
+        <p:nvSpPr>
+          <p:cNvPr id="2" name="Date Placeholder 1"/>
+          <p:cNvSpPr>
+            <a:spLocks noGrp="1"/>
+          </p:cNvSpPr>
+          <p:nvPr>
+            <p:ph type="dt" sz="half" idx="10"/>
+          </p:nvPr>
+        </p:nvSpPr>
+        <p:spPr/>
+        <p:txBody>
+          <a:bodyPr/>
+          <a:lstStyle/>
+          <a:p>
+            <a:fld id="{50DEE611-8BEF-4990-B4F5-91A0FAC492E5}" type="datetimeFigureOut">
+              <a:rPr lang="es-VE" smtClean="0">
+                <a:solidFill>
+                  <a:prstClr val="white">
+                    <a:tint val="75000"/>
+                  </a:prstClr>
+                </a:solidFill>
+              </a:rPr>
+              <a:pPr/>
+              <a:t>08/05/2021</a:t>
+            </a:fld>
+            <a:endParaRPr lang="es-VE" dirty="0">
+              <a:solidFill>
+                <a:prstClr val="white">
+                  <a:tint val="75000"/>
+                </a:prstClr>
+              </a:solidFill>
+            </a:endParaRPr>
+          </a:p>
+        </p:txBody>
+      </p:sp>
+      <p:sp>
+        <p:nvSpPr>
+          <p:cNvPr id="3" name="Footer Placeholder 2"/>
+          <p:cNvSpPr>
+            <a:spLocks noGrp="1"/>
+          </p:cNvSpPr>
+          <p:nvPr>
+            <p:ph type="ftr" sz="quarter" idx="11"/>
+          </p:nvPr>
+        </p:nvSpPr>
+        <p:spPr/>
+        <p:txBody>
+          <a:bodyPr/>
+          <a:lstStyle/>
+          <a:p>
+            <a:endParaRPr lang="es-VE" dirty="0">
+              <a:solidFill>
+                <a:prstClr val="white">
+                  <a:tint val="75000"/>
+                </a:prstClr>
+              </a:solidFill>
+            </a:endParaRPr>
+          </a:p>
+        </p:txBody>
+      </p:sp>
+      <p:sp>
+        <p:nvSpPr>
+          <p:cNvPr id="4" name="Slide Number Placeholder 3"/>
+          <p:cNvSpPr>
+            <a:spLocks noGrp="1"/>
+          </p:cNvSpPr>
+          <p:nvPr>
+            <p:ph type="sldNum" sz="quarter" idx="12"/>
+          </p:nvPr>
+        </p:nvSpPr>
+        <p:spPr/>
+        <p:txBody>
+          <a:bodyPr/>
+          <a:lstStyle/>
+          <a:p>
+            <a:fld id="{C59C3D6C-8A4B-4894-9C44-65904329E8B4}" type="slidenum">
+              <a:rPr lang="es-VE" smtClean="0">
+                <a:solidFill>
+                  <a:prstClr val="white">
+                    <a:tint val="75000"/>
+                  </a:prstClr>
+                </a:solidFill>
+              </a:rPr>
+              <a:pPr/>
+              <a:t>‹Nº›</a:t>
+            </a:fld>
+            <a:endParaRPr lang="es-VE" dirty="0">
+              <a:solidFill>
+                <a:prstClr val="white">
+                  <a:tint val="75000"/>
+                </a:prstClr>
+              </a:solidFill>
+            </a:endParaRPr>
+          </a:p>
+        </p:txBody>
+      </p:sp>
+    </p:spTree>
+    <p:extLst>
+      <p:ext uri="{BB962C8B-B14F-4D97-AF65-F5344CB8AC3E}">
+        <p14:creationId xmlns:p14="http://schemas.microsoft.com/office/powerpoint/2010/main" val="3975748902"/>
+      </p:ext>
+    </p:extLst>
+  </p:cSld>
+  <p:clrMapOvr>
+    <a:masterClrMapping/>
+  </p:clrMapOvr>
+</p:sldLayout>
+</file>
+
+<file path=ppt/slideLayouts/slideLayout19.xml><?xml version="1.0" encoding="utf-8"?>
+<p:sldLayout xmlns:a="http://schemas.openxmlformats.org/drawingml/2006/main" xmlns:r="http://schemas.openxmlformats.org/officeDocument/2006/relationships" xmlns:p="http://schemas.openxmlformats.org/presentationml/2006/main" type="objTx" preserve="1">
+  <p:cSld name="Contenido con título">
+    <p:spTree>
+      <p:nvGrpSpPr>
+        <p:cNvPr id="1" name=""/>
+        <p:cNvGrpSpPr/>
+        <p:nvPr/>
+      </p:nvGrpSpPr>
+      <p:grpSpPr>
+        <a:xfrm>
+          <a:off x="0" y="0"/>
+          <a:ext cx="0" cy="0"/>
+          <a:chOff x="0" y="0"/>
+          <a:chExt cx="0" cy="0"/>
+        </a:xfrm>
+      </p:grpSpPr>
+      <p:sp>
+        <p:nvSpPr>
+          <p:cNvPr id="2" name="Title 1"/>
+          <p:cNvSpPr>
+            <a:spLocks noGrp="1"/>
+          </p:cNvSpPr>
+          <p:nvPr>
+            <p:ph type="title"/>
+          </p:nvPr>
+        </p:nvSpPr>
+        <p:spPr>
+          <a:xfrm>
+            <a:off x="629841" y="381000"/>
+            <a:ext cx="2949179" cy="1333500"/>
+          </a:xfrm>
+        </p:spPr>
+        <p:txBody>
+          <a:bodyPr anchor="b"/>
+          <a:lstStyle>
+            <a:lvl1pPr>
+              <a:defRPr sz="2400"/>
+            </a:lvl1pPr>
+          </a:lstStyle>
+          <a:p>
+            <a:r>
+              <a:rPr lang="es-ES"/>
+              <a:t>Haga clic para modificar el estilo de título del patrón</a:t>
+            </a:r>
+            <a:endParaRPr lang="en-US" dirty="0"/>
+          </a:p>
+        </p:txBody>
+      </p:sp>
+      <p:sp>
+        <p:nvSpPr>
+          <p:cNvPr id="3" name="Content Placeholder 2"/>
+          <p:cNvSpPr>
+            <a:spLocks noGrp="1"/>
+          </p:cNvSpPr>
+          <p:nvPr>
+            <p:ph idx="1"/>
+          </p:nvPr>
+        </p:nvSpPr>
+        <p:spPr>
+          <a:xfrm>
+            <a:off x="3887391" y="822855"/>
+            <a:ext cx="4629151" cy="4061354"/>
+          </a:xfrm>
+        </p:spPr>
+        <p:txBody>
+          <a:bodyPr/>
+          <a:lstStyle>
+            <a:lvl1pPr>
+              <a:defRPr sz="2400"/>
+            </a:lvl1pPr>
+            <a:lvl2pPr>
+              <a:defRPr sz="2100"/>
+            </a:lvl2pPr>
+            <a:lvl3pPr>
+              <a:defRPr sz="1800"/>
+            </a:lvl3pPr>
+            <a:lvl4pPr>
+              <a:defRPr sz="1500"/>
+            </a:lvl4pPr>
+            <a:lvl5pPr>
+              <a:defRPr sz="1500"/>
+            </a:lvl5pPr>
+            <a:lvl6pPr>
+              <a:defRPr sz="1500"/>
+            </a:lvl6pPr>
+            <a:lvl7pPr>
+              <a:defRPr sz="1500"/>
+            </a:lvl7pPr>
+            <a:lvl8pPr>
+              <a:defRPr sz="1500"/>
+            </a:lvl8pPr>
+            <a:lvl9pPr>
+              <a:defRPr sz="1500"/>
+            </a:lvl9pPr>
+          </a:lstStyle>
+          <a:p>
+            <a:pPr lvl="0"/>
+            <a:r>
+              <a:rPr lang="es-ES"/>
+              <a:t>Haga clic para modificar los estilos de texto del patrón</a:t>
+            </a:r>
+          </a:p>
+          <a:p>
+            <a:pPr lvl="1"/>
+            <a:r>
+              <a:rPr lang="es-ES"/>
+              <a:t>Segundo nivel</a:t>
+            </a:r>
+          </a:p>
+          <a:p>
+            <a:pPr lvl="2"/>
+            <a:r>
+              <a:rPr lang="es-ES"/>
+              <a:t>Tercer nivel</a:t>
+            </a:r>
+          </a:p>
+          <a:p>
+            <a:pPr lvl="3"/>
+            <a:r>
+              <a:rPr lang="es-ES"/>
+              <a:t>Cuarto nivel</a:t>
+            </a:r>
+          </a:p>
+          <a:p>
+            <a:pPr lvl="4"/>
+            <a:r>
+              <a:rPr lang="es-ES"/>
+              <a:t>Quinto nivel</a:t>
+            </a:r>
+            <a:endParaRPr lang="en-US" dirty="0"/>
+          </a:p>
+        </p:txBody>
+      </p:sp>
+      <p:sp>
+        <p:nvSpPr>
+          <p:cNvPr id="4" name="Text Placeholder 3"/>
+          <p:cNvSpPr>
+            <a:spLocks noGrp="1"/>
+          </p:cNvSpPr>
+          <p:nvPr>
+            <p:ph type="body" sz="half" idx="2"/>
+          </p:nvPr>
+        </p:nvSpPr>
+        <p:spPr>
+          <a:xfrm>
+            <a:off x="629841" y="1714501"/>
+            <a:ext cx="2949179" cy="3176323"/>
+          </a:xfrm>
+        </p:spPr>
+        <p:txBody>
+          <a:bodyPr/>
+          <a:lstStyle>
+            <a:lvl1pPr marL="0" indent="0">
+              <a:buNone/>
+              <a:defRPr sz="1200"/>
+            </a:lvl1pPr>
+            <a:lvl2pPr marL="342891" indent="0">
+              <a:buNone/>
+              <a:defRPr sz="1051"/>
+            </a:lvl2pPr>
+            <a:lvl3pPr marL="685783" indent="0">
+              <a:buNone/>
+              <a:defRPr sz="900"/>
+            </a:lvl3pPr>
+            <a:lvl4pPr marL="1028674" indent="0">
+              <a:buNone/>
+              <a:defRPr sz="751"/>
+            </a:lvl4pPr>
+            <a:lvl5pPr marL="1371566" indent="0">
+              <a:buNone/>
+              <a:defRPr sz="751"/>
+            </a:lvl5pPr>
+            <a:lvl6pPr marL="1714457" indent="0">
+              <a:buNone/>
+              <a:defRPr sz="751"/>
+            </a:lvl6pPr>
+            <a:lvl7pPr marL="2057349" indent="0">
+              <a:buNone/>
+              <a:defRPr sz="751"/>
+            </a:lvl7pPr>
+            <a:lvl8pPr marL="2400240" indent="0">
+              <a:buNone/>
+              <a:defRPr sz="751"/>
+            </a:lvl8pPr>
+            <a:lvl9pPr marL="2743131" indent="0">
+              <a:buNone/>
+              <a:defRPr sz="751"/>
+            </a:lvl9pPr>
+          </a:lstStyle>
+          <a:p>
+            <a:pPr lvl="0"/>
+            <a:r>
+              <a:rPr lang="es-ES"/>
+              <a:t>Haga clic para modificar los estilos de texto del patrón</a:t>
+            </a:r>
+          </a:p>
+        </p:txBody>
+      </p:sp>
+      <p:sp>
+        <p:nvSpPr>
+          <p:cNvPr id="5" name="Date Placeholder 4"/>
+          <p:cNvSpPr>
+            <a:spLocks noGrp="1"/>
+          </p:cNvSpPr>
+          <p:nvPr>
+            <p:ph type="dt" sz="half" idx="10"/>
+          </p:nvPr>
+        </p:nvSpPr>
+        <p:spPr/>
+        <p:txBody>
+          <a:bodyPr/>
+          <a:lstStyle/>
+          <a:p>
+            <a:fld id="{50DEE611-8BEF-4990-B4F5-91A0FAC492E5}" type="datetimeFigureOut">
+              <a:rPr lang="es-VE" smtClean="0">
+                <a:solidFill>
+                  <a:prstClr val="white">
+                    <a:tint val="75000"/>
+                  </a:prstClr>
+                </a:solidFill>
+              </a:rPr>
+              <a:pPr/>
+              <a:t>08/05/2021</a:t>
+            </a:fld>
+            <a:endParaRPr lang="es-VE" dirty="0">
+              <a:solidFill>
+                <a:prstClr val="white">
+                  <a:tint val="75000"/>
+                </a:prstClr>
+              </a:solidFill>
+            </a:endParaRPr>
+          </a:p>
+        </p:txBody>
+      </p:sp>
+      <p:sp>
+        <p:nvSpPr>
+          <p:cNvPr id="6" name="Footer Placeholder 5"/>
+          <p:cNvSpPr>
+            <a:spLocks noGrp="1"/>
+          </p:cNvSpPr>
+          <p:nvPr>
+            <p:ph type="ftr" sz="quarter" idx="11"/>
+          </p:nvPr>
+        </p:nvSpPr>
+        <p:spPr/>
+        <p:txBody>
+          <a:bodyPr/>
+          <a:lstStyle/>
+          <a:p>
+            <a:endParaRPr lang="es-VE" dirty="0">
+              <a:solidFill>
+                <a:prstClr val="white">
+                  <a:tint val="75000"/>
+                </a:prstClr>
+              </a:solidFill>
+            </a:endParaRPr>
+          </a:p>
+        </p:txBody>
+      </p:sp>
+      <p:sp>
+        <p:nvSpPr>
+          <p:cNvPr id="7" name="Slide Number Placeholder 6"/>
+          <p:cNvSpPr>
+            <a:spLocks noGrp="1"/>
+          </p:cNvSpPr>
+          <p:nvPr>
+            <p:ph type="sldNum" sz="quarter" idx="12"/>
+          </p:nvPr>
+        </p:nvSpPr>
+        <p:spPr/>
+        <p:txBody>
+          <a:bodyPr/>
+          <a:lstStyle/>
+          <a:p>
+            <a:fld id="{C59C3D6C-8A4B-4894-9C44-65904329E8B4}" type="slidenum">
+              <a:rPr lang="es-VE" smtClean="0">
+                <a:solidFill>
+                  <a:prstClr val="white">
+                    <a:tint val="75000"/>
+                  </a:prstClr>
+                </a:solidFill>
+              </a:rPr>
+              <a:pPr/>
+              <a:t>‹Nº›</a:t>
+            </a:fld>
+            <a:endParaRPr lang="es-VE" dirty="0">
+              <a:solidFill>
+                <a:prstClr val="white">
+                  <a:tint val="75000"/>
+                </a:prstClr>
+              </a:solidFill>
+            </a:endParaRPr>
+          </a:p>
+        </p:txBody>
+      </p:sp>
+    </p:spTree>
+    <p:extLst>
+      <p:ext uri="{BB962C8B-B14F-4D97-AF65-F5344CB8AC3E}">
+        <p14:creationId xmlns:p14="http://schemas.microsoft.com/office/powerpoint/2010/main" val="720063094"/>
       </p:ext>
     </p:extLst>
   </p:cSld>
@@ -776,7 +2738,7 @@
           <a:p>
             <a:fld id="{50DEE611-8BEF-4990-B4F5-91A0FAC492E5}" type="datetimeFigureOut">
               <a:rPr lang="es-VE" smtClean="0"/>
-              <a:t>30/04/2021</a:t>
+              <a:t>08/05/2021</a:t>
             </a:fld>
             <a:endParaRPr lang="es-VE" dirty="0"/>
           </a:p>
@@ -828,6 +2790,709 @@
     <p:extLst>
       <p:ext uri="{BB962C8B-B14F-4D97-AF65-F5344CB8AC3E}">
         <p14:creationId xmlns:p14="http://schemas.microsoft.com/office/powerpoint/2010/main" val="932787524"/>
+      </p:ext>
+    </p:extLst>
+  </p:cSld>
+  <p:clrMapOvr>
+    <a:masterClrMapping/>
+  </p:clrMapOvr>
+</p:sldLayout>
+</file>
+
+<file path=ppt/slideLayouts/slideLayout20.xml><?xml version="1.0" encoding="utf-8"?>
+<p:sldLayout xmlns:a="http://schemas.openxmlformats.org/drawingml/2006/main" xmlns:r="http://schemas.openxmlformats.org/officeDocument/2006/relationships" xmlns:p="http://schemas.openxmlformats.org/presentationml/2006/main" type="picTx" preserve="1">
+  <p:cSld name="Imagen con título">
+    <p:spTree>
+      <p:nvGrpSpPr>
+        <p:cNvPr id="1" name=""/>
+        <p:cNvGrpSpPr/>
+        <p:nvPr/>
+      </p:nvGrpSpPr>
+      <p:grpSpPr>
+        <a:xfrm>
+          <a:off x="0" y="0"/>
+          <a:ext cx="0" cy="0"/>
+          <a:chOff x="0" y="0"/>
+          <a:chExt cx="0" cy="0"/>
+        </a:xfrm>
+      </p:grpSpPr>
+      <p:sp>
+        <p:nvSpPr>
+          <p:cNvPr id="2" name="Title 1"/>
+          <p:cNvSpPr>
+            <a:spLocks noGrp="1"/>
+          </p:cNvSpPr>
+          <p:nvPr>
+            <p:ph type="title"/>
+          </p:nvPr>
+        </p:nvSpPr>
+        <p:spPr>
+          <a:xfrm>
+            <a:off x="629841" y="381000"/>
+            <a:ext cx="2949179" cy="1333500"/>
+          </a:xfrm>
+        </p:spPr>
+        <p:txBody>
+          <a:bodyPr anchor="b"/>
+          <a:lstStyle>
+            <a:lvl1pPr>
+              <a:defRPr sz="2400"/>
+            </a:lvl1pPr>
+          </a:lstStyle>
+          <a:p>
+            <a:r>
+              <a:rPr lang="es-ES"/>
+              <a:t>Haga clic para modificar el estilo de título del patrón</a:t>
+            </a:r>
+            <a:endParaRPr lang="en-US" dirty="0"/>
+          </a:p>
+        </p:txBody>
+      </p:sp>
+      <p:sp>
+        <p:nvSpPr>
+          <p:cNvPr id="3" name="Picture Placeholder 2"/>
+          <p:cNvSpPr>
+            <a:spLocks noGrp="1" noChangeAspect="1"/>
+          </p:cNvSpPr>
+          <p:nvPr>
+            <p:ph type="pic" idx="1"/>
+          </p:nvPr>
+        </p:nvSpPr>
+        <p:spPr>
+          <a:xfrm>
+            <a:off x="3887391" y="822855"/>
+            <a:ext cx="4629151" cy="4061354"/>
+          </a:xfrm>
+        </p:spPr>
+        <p:txBody>
+          <a:bodyPr anchor="t"/>
+          <a:lstStyle>
+            <a:lvl1pPr marL="0" indent="0">
+              <a:buNone/>
+              <a:defRPr sz="2400"/>
+            </a:lvl1pPr>
+            <a:lvl2pPr marL="342891" indent="0">
+              <a:buNone/>
+              <a:defRPr sz="2100"/>
+            </a:lvl2pPr>
+            <a:lvl3pPr marL="685783" indent="0">
+              <a:buNone/>
+              <a:defRPr sz="1800"/>
+            </a:lvl3pPr>
+            <a:lvl4pPr marL="1028674" indent="0">
+              <a:buNone/>
+              <a:defRPr sz="1500"/>
+            </a:lvl4pPr>
+            <a:lvl5pPr marL="1371566" indent="0">
+              <a:buNone/>
+              <a:defRPr sz="1500"/>
+            </a:lvl5pPr>
+            <a:lvl6pPr marL="1714457" indent="0">
+              <a:buNone/>
+              <a:defRPr sz="1500"/>
+            </a:lvl6pPr>
+            <a:lvl7pPr marL="2057349" indent="0">
+              <a:buNone/>
+              <a:defRPr sz="1500"/>
+            </a:lvl7pPr>
+            <a:lvl8pPr marL="2400240" indent="0">
+              <a:buNone/>
+              <a:defRPr sz="1500"/>
+            </a:lvl8pPr>
+            <a:lvl9pPr marL="2743131" indent="0">
+              <a:buNone/>
+              <a:defRPr sz="1500"/>
+            </a:lvl9pPr>
+          </a:lstStyle>
+          <a:p>
+            <a:r>
+              <a:rPr lang="es-ES" dirty="0"/>
+              <a:t>Haga clic en el icono para agregar una imagen</a:t>
+            </a:r>
+            <a:endParaRPr lang="en-US" dirty="0"/>
+          </a:p>
+        </p:txBody>
+      </p:sp>
+      <p:sp>
+        <p:nvSpPr>
+          <p:cNvPr id="4" name="Text Placeholder 3"/>
+          <p:cNvSpPr>
+            <a:spLocks noGrp="1"/>
+          </p:cNvSpPr>
+          <p:nvPr>
+            <p:ph type="body" sz="half" idx="2"/>
+          </p:nvPr>
+        </p:nvSpPr>
+        <p:spPr>
+          <a:xfrm>
+            <a:off x="629841" y="1714501"/>
+            <a:ext cx="2949179" cy="3176323"/>
+          </a:xfrm>
+        </p:spPr>
+        <p:txBody>
+          <a:bodyPr/>
+          <a:lstStyle>
+            <a:lvl1pPr marL="0" indent="0">
+              <a:buNone/>
+              <a:defRPr sz="1200"/>
+            </a:lvl1pPr>
+            <a:lvl2pPr marL="342891" indent="0">
+              <a:buNone/>
+              <a:defRPr sz="1051"/>
+            </a:lvl2pPr>
+            <a:lvl3pPr marL="685783" indent="0">
+              <a:buNone/>
+              <a:defRPr sz="900"/>
+            </a:lvl3pPr>
+            <a:lvl4pPr marL="1028674" indent="0">
+              <a:buNone/>
+              <a:defRPr sz="751"/>
+            </a:lvl4pPr>
+            <a:lvl5pPr marL="1371566" indent="0">
+              <a:buNone/>
+              <a:defRPr sz="751"/>
+            </a:lvl5pPr>
+            <a:lvl6pPr marL="1714457" indent="0">
+              <a:buNone/>
+              <a:defRPr sz="751"/>
+            </a:lvl6pPr>
+            <a:lvl7pPr marL="2057349" indent="0">
+              <a:buNone/>
+              <a:defRPr sz="751"/>
+            </a:lvl7pPr>
+            <a:lvl8pPr marL="2400240" indent="0">
+              <a:buNone/>
+              <a:defRPr sz="751"/>
+            </a:lvl8pPr>
+            <a:lvl9pPr marL="2743131" indent="0">
+              <a:buNone/>
+              <a:defRPr sz="751"/>
+            </a:lvl9pPr>
+          </a:lstStyle>
+          <a:p>
+            <a:pPr lvl="0"/>
+            <a:r>
+              <a:rPr lang="es-ES"/>
+              <a:t>Haga clic para modificar los estilos de texto del patrón</a:t>
+            </a:r>
+          </a:p>
+        </p:txBody>
+      </p:sp>
+      <p:sp>
+        <p:nvSpPr>
+          <p:cNvPr id="5" name="Date Placeholder 4"/>
+          <p:cNvSpPr>
+            <a:spLocks noGrp="1"/>
+          </p:cNvSpPr>
+          <p:nvPr>
+            <p:ph type="dt" sz="half" idx="10"/>
+          </p:nvPr>
+        </p:nvSpPr>
+        <p:spPr/>
+        <p:txBody>
+          <a:bodyPr/>
+          <a:lstStyle/>
+          <a:p>
+            <a:fld id="{50DEE611-8BEF-4990-B4F5-91A0FAC492E5}" type="datetimeFigureOut">
+              <a:rPr lang="es-VE" smtClean="0">
+                <a:solidFill>
+                  <a:prstClr val="white">
+                    <a:tint val="75000"/>
+                  </a:prstClr>
+                </a:solidFill>
+              </a:rPr>
+              <a:pPr/>
+              <a:t>08/05/2021</a:t>
+            </a:fld>
+            <a:endParaRPr lang="es-VE" dirty="0">
+              <a:solidFill>
+                <a:prstClr val="white">
+                  <a:tint val="75000"/>
+                </a:prstClr>
+              </a:solidFill>
+            </a:endParaRPr>
+          </a:p>
+        </p:txBody>
+      </p:sp>
+      <p:sp>
+        <p:nvSpPr>
+          <p:cNvPr id="6" name="Footer Placeholder 5"/>
+          <p:cNvSpPr>
+            <a:spLocks noGrp="1"/>
+          </p:cNvSpPr>
+          <p:nvPr>
+            <p:ph type="ftr" sz="quarter" idx="11"/>
+          </p:nvPr>
+        </p:nvSpPr>
+        <p:spPr/>
+        <p:txBody>
+          <a:bodyPr/>
+          <a:lstStyle/>
+          <a:p>
+            <a:endParaRPr lang="es-VE" dirty="0">
+              <a:solidFill>
+                <a:prstClr val="white">
+                  <a:tint val="75000"/>
+                </a:prstClr>
+              </a:solidFill>
+            </a:endParaRPr>
+          </a:p>
+        </p:txBody>
+      </p:sp>
+      <p:sp>
+        <p:nvSpPr>
+          <p:cNvPr id="7" name="Slide Number Placeholder 6"/>
+          <p:cNvSpPr>
+            <a:spLocks noGrp="1"/>
+          </p:cNvSpPr>
+          <p:nvPr>
+            <p:ph type="sldNum" sz="quarter" idx="12"/>
+          </p:nvPr>
+        </p:nvSpPr>
+        <p:spPr/>
+        <p:txBody>
+          <a:bodyPr/>
+          <a:lstStyle/>
+          <a:p>
+            <a:fld id="{C59C3D6C-8A4B-4894-9C44-65904329E8B4}" type="slidenum">
+              <a:rPr lang="es-VE" smtClean="0">
+                <a:solidFill>
+                  <a:prstClr val="white">
+                    <a:tint val="75000"/>
+                  </a:prstClr>
+                </a:solidFill>
+              </a:rPr>
+              <a:pPr/>
+              <a:t>‹Nº›</a:t>
+            </a:fld>
+            <a:endParaRPr lang="es-VE" dirty="0">
+              <a:solidFill>
+                <a:prstClr val="white">
+                  <a:tint val="75000"/>
+                </a:prstClr>
+              </a:solidFill>
+            </a:endParaRPr>
+          </a:p>
+        </p:txBody>
+      </p:sp>
+    </p:spTree>
+    <p:extLst>
+      <p:ext uri="{BB962C8B-B14F-4D97-AF65-F5344CB8AC3E}">
+        <p14:creationId xmlns:p14="http://schemas.microsoft.com/office/powerpoint/2010/main" val="1547839971"/>
+      </p:ext>
+    </p:extLst>
+  </p:cSld>
+  <p:clrMapOvr>
+    <a:masterClrMapping/>
+  </p:clrMapOvr>
+</p:sldLayout>
+</file>
+
+<file path=ppt/slideLayouts/slideLayout21.xml><?xml version="1.0" encoding="utf-8"?>
+<p:sldLayout xmlns:a="http://schemas.openxmlformats.org/drawingml/2006/main" xmlns:r="http://schemas.openxmlformats.org/officeDocument/2006/relationships" xmlns:p="http://schemas.openxmlformats.org/presentationml/2006/main" type="vertTx" preserve="1">
+  <p:cSld name="Título y texto vertical">
+    <p:spTree>
+      <p:nvGrpSpPr>
+        <p:cNvPr id="1" name=""/>
+        <p:cNvGrpSpPr/>
+        <p:nvPr/>
+      </p:nvGrpSpPr>
+      <p:grpSpPr>
+        <a:xfrm>
+          <a:off x="0" y="0"/>
+          <a:ext cx="0" cy="0"/>
+          <a:chOff x="0" y="0"/>
+          <a:chExt cx="0" cy="0"/>
+        </a:xfrm>
+      </p:grpSpPr>
+      <p:sp>
+        <p:nvSpPr>
+          <p:cNvPr id="2" name="Title 1"/>
+          <p:cNvSpPr>
+            <a:spLocks noGrp="1"/>
+          </p:cNvSpPr>
+          <p:nvPr>
+            <p:ph type="title"/>
+          </p:nvPr>
+        </p:nvSpPr>
+        <p:spPr/>
+        <p:txBody>
+          <a:bodyPr/>
+          <a:lstStyle/>
+          <a:p>
+            <a:r>
+              <a:rPr lang="es-ES"/>
+              <a:t>Haga clic para modificar el estilo de título del patrón</a:t>
+            </a:r>
+            <a:endParaRPr lang="en-US" dirty="0"/>
+          </a:p>
+        </p:txBody>
+      </p:sp>
+      <p:sp>
+        <p:nvSpPr>
+          <p:cNvPr id="3" name="Vertical Text Placeholder 2"/>
+          <p:cNvSpPr>
+            <a:spLocks noGrp="1"/>
+          </p:cNvSpPr>
+          <p:nvPr>
+            <p:ph type="body" orient="vert" idx="1"/>
+          </p:nvPr>
+        </p:nvSpPr>
+        <p:spPr/>
+        <p:txBody>
+          <a:bodyPr vert="eaVert"/>
+          <a:lstStyle/>
+          <a:p>
+            <a:pPr lvl="0"/>
+            <a:r>
+              <a:rPr lang="es-ES"/>
+              <a:t>Haga clic para modificar los estilos de texto del patrón</a:t>
+            </a:r>
+          </a:p>
+          <a:p>
+            <a:pPr lvl="1"/>
+            <a:r>
+              <a:rPr lang="es-ES"/>
+              <a:t>Segundo nivel</a:t>
+            </a:r>
+          </a:p>
+          <a:p>
+            <a:pPr lvl="2"/>
+            <a:r>
+              <a:rPr lang="es-ES"/>
+              <a:t>Tercer nivel</a:t>
+            </a:r>
+          </a:p>
+          <a:p>
+            <a:pPr lvl="3"/>
+            <a:r>
+              <a:rPr lang="es-ES"/>
+              <a:t>Cuarto nivel</a:t>
+            </a:r>
+          </a:p>
+          <a:p>
+            <a:pPr lvl="4"/>
+            <a:r>
+              <a:rPr lang="es-ES"/>
+              <a:t>Quinto nivel</a:t>
+            </a:r>
+            <a:endParaRPr lang="en-US" dirty="0"/>
+          </a:p>
+        </p:txBody>
+      </p:sp>
+      <p:sp>
+        <p:nvSpPr>
+          <p:cNvPr id="4" name="Date Placeholder 3"/>
+          <p:cNvSpPr>
+            <a:spLocks noGrp="1"/>
+          </p:cNvSpPr>
+          <p:nvPr>
+            <p:ph type="dt" sz="half" idx="10"/>
+          </p:nvPr>
+        </p:nvSpPr>
+        <p:spPr/>
+        <p:txBody>
+          <a:bodyPr/>
+          <a:lstStyle/>
+          <a:p>
+            <a:fld id="{50DEE611-8BEF-4990-B4F5-91A0FAC492E5}" type="datetimeFigureOut">
+              <a:rPr lang="es-VE" smtClean="0">
+                <a:solidFill>
+                  <a:prstClr val="white">
+                    <a:tint val="75000"/>
+                  </a:prstClr>
+                </a:solidFill>
+              </a:rPr>
+              <a:pPr/>
+              <a:t>08/05/2021</a:t>
+            </a:fld>
+            <a:endParaRPr lang="es-VE" dirty="0">
+              <a:solidFill>
+                <a:prstClr val="white">
+                  <a:tint val="75000"/>
+                </a:prstClr>
+              </a:solidFill>
+            </a:endParaRPr>
+          </a:p>
+        </p:txBody>
+      </p:sp>
+      <p:sp>
+        <p:nvSpPr>
+          <p:cNvPr id="5" name="Footer Placeholder 4"/>
+          <p:cNvSpPr>
+            <a:spLocks noGrp="1"/>
+          </p:cNvSpPr>
+          <p:nvPr>
+            <p:ph type="ftr" sz="quarter" idx="11"/>
+          </p:nvPr>
+        </p:nvSpPr>
+        <p:spPr/>
+        <p:txBody>
+          <a:bodyPr/>
+          <a:lstStyle/>
+          <a:p>
+            <a:endParaRPr lang="es-VE" dirty="0">
+              <a:solidFill>
+                <a:prstClr val="white">
+                  <a:tint val="75000"/>
+                </a:prstClr>
+              </a:solidFill>
+            </a:endParaRPr>
+          </a:p>
+        </p:txBody>
+      </p:sp>
+      <p:sp>
+        <p:nvSpPr>
+          <p:cNvPr id="6" name="Slide Number Placeholder 5"/>
+          <p:cNvSpPr>
+            <a:spLocks noGrp="1"/>
+          </p:cNvSpPr>
+          <p:nvPr>
+            <p:ph type="sldNum" sz="quarter" idx="12"/>
+          </p:nvPr>
+        </p:nvSpPr>
+        <p:spPr/>
+        <p:txBody>
+          <a:bodyPr/>
+          <a:lstStyle/>
+          <a:p>
+            <a:fld id="{C59C3D6C-8A4B-4894-9C44-65904329E8B4}" type="slidenum">
+              <a:rPr lang="es-VE" smtClean="0">
+                <a:solidFill>
+                  <a:prstClr val="white">
+                    <a:tint val="75000"/>
+                  </a:prstClr>
+                </a:solidFill>
+              </a:rPr>
+              <a:pPr/>
+              <a:t>‹Nº›</a:t>
+            </a:fld>
+            <a:endParaRPr lang="es-VE" dirty="0">
+              <a:solidFill>
+                <a:prstClr val="white">
+                  <a:tint val="75000"/>
+                </a:prstClr>
+              </a:solidFill>
+            </a:endParaRPr>
+          </a:p>
+        </p:txBody>
+      </p:sp>
+    </p:spTree>
+    <p:extLst>
+      <p:ext uri="{BB962C8B-B14F-4D97-AF65-F5344CB8AC3E}">
+        <p14:creationId xmlns:p14="http://schemas.microsoft.com/office/powerpoint/2010/main" val="2812736240"/>
+      </p:ext>
+    </p:extLst>
+  </p:cSld>
+  <p:clrMapOvr>
+    <a:masterClrMapping/>
+  </p:clrMapOvr>
+</p:sldLayout>
+</file>
+
+<file path=ppt/slideLayouts/slideLayout22.xml><?xml version="1.0" encoding="utf-8"?>
+<p:sldLayout xmlns:a="http://schemas.openxmlformats.org/drawingml/2006/main" xmlns:r="http://schemas.openxmlformats.org/officeDocument/2006/relationships" xmlns:p="http://schemas.openxmlformats.org/presentationml/2006/main" type="vertTitleAndTx" preserve="1">
+  <p:cSld name="Título vertical y texto">
+    <p:spTree>
+      <p:nvGrpSpPr>
+        <p:cNvPr id="1" name=""/>
+        <p:cNvGrpSpPr/>
+        <p:nvPr/>
+      </p:nvGrpSpPr>
+      <p:grpSpPr>
+        <a:xfrm>
+          <a:off x="0" y="0"/>
+          <a:ext cx="0" cy="0"/>
+          <a:chOff x="0" y="0"/>
+          <a:chExt cx="0" cy="0"/>
+        </a:xfrm>
+      </p:grpSpPr>
+      <p:sp>
+        <p:nvSpPr>
+          <p:cNvPr id="2" name="Vertical Title 1"/>
+          <p:cNvSpPr>
+            <a:spLocks noGrp="1"/>
+          </p:cNvSpPr>
+          <p:nvPr>
+            <p:ph type="title" orient="vert"/>
+          </p:nvPr>
+        </p:nvSpPr>
+        <p:spPr>
+          <a:xfrm>
+            <a:off x="6543676" y="304272"/>
+            <a:ext cx="1971675" cy="4843198"/>
+          </a:xfrm>
+        </p:spPr>
+        <p:txBody>
+          <a:bodyPr vert="eaVert"/>
+          <a:lstStyle/>
+          <a:p>
+            <a:r>
+              <a:rPr lang="es-ES"/>
+              <a:t>Haga clic para modificar el estilo de título del patrón</a:t>
+            </a:r>
+            <a:endParaRPr lang="en-US" dirty="0"/>
+          </a:p>
+        </p:txBody>
+      </p:sp>
+      <p:sp>
+        <p:nvSpPr>
+          <p:cNvPr id="3" name="Vertical Text Placeholder 2"/>
+          <p:cNvSpPr>
+            <a:spLocks noGrp="1"/>
+          </p:cNvSpPr>
+          <p:nvPr>
+            <p:ph type="body" orient="vert" idx="1"/>
+          </p:nvPr>
+        </p:nvSpPr>
+        <p:spPr>
+          <a:xfrm>
+            <a:off x="628651" y="304272"/>
+            <a:ext cx="5800725" cy="4843198"/>
+          </a:xfrm>
+        </p:spPr>
+        <p:txBody>
+          <a:bodyPr vert="eaVert"/>
+          <a:lstStyle/>
+          <a:p>
+            <a:pPr lvl="0"/>
+            <a:r>
+              <a:rPr lang="es-ES"/>
+              <a:t>Haga clic para modificar los estilos de texto del patrón</a:t>
+            </a:r>
+          </a:p>
+          <a:p>
+            <a:pPr lvl="1"/>
+            <a:r>
+              <a:rPr lang="es-ES"/>
+              <a:t>Segundo nivel</a:t>
+            </a:r>
+          </a:p>
+          <a:p>
+            <a:pPr lvl="2"/>
+            <a:r>
+              <a:rPr lang="es-ES"/>
+              <a:t>Tercer nivel</a:t>
+            </a:r>
+          </a:p>
+          <a:p>
+            <a:pPr lvl="3"/>
+            <a:r>
+              <a:rPr lang="es-ES"/>
+              <a:t>Cuarto nivel</a:t>
+            </a:r>
+          </a:p>
+          <a:p>
+            <a:pPr lvl="4"/>
+            <a:r>
+              <a:rPr lang="es-ES"/>
+              <a:t>Quinto nivel</a:t>
+            </a:r>
+            <a:endParaRPr lang="en-US" dirty="0"/>
+          </a:p>
+        </p:txBody>
+      </p:sp>
+      <p:sp>
+        <p:nvSpPr>
+          <p:cNvPr id="4" name="Date Placeholder 3"/>
+          <p:cNvSpPr>
+            <a:spLocks noGrp="1"/>
+          </p:cNvSpPr>
+          <p:nvPr>
+            <p:ph type="dt" sz="half" idx="10"/>
+          </p:nvPr>
+        </p:nvSpPr>
+        <p:spPr/>
+        <p:txBody>
+          <a:bodyPr/>
+          <a:lstStyle/>
+          <a:p>
+            <a:fld id="{50DEE611-8BEF-4990-B4F5-91A0FAC492E5}" type="datetimeFigureOut">
+              <a:rPr lang="es-VE" smtClean="0">
+                <a:solidFill>
+                  <a:prstClr val="white">
+                    <a:tint val="75000"/>
+                  </a:prstClr>
+                </a:solidFill>
+              </a:rPr>
+              <a:pPr/>
+              <a:t>08/05/2021</a:t>
+            </a:fld>
+            <a:endParaRPr lang="es-VE" dirty="0">
+              <a:solidFill>
+                <a:prstClr val="white">
+                  <a:tint val="75000"/>
+                </a:prstClr>
+              </a:solidFill>
+            </a:endParaRPr>
+          </a:p>
+        </p:txBody>
+      </p:sp>
+      <p:sp>
+        <p:nvSpPr>
+          <p:cNvPr id="5" name="Footer Placeholder 4"/>
+          <p:cNvSpPr>
+            <a:spLocks noGrp="1"/>
+          </p:cNvSpPr>
+          <p:nvPr>
+            <p:ph type="ftr" sz="quarter" idx="11"/>
+          </p:nvPr>
+        </p:nvSpPr>
+        <p:spPr/>
+        <p:txBody>
+          <a:bodyPr/>
+          <a:lstStyle/>
+          <a:p>
+            <a:endParaRPr lang="es-VE" dirty="0">
+              <a:solidFill>
+                <a:prstClr val="white">
+                  <a:tint val="75000"/>
+                </a:prstClr>
+              </a:solidFill>
+            </a:endParaRPr>
+          </a:p>
+        </p:txBody>
+      </p:sp>
+      <p:sp>
+        <p:nvSpPr>
+          <p:cNvPr id="6" name="Slide Number Placeholder 5"/>
+          <p:cNvSpPr>
+            <a:spLocks noGrp="1"/>
+          </p:cNvSpPr>
+          <p:nvPr>
+            <p:ph type="sldNum" sz="quarter" idx="12"/>
+          </p:nvPr>
+        </p:nvSpPr>
+        <p:spPr/>
+        <p:txBody>
+          <a:bodyPr/>
+          <a:lstStyle/>
+          <a:p>
+            <a:fld id="{C59C3D6C-8A4B-4894-9C44-65904329E8B4}" type="slidenum">
+              <a:rPr lang="es-VE" smtClean="0">
+                <a:solidFill>
+                  <a:prstClr val="white">
+                    <a:tint val="75000"/>
+                  </a:prstClr>
+                </a:solidFill>
+              </a:rPr>
+              <a:pPr/>
+              <a:t>‹Nº›</a:t>
+            </a:fld>
+            <a:endParaRPr lang="es-VE" dirty="0">
+              <a:solidFill>
+                <a:prstClr val="white">
+                  <a:tint val="75000"/>
+                </a:prstClr>
+              </a:solidFill>
+            </a:endParaRPr>
+          </a:p>
+        </p:txBody>
+      </p:sp>
+    </p:spTree>
+    <p:extLst>
+      <p:ext uri="{BB962C8B-B14F-4D97-AF65-F5344CB8AC3E}">
+        <p14:creationId xmlns:p14="http://schemas.microsoft.com/office/powerpoint/2010/main" val="2265598196"/>
       </p:ext>
     </p:extLst>
   </p:cSld>
@@ -1022,7 +3687,7 @@
           <a:p>
             <a:fld id="{50DEE611-8BEF-4990-B4F5-91A0FAC492E5}" type="datetimeFigureOut">
               <a:rPr lang="es-VE" smtClean="0"/>
-              <a:t>30/04/2021</a:t>
+              <a:t>08/05/2021</a:t>
             </a:fld>
             <a:endParaRPr lang="es-VE" dirty="0"/>
           </a:p>
@@ -1254,7 +3919,7 @@
           <a:p>
             <a:fld id="{50DEE611-8BEF-4990-B4F5-91A0FAC492E5}" type="datetimeFigureOut">
               <a:rPr lang="es-VE" smtClean="0"/>
-              <a:t>30/04/2021</a:t>
+              <a:t>08/05/2021</a:t>
             </a:fld>
             <a:endParaRPr lang="es-VE" dirty="0"/>
           </a:p>
@@ -1621,7 +4286,7 @@
           <a:p>
             <a:fld id="{50DEE611-8BEF-4990-B4F5-91A0FAC492E5}" type="datetimeFigureOut">
               <a:rPr lang="es-VE" smtClean="0"/>
-              <a:t>30/04/2021</a:t>
+              <a:t>08/05/2021</a:t>
             </a:fld>
             <a:endParaRPr lang="es-VE" dirty="0"/>
           </a:p>
@@ -1739,7 +4404,7 @@
           <a:p>
             <a:fld id="{50DEE611-8BEF-4990-B4F5-91A0FAC492E5}" type="datetimeFigureOut">
               <a:rPr lang="es-VE" smtClean="0"/>
-              <a:t>30/04/2021</a:t>
+              <a:t>08/05/2021</a:t>
             </a:fld>
             <a:endParaRPr lang="es-VE" dirty="0"/>
           </a:p>
@@ -1834,7 +4499,7 @@
           <a:p>
             <a:fld id="{50DEE611-8BEF-4990-B4F5-91A0FAC492E5}" type="datetimeFigureOut">
               <a:rPr lang="es-VE" smtClean="0"/>
-              <a:t>30/04/2021</a:t>
+              <a:t>08/05/2021</a:t>
             </a:fld>
             <a:endParaRPr lang="es-VE" dirty="0"/>
           </a:p>
@@ -2111,7 +4776,7 @@
           <a:p>
             <a:fld id="{50DEE611-8BEF-4990-B4F5-91A0FAC492E5}" type="datetimeFigureOut">
               <a:rPr lang="es-VE" smtClean="0"/>
-              <a:t>30/04/2021</a:t>
+              <a:t>08/05/2021</a:t>
             </a:fld>
             <a:endParaRPr lang="es-VE" dirty="0"/>
           </a:p>
@@ -2368,7 +5033,7 @@
           <a:p>
             <a:fld id="{50DEE611-8BEF-4990-B4F5-91A0FAC492E5}" type="datetimeFigureOut">
               <a:rPr lang="es-VE" smtClean="0"/>
-              <a:t>30/04/2021</a:t>
+              <a:t>08/05/2021</a:t>
             </a:fld>
             <a:endParaRPr lang="es-VE" dirty="0"/>
           </a:p>
@@ -2584,7 +5249,7 @@
           <a:p>
             <a:fld id="{50DEE611-8BEF-4990-B4F5-91A0FAC492E5}" type="datetimeFigureOut">
               <a:rPr lang="es-VE" smtClean="0"/>
-              <a:t>30/04/2021</a:t>
+              <a:t>08/05/2021</a:t>
             </a:fld>
             <a:endParaRPr lang="es-VE" dirty="0"/>
           </a:p>
@@ -2688,6 +5353,581 @@
     <p:sldLayoutId id="2147483681" r:id="rId9"/>
     <p:sldLayoutId id="2147483682" r:id="rId10"/>
     <p:sldLayoutId id="2147483683" r:id="rId11"/>
+  </p:sldLayoutIdLst>
+  <p:txStyles>
+    <p:titleStyle>
+      <a:lvl1pPr algn="l" defTabSz="685783" rtl="0" eaLnBrk="1" latinLnBrk="0" hangingPunct="1">
+        <a:lnSpc>
+          <a:spcPct val="90000"/>
+        </a:lnSpc>
+        <a:spcBef>
+          <a:spcPct val="0"/>
+        </a:spcBef>
+        <a:buNone/>
+        <a:defRPr sz="3300" kern="1200">
+          <a:solidFill>
+            <a:schemeClr val="tx1"/>
+          </a:solidFill>
+          <a:latin typeface="+mj-lt"/>
+          <a:ea typeface="+mj-ea"/>
+          <a:cs typeface="+mj-cs"/>
+        </a:defRPr>
+      </a:lvl1pPr>
+    </p:titleStyle>
+    <p:bodyStyle>
+      <a:lvl1pPr marL="171446" indent="-171446" algn="l" defTabSz="685783" rtl="0" eaLnBrk="1" latinLnBrk="0" hangingPunct="1">
+        <a:lnSpc>
+          <a:spcPct val="90000"/>
+        </a:lnSpc>
+        <a:spcBef>
+          <a:spcPts val="751"/>
+        </a:spcBef>
+        <a:buFont typeface="Arial" panose="020B0604020202020204" pitchFamily="34" charset="0"/>
+        <a:buChar char="•"/>
+        <a:defRPr sz="2100" kern="1200">
+          <a:solidFill>
+            <a:schemeClr val="tx1"/>
+          </a:solidFill>
+          <a:latin typeface="+mn-lt"/>
+          <a:ea typeface="+mn-ea"/>
+          <a:cs typeface="+mn-cs"/>
+        </a:defRPr>
+      </a:lvl1pPr>
+      <a:lvl2pPr marL="514338" indent="-171446" algn="l" defTabSz="685783" rtl="0" eaLnBrk="1" latinLnBrk="0" hangingPunct="1">
+        <a:lnSpc>
+          <a:spcPct val="90000"/>
+        </a:lnSpc>
+        <a:spcBef>
+          <a:spcPts val="375"/>
+        </a:spcBef>
+        <a:buFont typeface="Arial" panose="020B0604020202020204" pitchFamily="34" charset="0"/>
+        <a:buChar char="•"/>
+        <a:defRPr sz="1800" kern="1200">
+          <a:solidFill>
+            <a:schemeClr val="tx1"/>
+          </a:solidFill>
+          <a:latin typeface="+mn-lt"/>
+          <a:ea typeface="+mn-ea"/>
+          <a:cs typeface="+mn-cs"/>
+        </a:defRPr>
+      </a:lvl2pPr>
+      <a:lvl3pPr marL="857229" indent="-171446" algn="l" defTabSz="685783" rtl="0" eaLnBrk="1" latinLnBrk="0" hangingPunct="1">
+        <a:lnSpc>
+          <a:spcPct val="90000"/>
+        </a:lnSpc>
+        <a:spcBef>
+          <a:spcPts val="375"/>
+        </a:spcBef>
+        <a:buFont typeface="Arial" panose="020B0604020202020204" pitchFamily="34" charset="0"/>
+        <a:buChar char="•"/>
+        <a:defRPr sz="1500" kern="1200">
+          <a:solidFill>
+            <a:schemeClr val="tx1"/>
+          </a:solidFill>
+          <a:latin typeface="+mn-lt"/>
+          <a:ea typeface="+mn-ea"/>
+          <a:cs typeface="+mn-cs"/>
+        </a:defRPr>
+      </a:lvl3pPr>
+      <a:lvl4pPr marL="1200121" indent="-171446" algn="l" defTabSz="685783" rtl="0" eaLnBrk="1" latinLnBrk="0" hangingPunct="1">
+        <a:lnSpc>
+          <a:spcPct val="90000"/>
+        </a:lnSpc>
+        <a:spcBef>
+          <a:spcPts val="375"/>
+        </a:spcBef>
+        <a:buFont typeface="Arial" panose="020B0604020202020204" pitchFamily="34" charset="0"/>
+        <a:buChar char="•"/>
+        <a:defRPr sz="1351" kern="1200">
+          <a:solidFill>
+            <a:schemeClr val="tx1"/>
+          </a:solidFill>
+          <a:latin typeface="+mn-lt"/>
+          <a:ea typeface="+mn-ea"/>
+          <a:cs typeface="+mn-cs"/>
+        </a:defRPr>
+      </a:lvl4pPr>
+      <a:lvl5pPr marL="1543012" indent="-171446" algn="l" defTabSz="685783" rtl="0" eaLnBrk="1" latinLnBrk="0" hangingPunct="1">
+        <a:lnSpc>
+          <a:spcPct val="90000"/>
+        </a:lnSpc>
+        <a:spcBef>
+          <a:spcPts val="375"/>
+        </a:spcBef>
+        <a:buFont typeface="Arial" panose="020B0604020202020204" pitchFamily="34" charset="0"/>
+        <a:buChar char="•"/>
+        <a:defRPr sz="1351" kern="1200">
+          <a:solidFill>
+            <a:schemeClr val="tx1"/>
+          </a:solidFill>
+          <a:latin typeface="+mn-lt"/>
+          <a:ea typeface="+mn-ea"/>
+          <a:cs typeface="+mn-cs"/>
+        </a:defRPr>
+      </a:lvl5pPr>
+      <a:lvl6pPr marL="1885904" indent="-171446" algn="l" defTabSz="685783" rtl="0" eaLnBrk="1" latinLnBrk="0" hangingPunct="1">
+        <a:lnSpc>
+          <a:spcPct val="90000"/>
+        </a:lnSpc>
+        <a:spcBef>
+          <a:spcPts val="375"/>
+        </a:spcBef>
+        <a:buFont typeface="Arial" panose="020B0604020202020204" pitchFamily="34" charset="0"/>
+        <a:buChar char="•"/>
+        <a:defRPr sz="1351" kern="1200">
+          <a:solidFill>
+            <a:schemeClr val="tx1"/>
+          </a:solidFill>
+          <a:latin typeface="+mn-lt"/>
+          <a:ea typeface="+mn-ea"/>
+          <a:cs typeface="+mn-cs"/>
+        </a:defRPr>
+      </a:lvl6pPr>
+      <a:lvl7pPr marL="2228795" indent="-171446" algn="l" defTabSz="685783" rtl="0" eaLnBrk="1" latinLnBrk="0" hangingPunct="1">
+        <a:lnSpc>
+          <a:spcPct val="90000"/>
+        </a:lnSpc>
+        <a:spcBef>
+          <a:spcPts val="375"/>
+        </a:spcBef>
+        <a:buFont typeface="Arial" panose="020B0604020202020204" pitchFamily="34" charset="0"/>
+        <a:buChar char="•"/>
+        <a:defRPr sz="1351" kern="1200">
+          <a:solidFill>
+            <a:schemeClr val="tx1"/>
+          </a:solidFill>
+          <a:latin typeface="+mn-lt"/>
+          <a:ea typeface="+mn-ea"/>
+          <a:cs typeface="+mn-cs"/>
+        </a:defRPr>
+      </a:lvl7pPr>
+      <a:lvl8pPr marL="2571686" indent="-171446" algn="l" defTabSz="685783" rtl="0" eaLnBrk="1" latinLnBrk="0" hangingPunct="1">
+        <a:lnSpc>
+          <a:spcPct val="90000"/>
+        </a:lnSpc>
+        <a:spcBef>
+          <a:spcPts val="375"/>
+        </a:spcBef>
+        <a:buFont typeface="Arial" panose="020B0604020202020204" pitchFamily="34" charset="0"/>
+        <a:buChar char="•"/>
+        <a:defRPr sz="1351" kern="1200">
+          <a:solidFill>
+            <a:schemeClr val="tx1"/>
+          </a:solidFill>
+          <a:latin typeface="+mn-lt"/>
+          <a:ea typeface="+mn-ea"/>
+          <a:cs typeface="+mn-cs"/>
+        </a:defRPr>
+      </a:lvl8pPr>
+      <a:lvl9pPr marL="2914578" indent="-171446" algn="l" defTabSz="685783" rtl="0" eaLnBrk="1" latinLnBrk="0" hangingPunct="1">
+        <a:lnSpc>
+          <a:spcPct val="90000"/>
+        </a:lnSpc>
+        <a:spcBef>
+          <a:spcPts val="375"/>
+        </a:spcBef>
+        <a:buFont typeface="Arial" panose="020B0604020202020204" pitchFamily="34" charset="0"/>
+        <a:buChar char="•"/>
+        <a:defRPr sz="1351" kern="1200">
+          <a:solidFill>
+            <a:schemeClr val="tx1"/>
+          </a:solidFill>
+          <a:latin typeface="+mn-lt"/>
+          <a:ea typeface="+mn-ea"/>
+          <a:cs typeface="+mn-cs"/>
+        </a:defRPr>
+      </a:lvl9pPr>
+    </p:bodyStyle>
+    <p:otherStyle>
+      <a:defPPr>
+        <a:defRPr lang="en-US"/>
+      </a:defPPr>
+      <a:lvl1pPr marL="0" algn="l" defTabSz="685783" rtl="0" eaLnBrk="1" latinLnBrk="0" hangingPunct="1">
+        <a:defRPr sz="1351" kern="1200">
+          <a:solidFill>
+            <a:schemeClr val="tx1"/>
+          </a:solidFill>
+          <a:latin typeface="+mn-lt"/>
+          <a:ea typeface="+mn-ea"/>
+          <a:cs typeface="+mn-cs"/>
+        </a:defRPr>
+      </a:lvl1pPr>
+      <a:lvl2pPr marL="342891" algn="l" defTabSz="685783" rtl="0" eaLnBrk="1" latinLnBrk="0" hangingPunct="1">
+        <a:defRPr sz="1351" kern="1200">
+          <a:solidFill>
+            <a:schemeClr val="tx1"/>
+          </a:solidFill>
+          <a:latin typeface="+mn-lt"/>
+          <a:ea typeface="+mn-ea"/>
+          <a:cs typeface="+mn-cs"/>
+        </a:defRPr>
+      </a:lvl2pPr>
+      <a:lvl3pPr marL="685783" algn="l" defTabSz="685783" rtl="0" eaLnBrk="1" latinLnBrk="0" hangingPunct="1">
+        <a:defRPr sz="1351" kern="1200">
+          <a:solidFill>
+            <a:schemeClr val="tx1"/>
+          </a:solidFill>
+          <a:latin typeface="+mn-lt"/>
+          <a:ea typeface="+mn-ea"/>
+          <a:cs typeface="+mn-cs"/>
+        </a:defRPr>
+      </a:lvl3pPr>
+      <a:lvl4pPr marL="1028674" algn="l" defTabSz="685783" rtl="0" eaLnBrk="1" latinLnBrk="0" hangingPunct="1">
+        <a:defRPr sz="1351" kern="1200">
+          <a:solidFill>
+            <a:schemeClr val="tx1"/>
+          </a:solidFill>
+          <a:latin typeface="+mn-lt"/>
+          <a:ea typeface="+mn-ea"/>
+          <a:cs typeface="+mn-cs"/>
+        </a:defRPr>
+      </a:lvl4pPr>
+      <a:lvl5pPr marL="1371566" algn="l" defTabSz="685783" rtl="0" eaLnBrk="1" latinLnBrk="0" hangingPunct="1">
+        <a:defRPr sz="1351" kern="1200">
+          <a:solidFill>
+            <a:schemeClr val="tx1"/>
+          </a:solidFill>
+          <a:latin typeface="+mn-lt"/>
+          <a:ea typeface="+mn-ea"/>
+          <a:cs typeface="+mn-cs"/>
+        </a:defRPr>
+      </a:lvl5pPr>
+      <a:lvl6pPr marL="1714457" algn="l" defTabSz="685783" rtl="0" eaLnBrk="1" latinLnBrk="0" hangingPunct="1">
+        <a:defRPr sz="1351" kern="1200">
+          <a:solidFill>
+            <a:schemeClr val="tx1"/>
+          </a:solidFill>
+          <a:latin typeface="+mn-lt"/>
+          <a:ea typeface="+mn-ea"/>
+          <a:cs typeface="+mn-cs"/>
+        </a:defRPr>
+      </a:lvl6pPr>
+      <a:lvl7pPr marL="2057349" algn="l" defTabSz="685783" rtl="0" eaLnBrk="1" latinLnBrk="0" hangingPunct="1">
+        <a:defRPr sz="1351" kern="1200">
+          <a:solidFill>
+            <a:schemeClr val="tx1"/>
+          </a:solidFill>
+          <a:latin typeface="+mn-lt"/>
+          <a:ea typeface="+mn-ea"/>
+          <a:cs typeface="+mn-cs"/>
+        </a:defRPr>
+      </a:lvl7pPr>
+      <a:lvl8pPr marL="2400240" algn="l" defTabSz="685783" rtl="0" eaLnBrk="1" latinLnBrk="0" hangingPunct="1">
+        <a:defRPr sz="1351" kern="1200">
+          <a:solidFill>
+            <a:schemeClr val="tx1"/>
+          </a:solidFill>
+          <a:latin typeface="+mn-lt"/>
+          <a:ea typeface="+mn-ea"/>
+          <a:cs typeface="+mn-cs"/>
+        </a:defRPr>
+      </a:lvl8pPr>
+      <a:lvl9pPr marL="2743131" algn="l" defTabSz="685783" rtl="0" eaLnBrk="1" latinLnBrk="0" hangingPunct="1">
+        <a:defRPr sz="1351" kern="1200">
+          <a:solidFill>
+            <a:schemeClr val="tx1"/>
+          </a:solidFill>
+          <a:latin typeface="+mn-lt"/>
+          <a:ea typeface="+mn-ea"/>
+          <a:cs typeface="+mn-cs"/>
+        </a:defRPr>
+      </a:lvl9pPr>
+    </p:otherStyle>
+  </p:txStyles>
+</p:sldMaster>
+</file>
+
+<file path=ppt/slideMasters/slideMaster2.xml><?xml version="1.0" encoding="utf-8"?>
+<p:sldMaster xmlns:a="http://schemas.openxmlformats.org/drawingml/2006/main" xmlns:r="http://schemas.openxmlformats.org/officeDocument/2006/relationships" xmlns:p="http://schemas.openxmlformats.org/presentationml/2006/main">
+  <p:cSld>
+    <p:bg>
+      <p:bgPr>
+        <a:solidFill>
+          <a:schemeClr val="bg1"/>
+        </a:solidFill>
+        <a:effectLst/>
+      </p:bgPr>
+    </p:bg>
+    <p:spTree>
+      <p:nvGrpSpPr>
+        <p:cNvPr id="1" name=""/>
+        <p:cNvGrpSpPr/>
+        <p:nvPr/>
+      </p:nvGrpSpPr>
+      <p:grpSpPr>
+        <a:xfrm>
+          <a:off x="0" y="0"/>
+          <a:ext cx="0" cy="0"/>
+          <a:chOff x="0" y="0"/>
+          <a:chExt cx="0" cy="0"/>
+        </a:xfrm>
+      </p:grpSpPr>
+      <p:sp>
+        <p:nvSpPr>
+          <p:cNvPr id="2" name="Title Placeholder 1"/>
+          <p:cNvSpPr>
+            <a:spLocks noGrp="1"/>
+          </p:cNvSpPr>
+          <p:nvPr>
+            <p:ph type="title"/>
+          </p:nvPr>
+        </p:nvSpPr>
+        <p:spPr>
+          <a:xfrm>
+            <a:off x="628651" y="304271"/>
+            <a:ext cx="7886700" cy="1104636"/>
+          </a:xfrm>
+          <a:prstGeom prst="rect">
+            <a:avLst/>
+          </a:prstGeom>
+        </p:spPr>
+        <p:txBody>
+          <a:bodyPr vert="horz" lIns="91440" tIns="45720" rIns="91440" bIns="45720" rtlCol="0" anchor="ctr">
+            <a:normAutofit/>
+          </a:bodyPr>
+          <a:lstStyle/>
+          <a:p>
+            <a:r>
+              <a:rPr lang="es-ES"/>
+              <a:t>Haga clic para modificar el estilo de título del patrón</a:t>
+            </a:r>
+            <a:endParaRPr lang="en-US" dirty="0"/>
+          </a:p>
+        </p:txBody>
+      </p:sp>
+      <p:sp>
+        <p:nvSpPr>
+          <p:cNvPr id="3" name="Text Placeholder 2"/>
+          <p:cNvSpPr>
+            <a:spLocks noGrp="1"/>
+          </p:cNvSpPr>
+          <p:nvPr>
+            <p:ph type="body" idx="1"/>
+          </p:nvPr>
+        </p:nvSpPr>
+        <p:spPr>
+          <a:xfrm>
+            <a:off x="628651" y="1521354"/>
+            <a:ext cx="7886700" cy="3626115"/>
+          </a:xfrm>
+          <a:prstGeom prst="rect">
+            <a:avLst/>
+          </a:prstGeom>
+        </p:spPr>
+        <p:txBody>
+          <a:bodyPr vert="horz" lIns="91440" tIns="45720" rIns="91440" bIns="45720" rtlCol="0">
+            <a:normAutofit/>
+          </a:bodyPr>
+          <a:lstStyle/>
+          <a:p>
+            <a:pPr lvl="0"/>
+            <a:r>
+              <a:rPr lang="es-ES"/>
+              <a:t>Haga clic para modificar los estilos de texto del patrón</a:t>
+            </a:r>
+          </a:p>
+          <a:p>
+            <a:pPr lvl="1"/>
+            <a:r>
+              <a:rPr lang="es-ES"/>
+              <a:t>Segundo nivel</a:t>
+            </a:r>
+          </a:p>
+          <a:p>
+            <a:pPr lvl="2"/>
+            <a:r>
+              <a:rPr lang="es-ES"/>
+              <a:t>Tercer nivel</a:t>
+            </a:r>
+          </a:p>
+          <a:p>
+            <a:pPr lvl="3"/>
+            <a:r>
+              <a:rPr lang="es-ES"/>
+              <a:t>Cuarto nivel</a:t>
+            </a:r>
+          </a:p>
+          <a:p>
+            <a:pPr lvl="4"/>
+            <a:r>
+              <a:rPr lang="es-ES"/>
+              <a:t>Quinto nivel</a:t>
+            </a:r>
+            <a:endParaRPr lang="en-US" dirty="0"/>
+          </a:p>
+        </p:txBody>
+      </p:sp>
+      <p:sp>
+        <p:nvSpPr>
+          <p:cNvPr id="4" name="Date Placeholder 3"/>
+          <p:cNvSpPr>
+            <a:spLocks noGrp="1"/>
+          </p:cNvSpPr>
+          <p:nvPr>
+            <p:ph type="dt" sz="half" idx="2"/>
+          </p:nvPr>
+        </p:nvSpPr>
+        <p:spPr>
+          <a:xfrm>
+            <a:off x="628651" y="5296960"/>
+            <a:ext cx="2057400" cy="304271"/>
+          </a:xfrm>
+          <a:prstGeom prst="rect">
+            <a:avLst/>
+          </a:prstGeom>
+        </p:spPr>
+        <p:txBody>
+          <a:bodyPr vert="horz" lIns="91440" tIns="45720" rIns="91440" bIns="45720" rtlCol="0" anchor="ctr"/>
+          <a:lstStyle>
+            <a:lvl1pPr algn="l">
+              <a:defRPr sz="900">
+                <a:solidFill>
+                  <a:schemeClr val="tx1">
+                    <a:tint val="75000"/>
+                  </a:schemeClr>
+                </a:solidFill>
+              </a:defRPr>
+            </a:lvl1pPr>
+          </a:lstStyle>
+          <a:p>
+            <a:fld id="{50DEE611-8BEF-4990-B4F5-91A0FAC492E5}" type="datetimeFigureOut">
+              <a:rPr lang="es-VE" smtClean="0">
+                <a:solidFill>
+                  <a:prstClr val="white">
+                    <a:tint val="75000"/>
+                  </a:prstClr>
+                </a:solidFill>
+              </a:rPr>
+              <a:pPr/>
+              <a:t>08/05/2021</a:t>
+            </a:fld>
+            <a:endParaRPr lang="es-VE" dirty="0">
+              <a:solidFill>
+                <a:prstClr val="white">
+                  <a:tint val="75000"/>
+                </a:prstClr>
+              </a:solidFill>
+            </a:endParaRPr>
+          </a:p>
+        </p:txBody>
+      </p:sp>
+      <p:sp>
+        <p:nvSpPr>
+          <p:cNvPr id="5" name="Footer Placeholder 4"/>
+          <p:cNvSpPr>
+            <a:spLocks noGrp="1"/>
+          </p:cNvSpPr>
+          <p:nvPr>
+            <p:ph type="ftr" sz="quarter" idx="3"/>
+          </p:nvPr>
+        </p:nvSpPr>
+        <p:spPr>
+          <a:xfrm>
+            <a:off x="3028951" y="5296960"/>
+            <a:ext cx="3086100" cy="304271"/>
+          </a:xfrm>
+          <a:prstGeom prst="rect">
+            <a:avLst/>
+          </a:prstGeom>
+        </p:spPr>
+        <p:txBody>
+          <a:bodyPr vert="horz" lIns="91440" tIns="45720" rIns="91440" bIns="45720" rtlCol="0" anchor="ctr"/>
+          <a:lstStyle>
+            <a:lvl1pPr algn="ctr">
+              <a:defRPr sz="900">
+                <a:solidFill>
+                  <a:schemeClr val="tx1">
+                    <a:tint val="75000"/>
+                  </a:schemeClr>
+                </a:solidFill>
+              </a:defRPr>
+            </a:lvl1pPr>
+          </a:lstStyle>
+          <a:p>
+            <a:endParaRPr lang="es-VE" dirty="0">
+              <a:solidFill>
+                <a:prstClr val="white">
+                  <a:tint val="75000"/>
+                </a:prstClr>
+              </a:solidFill>
+            </a:endParaRPr>
+          </a:p>
+        </p:txBody>
+      </p:sp>
+      <p:sp>
+        <p:nvSpPr>
+          <p:cNvPr id="6" name="Slide Number Placeholder 5"/>
+          <p:cNvSpPr>
+            <a:spLocks noGrp="1"/>
+          </p:cNvSpPr>
+          <p:nvPr>
+            <p:ph type="sldNum" sz="quarter" idx="4"/>
+          </p:nvPr>
+        </p:nvSpPr>
+        <p:spPr>
+          <a:xfrm>
+            <a:off x="6457951" y="5296960"/>
+            <a:ext cx="2057400" cy="304271"/>
+          </a:xfrm>
+          <a:prstGeom prst="rect">
+            <a:avLst/>
+          </a:prstGeom>
+        </p:spPr>
+        <p:txBody>
+          <a:bodyPr vert="horz" lIns="91440" tIns="45720" rIns="91440" bIns="45720" rtlCol="0" anchor="ctr"/>
+          <a:lstStyle>
+            <a:lvl1pPr algn="r">
+              <a:defRPr sz="900">
+                <a:solidFill>
+                  <a:schemeClr val="tx1">
+                    <a:tint val="75000"/>
+                  </a:schemeClr>
+                </a:solidFill>
+              </a:defRPr>
+            </a:lvl1pPr>
+          </a:lstStyle>
+          <a:p>
+            <a:fld id="{C59C3D6C-8A4B-4894-9C44-65904329E8B4}" type="slidenum">
+              <a:rPr lang="es-VE" smtClean="0">
+                <a:solidFill>
+                  <a:prstClr val="white">
+                    <a:tint val="75000"/>
+                  </a:prstClr>
+                </a:solidFill>
+              </a:rPr>
+              <a:pPr/>
+              <a:t>‹Nº›</a:t>
+            </a:fld>
+            <a:endParaRPr lang="es-VE" dirty="0">
+              <a:solidFill>
+                <a:prstClr val="white">
+                  <a:tint val="75000"/>
+                </a:prstClr>
+              </a:solidFill>
+            </a:endParaRPr>
+          </a:p>
+        </p:txBody>
+      </p:sp>
+    </p:spTree>
+    <p:extLst>
+      <p:ext uri="{BB962C8B-B14F-4D97-AF65-F5344CB8AC3E}">
+        <p14:creationId xmlns:p14="http://schemas.microsoft.com/office/powerpoint/2010/main" val="3271306446"/>
+      </p:ext>
+    </p:extLst>
+  </p:cSld>
+  <p:clrMap bg1="dk1" tx1="lt1" bg2="dk2" tx2="lt2" accent1="accent1" accent2="accent2" accent3="accent3" accent4="accent4" accent5="accent5" accent6="accent6" hlink="hlink" folHlink="folHlink"/>
+  <p:sldLayoutIdLst>
+    <p:sldLayoutId id="2147483685" r:id="rId1"/>
+    <p:sldLayoutId id="2147483686" r:id="rId2"/>
+    <p:sldLayoutId id="2147483687" r:id="rId3"/>
+    <p:sldLayoutId id="2147483688" r:id="rId4"/>
+    <p:sldLayoutId id="2147483689" r:id="rId5"/>
+    <p:sldLayoutId id="2147483690" r:id="rId6"/>
+    <p:sldLayoutId id="2147483691" r:id="rId7"/>
+    <p:sldLayoutId id="2147483692" r:id="rId8"/>
+    <p:sldLayoutId id="2147483693" r:id="rId9"/>
+    <p:sldLayoutId id="2147483694" r:id="rId10"/>
+    <p:sldLayoutId id="2147483695" r:id="rId11"/>
   </p:sldLayoutIdLst>
   <p:txStyles>
     <p:titleStyle>
@@ -3192,7 +6432,7 @@
         <p:spPr>
           <a:xfrm>
             <a:off x="228600" y="47144"/>
-            <a:ext cx="8686800" cy="1163091"/>
+            <a:ext cx="8686800" cy="1333787"/>
           </a:xfrm>
         </p:spPr>
         <p:txBody>
@@ -3203,18 +6443,25 @@
           <a:p>
             <a:r>
               <a:rPr lang="es-VE" sz="5400" b="1" dirty="0"/>
-              <a:t>2. EL ORIGEN DEL PECADO</a:t>
-            </a:r>
-            <a:r>
-              <a:rPr lang="es-VE" sz="4900" b="1" dirty="0" smtClean="0"/>
-              <a:t/>
+              <a:t>2. EL ORIGEN DEL </a:t>
+            </a:r>
+            <a:r>
+              <a:rPr lang="es-VE" sz="5400" b="1" dirty="0" smtClean="0"/>
+              <a:t>PECADO</a:t>
             </a:r>
             <a:br>
-              <a:rPr lang="es-VE" sz="4900" b="1" dirty="0" smtClean="0"/>
+              <a:rPr lang="es-VE" sz="5400" b="1" dirty="0" smtClean="0"/>
             </a:br>
             <a:r>
-              <a:rPr lang="es-VE" b="1" dirty="0" smtClean="0"/>
-              <a:t>Introducción</a:t>
+              <a:rPr lang="es-VE" sz="2800" b="1" dirty="0"/>
+              <a:t>2.1. La tentación</a:t>
+            </a:r>
+            <a:br>
+              <a:rPr lang="es-VE" sz="2800" b="1" dirty="0"/>
+            </a:br>
+            <a:r>
+              <a:rPr lang="es-VE" sz="2800" b="1" dirty="0"/>
+              <a:t>2.1.1. La posibilidad de la tentación</a:t>
             </a:r>
             <a:endParaRPr lang="es-VE" sz="6600" b="1" dirty="0"/>
           </a:p>
@@ -3238,8 +6485,8 @@
         </p:nvSpPr>
         <p:spPr>
           <a:xfrm>
-            <a:off x="228600" y="1210234"/>
-            <a:ext cx="8686800" cy="4114801"/>
+            <a:off x="228600" y="1455576"/>
+            <a:ext cx="8686800" cy="3726025"/>
           </a:xfrm>
         </p:spPr>
         <p:txBody>
@@ -3252,71 +6499,91 @@
               <a:buNone/>
             </a:pPr>
             <a:r>
-              <a:rPr lang="es-VE" sz="2800" dirty="0"/>
-              <a:t>El tercer capítulo del Génesis da las claves que caracterizan la historia espiritual del hombre. </a:t>
-            </a:r>
-            <a:endParaRPr lang="es-VE" sz="2800" dirty="0" smtClean="0"/>
+              <a:rPr lang="es-VE" sz="2400" dirty="0"/>
+              <a:t>E</a:t>
+            </a:r>
+            <a:r>
+              <a:rPr lang="es-VE" sz="2400" dirty="0" smtClean="0"/>
+              <a:t>n </a:t>
+            </a:r>
+            <a:r>
+              <a:rPr lang="es-VE" sz="2400" dirty="0"/>
+              <a:t>el huerto de </a:t>
+            </a:r>
+            <a:r>
+              <a:rPr lang="es-VE" sz="2400" dirty="0" smtClean="0"/>
+              <a:t>Edén habían dos  árboles (el </a:t>
+            </a:r>
+            <a:r>
+              <a:rPr lang="es-VE" sz="2400" dirty="0"/>
+              <a:t>árbol del conocimiento del bien y del mal y </a:t>
+            </a:r>
+            <a:r>
+              <a:rPr lang="es-VE" sz="2400" dirty="0" smtClean="0"/>
+              <a:t>el </a:t>
+            </a:r>
+            <a:r>
+              <a:rPr lang="es-VE" sz="2400" dirty="0"/>
+              <a:t>árbol de vida</a:t>
+            </a:r>
+            <a:r>
+              <a:rPr lang="es-VE" sz="2400" dirty="0" smtClean="0"/>
+              <a:t>).</a:t>
+            </a:r>
           </a:p>
           <a:p>
             <a:pPr marL="0" indent="0">
               <a:buNone/>
             </a:pPr>
-            <a:endParaRPr lang="es-VE" sz="2800" dirty="0"/>
-          </a:p>
-          <a:p>
-            <a:pPr marL="742950" indent="-742950">
-              <a:buFont typeface="+mj-lt"/>
-              <a:buAutoNum type="arabicPeriod"/>
+            <a:endParaRPr lang="es-VE" sz="2400" dirty="0"/>
+          </a:p>
+          <a:p>
+            <a:pPr marL="0" indent="0">
+              <a:buNone/>
             </a:pPr>
             <a:r>
-              <a:rPr lang="es-VE" sz="2800" dirty="0" smtClean="0"/>
-              <a:t>Tentación</a:t>
-            </a:r>
-          </a:p>
-          <a:p>
-            <a:pPr marL="742950" indent="-742950">
-              <a:buFont typeface="+mj-lt"/>
-              <a:buAutoNum type="arabicPeriod"/>
+              <a:rPr lang="es-VE" sz="2400" dirty="0"/>
+              <a:t>Nótese el árbol </a:t>
+            </a:r>
+            <a:r>
+              <a:rPr lang="es-VE" sz="2400" dirty="0" smtClean="0"/>
+              <a:t>prohibido ¿Por </a:t>
+            </a:r>
+            <a:r>
+              <a:rPr lang="es-VE" sz="2400" dirty="0"/>
+              <a:t>qué razón se había plantado allí? Con el objeto de proporcionar una prueba por medio de la cual el hombre podía con cariño y libertad escoger servir a Dios, y desarrollar así el </a:t>
+            </a:r>
+            <a:r>
+              <a:rPr lang="es-VE" sz="2400" dirty="0" smtClean="0"/>
+              <a:t>carácter.</a:t>
+            </a:r>
+          </a:p>
+          <a:p>
+            <a:pPr marL="0" indent="0">
+              <a:buNone/>
             </a:pPr>
-            <a:r>
-              <a:rPr lang="es-VE" sz="2800" dirty="0" smtClean="0"/>
-              <a:t>Pecado</a:t>
-            </a:r>
-          </a:p>
-          <a:p>
-            <a:pPr marL="742950" indent="-742950">
-              <a:buFont typeface="+mj-lt"/>
-              <a:buAutoNum type="arabicPeriod"/>
+            <a:endParaRPr lang="es-VE" sz="2400" dirty="0"/>
+          </a:p>
+          <a:p>
+            <a:pPr marL="0" indent="0">
+              <a:buNone/>
             </a:pPr>
             <a:r>
-              <a:rPr lang="es-VE" sz="2800" dirty="0" smtClean="0"/>
-              <a:t>Culpabilidad</a:t>
-            </a:r>
-          </a:p>
-          <a:p>
-            <a:pPr marL="742950" indent="-742950">
-              <a:buFont typeface="+mj-lt"/>
-              <a:buAutoNum type="arabicPeriod"/>
-            </a:pPr>
-            <a:r>
-              <a:rPr lang="es-VE" sz="2800" dirty="0" smtClean="0"/>
-              <a:t>Castigo</a:t>
-            </a:r>
-          </a:p>
-          <a:p>
-            <a:pPr marL="742950" indent="-742950">
-              <a:buFont typeface="+mj-lt"/>
-              <a:buAutoNum type="arabicPeriod"/>
-            </a:pPr>
-            <a:r>
-              <a:rPr lang="es-VE" sz="2800" dirty="0"/>
-              <a:t>R</a:t>
-            </a:r>
-            <a:r>
-              <a:rPr lang="es-VE" sz="2800" dirty="0" smtClean="0"/>
-              <a:t>edención</a:t>
-            </a:r>
-            <a:endParaRPr lang="es-VE" sz="2800" dirty="0"/>
+              <a:rPr lang="es-VE" sz="2400" dirty="0" smtClean="0"/>
+              <a:t>Sin </a:t>
+            </a:r>
+            <a:r>
+              <a:rPr lang="es-VE" sz="2400" dirty="0"/>
+              <a:t>el libre albedrío, el hombre hubiera sido </a:t>
+            </a:r>
+            <a:r>
+              <a:rPr lang="es-VE" sz="2400" dirty="0" smtClean="0"/>
+              <a:t>una simple </a:t>
+            </a:r>
+            <a:r>
+              <a:rPr lang="es-VE" sz="2400" dirty="0"/>
+              <a:t>máquina.</a:t>
+            </a:r>
           </a:p>
         </p:txBody>
       </p:sp>
@@ -3519,10 +6786,250 @@
           </a:p>
         </p:txBody>
       </p:sp>
+      <p:sp>
+        <p:nvSpPr>
+          <p:cNvPr id="5" name="Marcador de contenido 2">
+            <a:extLst>
+              <a:ext uri="{FF2B5EF4-FFF2-40B4-BE49-F238E27FC236}">
+                <a16:creationId xmlns="" xmlns:a16="http://schemas.microsoft.com/office/drawing/2014/main" id="{1FF0983A-E18D-4B43-AE5B-6B835BABD33A}"/>
+              </a:ext>
+            </a:extLst>
+          </p:cNvPr>
+          <p:cNvSpPr txBox="1">
+            <a:spLocks/>
+          </p:cNvSpPr>
+          <p:nvPr/>
+        </p:nvSpPr>
+        <p:spPr>
+          <a:xfrm>
+            <a:off x="228600" y="5181601"/>
+            <a:ext cx="8686800" cy="486210"/>
+          </a:xfrm>
+          <a:prstGeom prst="rect">
+            <a:avLst/>
+          </a:prstGeom>
+        </p:spPr>
+        <p:txBody>
+          <a:bodyPr vert="horz" lIns="91440" tIns="45720" rIns="91440" bIns="45720" rtlCol="0" anchor="ctr">
+            <a:normAutofit/>
+          </a:bodyPr>
+          <a:lstStyle>
+            <a:lvl1pPr marL="171446" indent="-171446" algn="l" defTabSz="685783" rtl="0" eaLnBrk="1" latinLnBrk="0" hangingPunct="1">
+              <a:lnSpc>
+                <a:spcPct val="90000"/>
+              </a:lnSpc>
+              <a:spcBef>
+                <a:spcPts val="751"/>
+              </a:spcBef>
+              <a:buFont typeface="Arial" panose="020B0604020202020204" pitchFamily="34" charset="0"/>
+              <a:buChar char="•"/>
+              <a:defRPr sz="2100" kern="1200">
+                <a:solidFill>
+                  <a:schemeClr val="tx1"/>
+                </a:solidFill>
+                <a:latin typeface="+mn-lt"/>
+                <a:ea typeface="+mn-ea"/>
+                <a:cs typeface="+mn-cs"/>
+              </a:defRPr>
+            </a:lvl1pPr>
+            <a:lvl2pPr marL="514338" indent="-171446" algn="l" defTabSz="685783" rtl="0" eaLnBrk="1" latinLnBrk="0" hangingPunct="1">
+              <a:lnSpc>
+                <a:spcPct val="90000"/>
+              </a:lnSpc>
+              <a:spcBef>
+                <a:spcPts val="375"/>
+              </a:spcBef>
+              <a:buFont typeface="Arial" panose="020B0604020202020204" pitchFamily="34" charset="0"/>
+              <a:buChar char="•"/>
+              <a:defRPr sz="1800" kern="1200">
+                <a:solidFill>
+                  <a:schemeClr val="tx1"/>
+                </a:solidFill>
+                <a:latin typeface="+mn-lt"/>
+                <a:ea typeface="+mn-ea"/>
+                <a:cs typeface="+mn-cs"/>
+              </a:defRPr>
+            </a:lvl2pPr>
+            <a:lvl3pPr marL="857229" indent="-171446" algn="l" defTabSz="685783" rtl="0" eaLnBrk="1" latinLnBrk="0" hangingPunct="1">
+              <a:lnSpc>
+                <a:spcPct val="90000"/>
+              </a:lnSpc>
+              <a:spcBef>
+                <a:spcPts val="375"/>
+              </a:spcBef>
+              <a:buFont typeface="Arial" panose="020B0604020202020204" pitchFamily="34" charset="0"/>
+              <a:buChar char="•"/>
+              <a:defRPr sz="1500" kern="1200">
+                <a:solidFill>
+                  <a:schemeClr val="tx1"/>
+                </a:solidFill>
+                <a:latin typeface="+mn-lt"/>
+                <a:ea typeface="+mn-ea"/>
+                <a:cs typeface="+mn-cs"/>
+              </a:defRPr>
+            </a:lvl3pPr>
+            <a:lvl4pPr marL="1200121" indent="-171446" algn="l" defTabSz="685783" rtl="0" eaLnBrk="1" latinLnBrk="0" hangingPunct="1">
+              <a:lnSpc>
+                <a:spcPct val="90000"/>
+              </a:lnSpc>
+              <a:spcBef>
+                <a:spcPts val="375"/>
+              </a:spcBef>
+              <a:buFont typeface="Arial" panose="020B0604020202020204" pitchFamily="34" charset="0"/>
+              <a:buChar char="•"/>
+              <a:defRPr sz="1351" kern="1200">
+                <a:solidFill>
+                  <a:schemeClr val="tx1"/>
+                </a:solidFill>
+                <a:latin typeface="+mn-lt"/>
+                <a:ea typeface="+mn-ea"/>
+                <a:cs typeface="+mn-cs"/>
+              </a:defRPr>
+            </a:lvl4pPr>
+            <a:lvl5pPr marL="1543012" indent="-171446" algn="l" defTabSz="685783" rtl="0" eaLnBrk="1" latinLnBrk="0" hangingPunct="1">
+              <a:lnSpc>
+                <a:spcPct val="90000"/>
+              </a:lnSpc>
+              <a:spcBef>
+                <a:spcPts val="375"/>
+              </a:spcBef>
+              <a:buFont typeface="Arial" panose="020B0604020202020204" pitchFamily="34" charset="0"/>
+              <a:buChar char="•"/>
+              <a:defRPr sz="1351" kern="1200">
+                <a:solidFill>
+                  <a:schemeClr val="tx1"/>
+                </a:solidFill>
+                <a:latin typeface="+mn-lt"/>
+                <a:ea typeface="+mn-ea"/>
+                <a:cs typeface="+mn-cs"/>
+              </a:defRPr>
+            </a:lvl5pPr>
+            <a:lvl6pPr marL="1885904" indent="-171446" algn="l" defTabSz="685783" rtl="0" eaLnBrk="1" latinLnBrk="0" hangingPunct="1">
+              <a:lnSpc>
+                <a:spcPct val="90000"/>
+              </a:lnSpc>
+              <a:spcBef>
+                <a:spcPts val="375"/>
+              </a:spcBef>
+              <a:buFont typeface="Arial" panose="020B0604020202020204" pitchFamily="34" charset="0"/>
+              <a:buChar char="•"/>
+              <a:defRPr sz="1351" kern="1200">
+                <a:solidFill>
+                  <a:schemeClr val="tx1"/>
+                </a:solidFill>
+                <a:latin typeface="+mn-lt"/>
+                <a:ea typeface="+mn-ea"/>
+                <a:cs typeface="+mn-cs"/>
+              </a:defRPr>
+            </a:lvl6pPr>
+            <a:lvl7pPr marL="2228795" indent="-171446" algn="l" defTabSz="685783" rtl="0" eaLnBrk="1" latinLnBrk="0" hangingPunct="1">
+              <a:lnSpc>
+                <a:spcPct val="90000"/>
+              </a:lnSpc>
+              <a:spcBef>
+                <a:spcPts val="375"/>
+              </a:spcBef>
+              <a:buFont typeface="Arial" panose="020B0604020202020204" pitchFamily="34" charset="0"/>
+              <a:buChar char="•"/>
+              <a:defRPr sz="1351" kern="1200">
+                <a:solidFill>
+                  <a:schemeClr val="tx1"/>
+                </a:solidFill>
+                <a:latin typeface="+mn-lt"/>
+                <a:ea typeface="+mn-ea"/>
+                <a:cs typeface="+mn-cs"/>
+              </a:defRPr>
+            </a:lvl7pPr>
+            <a:lvl8pPr marL="2571686" indent="-171446" algn="l" defTabSz="685783" rtl="0" eaLnBrk="1" latinLnBrk="0" hangingPunct="1">
+              <a:lnSpc>
+                <a:spcPct val="90000"/>
+              </a:lnSpc>
+              <a:spcBef>
+                <a:spcPts val="375"/>
+              </a:spcBef>
+              <a:buFont typeface="Arial" panose="020B0604020202020204" pitchFamily="34" charset="0"/>
+              <a:buChar char="•"/>
+              <a:defRPr sz="1351" kern="1200">
+                <a:solidFill>
+                  <a:schemeClr val="tx1"/>
+                </a:solidFill>
+                <a:latin typeface="+mn-lt"/>
+                <a:ea typeface="+mn-ea"/>
+                <a:cs typeface="+mn-cs"/>
+              </a:defRPr>
+            </a:lvl8pPr>
+            <a:lvl9pPr marL="2914578" indent="-171446" algn="l" defTabSz="685783" rtl="0" eaLnBrk="1" latinLnBrk="0" hangingPunct="1">
+              <a:lnSpc>
+                <a:spcPct val="90000"/>
+              </a:lnSpc>
+              <a:spcBef>
+                <a:spcPts val="375"/>
+              </a:spcBef>
+              <a:buFont typeface="Arial" panose="020B0604020202020204" pitchFamily="34" charset="0"/>
+              <a:buChar char="•"/>
+              <a:defRPr sz="1351" kern="1200">
+                <a:solidFill>
+                  <a:schemeClr val="tx1"/>
+                </a:solidFill>
+                <a:latin typeface="+mn-lt"/>
+                <a:ea typeface="+mn-ea"/>
+                <a:cs typeface="+mn-cs"/>
+              </a:defRPr>
+            </a:lvl9pPr>
+          </a:lstStyle>
+          <a:p>
+            <a:pPr marL="0" lvl="0" indent="0" algn="r">
+              <a:buNone/>
+            </a:pPr>
+            <a:r>
+              <a:rPr kumimoji="0" lang="es-VE" sz="1800" b="1" i="0" u="none" strike="noStrike" kern="1200" cap="none" spc="0" normalizeH="0" baseline="0" noProof="0" dirty="0" smtClean="0">
+                <a:ln>
+                  <a:noFill/>
+                </a:ln>
+                <a:solidFill>
+                  <a:srgbClr val="FFC000"/>
+                </a:solidFill>
+                <a:effectLst/>
+                <a:uLnTx/>
+                <a:uFillTx/>
+                <a:latin typeface="Calibri" panose="020F0502020204030204"/>
+                <a:ea typeface="+mn-ea"/>
+                <a:cs typeface="+mn-cs"/>
+              </a:rPr>
+              <a:t>[Referencia</a:t>
+            </a:r>
+            <a:r>
+              <a:rPr lang="es-VE" sz="1800" b="1" dirty="0" smtClean="0">
+                <a:solidFill>
+                  <a:srgbClr val="FFC000"/>
+                </a:solidFill>
+              </a:rPr>
+              <a:t>] </a:t>
+            </a:r>
+            <a:r>
+              <a:rPr lang="es-VE" sz="1800" dirty="0" err="1" smtClean="0"/>
+              <a:t>Dt</a:t>
+            </a:r>
+            <a:r>
+              <a:rPr lang="es-VE" sz="1800" dirty="0" smtClean="0"/>
+              <a:t> 30:15</a:t>
+            </a:r>
+            <a:endParaRPr kumimoji="0" lang="es-VE" sz="1800" i="0" strike="noStrike" kern="1200" cap="none" spc="0" normalizeH="0" baseline="0" noProof="0" dirty="0">
+              <a:ln>
+                <a:noFill/>
+              </a:ln>
+              <a:effectLst/>
+              <a:uLnTx/>
+              <a:uFillTx/>
+              <a:latin typeface="Calibri" panose="020F0502020204030204"/>
+            </a:endParaRPr>
+          </a:p>
+        </p:txBody>
+      </p:sp>
     </p:spTree>
     <p:extLst>
       <p:ext uri="{BB962C8B-B14F-4D97-AF65-F5344CB8AC3E}">
-        <p14:creationId xmlns:p14="http://schemas.microsoft.com/office/powerpoint/2010/main" val="3240009922"/>
+        <p14:creationId xmlns:p14="http://schemas.microsoft.com/office/powerpoint/2010/main" val="1224012150"/>
       </p:ext>
     </p:extLst>
   </p:cSld>
@@ -3637,7 +7144,7 @@
             </a:br>
             <a:r>
               <a:rPr lang="es-VE" sz="2800" b="1" dirty="0"/>
-              <a:t>2.1.1. La posibilidad de la tentación</a:t>
+              <a:t>2.1.2. La fuente de la tentación</a:t>
             </a:r>
             <a:endParaRPr lang="es-VE" sz="6600" b="1" dirty="0"/>
           </a:p>
@@ -3676,35 +7183,11 @@
             </a:pPr>
             <a:r>
               <a:rPr lang="es-VE" sz="2400" dirty="0"/>
-              <a:t>E</a:t>
+              <a:t>Satanás, por lo general, trabaja por medio de </a:t>
             </a:r>
             <a:r>
               <a:rPr lang="es-VE" sz="2400" dirty="0" smtClean="0"/>
-              <a:t>n </a:t>
-            </a:r>
-            <a:r>
-              <a:rPr lang="es-VE" sz="2400" dirty="0"/>
-              <a:t>el huerto de </a:t>
-            </a:r>
-            <a:r>
-              <a:rPr lang="es-VE" sz="2400" dirty="0" smtClean="0"/>
-              <a:t>Edén habían dos  árboles (el </a:t>
-            </a:r>
-            <a:r>
-              <a:rPr lang="es-VE" sz="2400" dirty="0"/>
-              <a:t>árbol del conocimiento del bien y del mal y </a:t>
-            </a:r>
-            <a:r>
-              <a:rPr lang="es-VE" sz="2400" dirty="0" smtClean="0"/>
-              <a:t>el </a:t>
-            </a:r>
-            <a:r>
-              <a:rPr lang="es-VE" sz="2400" dirty="0"/>
-              <a:t>árbol de vida</a:t>
-            </a:r>
-            <a:r>
-              <a:rPr lang="es-VE" sz="2400" dirty="0" smtClean="0"/>
-              <a:t>).</a:t>
+              <a:t>agentes.</a:t>
             </a:r>
           </a:p>
           <a:p>
@@ -3718,20 +7201,24 @@
               <a:buNone/>
             </a:pPr>
             <a:r>
+              <a:rPr lang="es-VE" sz="2400" dirty="0" smtClean="0"/>
+              <a:t>Cuando </a:t>
+            </a:r>
+            <a:r>
               <a:rPr lang="es-VE" sz="2400" dirty="0"/>
-              <a:t>Nótese el árbol </a:t>
+              <a:t>Pedro, sin mala intención, trató de disuadir a su Maestro de que siguiera la senda del deber, el Señor vio más allá de Pedro, y dijo: “Quítate de delante de mí, Satanás” </a:t>
+            </a:r>
+            <a:r>
+              <a:rPr lang="es-VE" sz="2400" b="1" dirty="0" smtClean="0">
+                <a:solidFill>
+                  <a:srgbClr val="FFC000"/>
+                </a:solidFill>
+              </a:rPr>
+              <a:t>[1]</a:t>
             </a:r>
             <a:r>
               <a:rPr lang="es-VE" sz="2400" dirty="0" smtClean="0"/>
-              <a:t>prohibido ¿Por </a:t>
-            </a:r>
-            <a:r>
-              <a:rPr lang="es-VE" sz="2400" dirty="0"/>
-              <a:t>qué razón se había plantado allí? Con el objeto de proporcionar una prueba por medio de la cual el hombre podía con cariño y libertad escoger servir a Dios, y desarrollar así el </a:t>
-            </a:r>
-            <a:r>
-              <a:rPr lang="es-VE" sz="2400" dirty="0" smtClean="0"/>
-              <a:t>carácter.</a:t>
+              <a:t>.</a:t>
             </a:r>
           </a:p>
           <a:p>
@@ -3746,19 +7233,11 @@
             </a:pPr>
             <a:r>
               <a:rPr lang="es-VE" sz="2400" dirty="0" smtClean="0"/>
-              <a:t>Sin </a:t>
+              <a:t>En </a:t>
             </a:r>
             <a:r>
               <a:rPr lang="es-VE" sz="2400" dirty="0"/>
-              <a:t>el libre albedrío, el hombre hubiera sido </a:t>
-            </a:r>
-            <a:r>
-              <a:rPr lang="es-VE" sz="2400" dirty="0" smtClean="0"/>
-              <a:t>una simple </a:t>
-            </a:r>
-            <a:r>
-              <a:rPr lang="es-VE" sz="2400" dirty="0"/>
-              <a:t>máquina.</a:t>
+              <a:t>ese caso Satanás procedió por medio de uno de los amigos de Jesús; en el huerto del Edén empleó a una criatura de la que Eva no desconfiaba.</a:t>
             </a:r>
           </a:p>
         </p:txBody>
@@ -4172,7 +7651,7 @@
                 <a:ea typeface="+mn-ea"/>
                 <a:cs typeface="+mn-cs"/>
               </a:rPr>
-              <a:t>[Referencia</a:t>
+              <a:t>[1</a:t>
             </a:r>
             <a:r>
               <a:rPr lang="es-VE" sz="1800" b="1" dirty="0" smtClean="0">
@@ -4183,12 +7662,16 @@
               <a:t>] </a:t>
             </a:r>
             <a:r>
-              <a:rPr lang="es-VE" sz="1800" dirty="0" err="1" smtClean="0"/>
-              <a:t>Dt</a:t>
-            </a:r>
-            <a:r>
               <a:rPr lang="es-VE" sz="1800" dirty="0" smtClean="0"/>
-              <a:t> 30:15</a:t>
+              <a:t>Mt 16:22</a:t>
+            </a:r>
+            <a:r>
+              <a:rPr lang="es-VE" sz="1800" dirty="0"/>
+              <a:t>, </a:t>
+            </a:r>
+            <a:r>
+              <a:rPr lang="es-VE" sz="1800" dirty="0" smtClean="0"/>
+              <a:t>Mt 16:23</a:t>
             </a:r>
             <a:endParaRPr kumimoji="0" lang="es-VE" sz="1800" i="0" strike="noStrike" kern="1200" cap="none" spc="0" normalizeH="0" baseline="0" noProof="0" dirty="0">
               <a:ln>
@@ -4205,7 +7688,7 @@
     </p:spTree>
     <p:extLst>
       <p:ext uri="{BB962C8B-B14F-4D97-AF65-F5344CB8AC3E}">
-        <p14:creationId xmlns:p14="http://schemas.microsoft.com/office/powerpoint/2010/main" val="1224012150"/>
+        <p14:creationId xmlns:p14="http://schemas.microsoft.com/office/powerpoint/2010/main" val="2245941677"/>
       </p:ext>
     </p:extLst>
   </p:cSld>
@@ -4319,8 +7802,8 @@
               <a:rPr lang="es-VE" sz="2800" b="1" dirty="0"/>
             </a:br>
             <a:r>
-              <a:rPr lang="es-VE" sz="2800" b="1" dirty="0"/>
-              <a:t>2.1.2. La fuente de la tentación</a:t>
+              <a:rPr lang="es-VE" sz="2400" b="1" dirty="0"/>
+              <a:t>2.1.3. La sutileza de la tentación</a:t>
             </a:r>
             <a:endParaRPr lang="es-VE" sz="6600" b="1" dirty="0"/>
           </a:p>
@@ -4358,62 +7841,20 @@
               <a:buNone/>
             </a:pPr>
             <a:r>
-              <a:rPr lang="es-VE" sz="2400" dirty="0"/>
-              <a:t>Satanás, por lo general, trabaja por medio de </a:t>
-            </a:r>
-            <a:r>
-              <a:rPr lang="es-VE" sz="2400" dirty="0" smtClean="0"/>
-              <a:t>agentes.</a:t>
-            </a:r>
-          </a:p>
-          <a:p>
-            <a:pPr marL="0" indent="0">
-              <a:buNone/>
-            </a:pPr>
-            <a:endParaRPr lang="es-VE" sz="2400" dirty="0"/>
-          </a:p>
-          <a:p>
-            <a:pPr marL="0" indent="0">
-              <a:buNone/>
-            </a:pPr>
-            <a:r>
-              <a:rPr lang="es-VE" sz="2400" dirty="0" smtClean="0"/>
-              <a:t>Cuando </a:t>
-            </a:r>
-            <a:r>
-              <a:rPr lang="es-VE" sz="2400" dirty="0"/>
-              <a:t>Pedro, sin mala intención, trató de disuadir a su Maestro de que siguiera la senda del deber, el Señor vio más allá de Pedro, y dijo: “Quítate de delante de mí, Satanás” </a:t>
-            </a:r>
-            <a:r>
-              <a:rPr lang="es-VE" sz="2400" b="1" dirty="0" smtClean="0">
-                <a:solidFill>
-                  <a:srgbClr val="FFC000"/>
-                </a:solidFill>
-              </a:rPr>
-              <a:t>[1]</a:t>
-            </a:r>
-            <a:r>
-              <a:rPr lang="es-VE" sz="2400" dirty="0" smtClean="0"/>
+              <a:rPr lang="es-VE" sz="3600" dirty="0"/>
+              <a:t>La sutileza se menciona como una característica sobresaliente de la </a:t>
+            </a:r>
+            <a:r>
+              <a:rPr lang="es-VE" sz="3600" dirty="0" smtClean="0"/>
+              <a:t>serpiente la cual presenta </a:t>
+            </a:r>
+            <a:r>
+              <a:rPr lang="es-VE" sz="3600" dirty="0"/>
+              <a:t>con gran astucia sugerencias que, cuando se las abraza, dan objeto a deseos pecaminosos y actos también pecaminoso</a:t>
+            </a:r>
+            <a:r>
+              <a:rPr lang="es-VE" sz="3600" dirty="0" smtClean="0"/>
               <a:t>.</a:t>
-            </a:r>
-          </a:p>
-          <a:p>
-            <a:pPr marL="0" indent="0">
-              <a:buNone/>
-            </a:pPr>
-            <a:endParaRPr lang="es-VE" sz="2400" dirty="0"/>
-          </a:p>
-          <a:p>
-            <a:pPr marL="0" indent="0">
-              <a:buNone/>
-            </a:pPr>
-            <a:r>
-              <a:rPr lang="es-VE" sz="2400" dirty="0" smtClean="0"/>
-              <a:t>En </a:t>
-            </a:r>
-            <a:r>
-              <a:rPr lang="es-VE" sz="2400" dirty="0"/>
-              <a:t>ese caso Satanás procedió por medio de uno de los amigos de Jesús; en el huerto del Edén empleó a una criatura de la que Eva no desconfiaba.</a:t>
             </a:r>
           </a:p>
         </p:txBody>
@@ -4827,7 +8268,7 @@
                 <a:ea typeface="+mn-ea"/>
                 <a:cs typeface="+mn-cs"/>
               </a:rPr>
-              <a:t>[1</a:t>
+              <a:t>[Referencia</a:t>
             </a:r>
             <a:r>
               <a:rPr lang="es-VE" sz="1800" b="1" dirty="0" smtClean="0">
@@ -4838,16 +8279,12 @@
               <a:t>] </a:t>
             </a:r>
             <a:r>
+              <a:rPr lang="es-VE" sz="1800" dirty="0" err="1" smtClean="0"/>
+              <a:t>Gn</a:t>
+            </a:r>
+            <a:r>
               <a:rPr lang="es-VE" sz="1800" dirty="0" smtClean="0"/>
-              <a:t>Mt 16:22</a:t>
-            </a:r>
-            <a:r>
-              <a:rPr lang="es-VE" sz="1800" dirty="0"/>
-              <a:t>, </a:t>
-            </a:r>
-            <a:r>
-              <a:rPr lang="es-VE" sz="1800" dirty="0" smtClean="0"/>
-              <a:t>Mt 16:23</a:t>
+              <a:t> 3:1</a:t>
             </a:r>
             <a:endParaRPr kumimoji="0" lang="es-VE" sz="1800" i="0" strike="noStrike" kern="1200" cap="none" spc="0" normalizeH="0" baseline="0" noProof="0" dirty="0">
               <a:ln>
@@ -4864,7 +8301,7 @@
     </p:spTree>
     <p:extLst>
       <p:ext uri="{BB962C8B-B14F-4D97-AF65-F5344CB8AC3E}">
-        <p14:creationId xmlns:p14="http://schemas.microsoft.com/office/powerpoint/2010/main" val="2245941677"/>
+        <p14:creationId xmlns:p14="http://schemas.microsoft.com/office/powerpoint/2010/main" val="269659754"/>
       </p:ext>
     </p:extLst>
   </p:cSld>
@@ -4955,7 +8392,7 @@
         </p:spPr>
         <p:txBody>
           <a:bodyPr anchor="ctr">
-            <a:normAutofit fontScale="90000"/>
+            <a:normAutofit/>
           </a:bodyPr>
           <a:lstStyle/>
           <a:p>
@@ -4971,15 +8408,8 @@
               <a:rPr lang="es-VE" sz="5400" b="1" dirty="0" smtClean="0"/>
             </a:br>
             <a:r>
-              <a:rPr lang="es-VE" sz="2800" b="1" dirty="0"/>
-              <a:t>2.1. La tentación</a:t>
-            </a:r>
-            <a:br>
-              <a:rPr lang="es-VE" sz="2800" b="1" dirty="0"/>
-            </a:br>
-            <a:r>
-              <a:rPr lang="es-VE" sz="2400" b="1" dirty="0"/>
-              <a:t>2.1.3. La sutileza de la tentación</a:t>
+              <a:rPr lang="es-VE" sz="2800" b="1" dirty="0" smtClean="0"/>
+              <a:t>2.2. Culpabilidad</a:t>
             </a:r>
             <a:endParaRPr lang="es-VE" sz="6600" b="1" dirty="0"/>
           </a:p>
@@ -5017,21 +8447,61 @@
               <a:buNone/>
             </a:pPr>
             <a:r>
-              <a:rPr lang="es-VE" sz="3600" dirty="0"/>
-              <a:t>La sutileza se menciona como una característica sobresaliente de la </a:t>
-            </a:r>
-            <a:r>
-              <a:rPr lang="es-VE" sz="3600" dirty="0" smtClean="0"/>
-              <a:t>serpiente la cual presenta </a:t>
-            </a:r>
-            <a:r>
-              <a:rPr lang="es-VE" sz="3600" dirty="0"/>
-              <a:t>con gran astucia sugerencias que, cuando se las abraza, dan objeto a deseos pecaminosos y actos también pecaminoso</a:t>
-            </a:r>
-            <a:r>
-              <a:rPr lang="es-VE" sz="3600" dirty="0" smtClean="0"/>
-              <a:t>.</a:t>
-            </a:r>
+              <a:rPr lang="es-VE" sz="2800" dirty="0" smtClean="0"/>
+              <a:t>El </a:t>
+            </a:r>
+            <a:r>
+              <a:rPr lang="es-VE" sz="2800" dirty="0"/>
+              <a:t>hombre culpable, por instinto, trata de ocultarse de Dios, de huir de </a:t>
+            </a:r>
+            <a:r>
+              <a:rPr lang="es-VE" sz="2800" dirty="0" smtClean="0"/>
+              <a:t>El.</a:t>
+            </a:r>
+          </a:p>
+          <a:p>
+            <a:pPr marL="0" indent="0">
+              <a:buNone/>
+            </a:pPr>
+            <a:endParaRPr lang="es-VE" sz="2800" dirty="0"/>
+          </a:p>
+          <a:p>
+            <a:pPr marL="0" indent="0">
+              <a:buNone/>
+            </a:pPr>
+            <a:r>
+              <a:rPr lang="es-VE" sz="2800" dirty="0" smtClean="0"/>
+              <a:t>Y </a:t>
+            </a:r>
+            <a:r>
+              <a:rPr lang="es-VE" sz="2800" dirty="0"/>
+              <a:t>así como Adán y </a:t>
+            </a:r>
+            <a:r>
+              <a:rPr lang="es-VE" sz="2800" dirty="0" smtClean="0"/>
+              <a:t>Eva </a:t>
+            </a:r>
+            <a:r>
+              <a:rPr lang="es-VE" sz="2800" dirty="0"/>
+              <a:t>e</a:t>
+            </a:r>
+            <a:r>
+              <a:rPr lang="es-VE" sz="2800" dirty="0" smtClean="0"/>
+              <a:t>n </a:t>
+            </a:r>
+            <a:r>
+              <a:rPr lang="es-VE" sz="2800" dirty="0"/>
+              <a:t>vez de sentirse como Dios, experimentaron un horrible sentimiento de culpabilidad que los hizo temer a </a:t>
+            </a:r>
+            <a:r>
+              <a:rPr lang="es-VE" sz="2800" dirty="0" smtClean="0"/>
+              <a:t>Dios y </a:t>
+            </a:r>
+            <a:r>
+              <a:rPr lang="es-VE" sz="2800" dirty="0"/>
+              <a:t>procuraron ocultarse entre los árboles, así también la gente procura en la actualidad ocultarse o sumirse en los placeres y otras actividades.</a:t>
+            </a:r>
+            <a:endParaRPr lang="es-VE" sz="2800" dirty="0" smtClean="0"/>
           </a:p>
         </p:txBody>
       </p:sp>
@@ -5455,12 +8925,28 @@
               <a:t>] </a:t>
             </a:r>
             <a:r>
-              <a:rPr lang="es-VE" sz="1800" dirty="0" err="1" smtClean="0"/>
-              <a:t>Gn</a:t>
+              <a:rPr lang="es-VE" sz="1800" dirty="0" err="1"/>
+              <a:t>Gén</a:t>
+            </a:r>
+            <a:r>
+              <a:rPr lang="es-VE" sz="1800" dirty="0"/>
+              <a:t> </a:t>
             </a:r>
             <a:r>
               <a:rPr lang="es-VE" sz="1800" dirty="0" smtClean="0"/>
-              <a:t> 3:1</a:t>
+              <a:t>3:7, </a:t>
+            </a:r>
+            <a:r>
+              <a:rPr lang="es-VE" sz="1800" dirty="0" err="1"/>
+              <a:t>Gén</a:t>
+            </a:r>
+            <a:r>
+              <a:rPr lang="es-VE" sz="1800"/>
+              <a:t> </a:t>
+            </a:r>
+            <a:r>
+              <a:rPr lang="es-VE" sz="1800" smtClean="0"/>
+              <a:t>3:10</a:t>
             </a:r>
             <a:endParaRPr kumimoji="0" lang="es-VE" sz="1800" i="0" strike="noStrike" kern="1200" cap="none" spc="0" normalizeH="0" baseline="0" noProof="0" dirty="0">
               <a:ln>
@@ -5477,20 +8963,13 @@
     </p:spTree>
     <p:extLst>
       <p:ext uri="{BB962C8B-B14F-4D97-AF65-F5344CB8AC3E}">
-        <p14:creationId xmlns:p14="http://schemas.microsoft.com/office/powerpoint/2010/main" val="269659754"/>
+        <p14:creationId xmlns:p14="http://schemas.microsoft.com/office/powerpoint/2010/main" val="846292925"/>
       </p:ext>
     </p:extLst>
   </p:cSld>
   <p:clrMapOvr>
     <a:masterClrMapping/>
   </p:clrMapOvr>
-  <p:timing>
-    <p:tnLst>
-      <p:par>
-        <p:cTn id="1" dur="indefinite" restart="never" nodeType="tmRoot"/>
-      </p:par>
-    </p:tnLst>
-  </p:timing>
 </p:sld>
 </file>
 
@@ -5584,15 +9063,31 @@
               <a:rPr lang="es-VE" sz="5400" b="1" dirty="0" smtClean="0"/>
             </a:br>
             <a:r>
+              <a:rPr lang="es-VE" sz="2800" b="1" dirty="0" smtClean="0"/>
+              <a:t>2.3.</a:t>
+            </a:r>
+            <a:r>
               <a:rPr lang="es-VE" sz="2800" b="1" dirty="0"/>
-              <a:t>2.1. La tentación</a:t>
+              <a:t> </a:t>
+            </a:r>
+            <a:r>
+              <a:rPr lang="es-VE" sz="2800" b="1" dirty="0" smtClean="0"/>
+              <a:t>Castigo del pecado</a:t>
+            </a:r>
+            <a:r>
+              <a:rPr lang="es-VE" sz="2800" b="1" dirty="0"/>
+              <a:t/>
             </a:r>
             <a:br>
               <a:rPr lang="es-VE" sz="2800" b="1" dirty="0"/>
             </a:br>
             <a:r>
-              <a:rPr lang="es-VE" sz="2400" b="1" dirty="0"/>
-              <a:t>2.2. Culpabilidad</a:t>
+              <a:rPr lang="es-VE" sz="2800" b="1" dirty="0"/>
+              <a:t>2.3.1</a:t>
+            </a:r>
+            <a:r>
+              <a:rPr lang="es-VE" sz="2800" b="1" dirty="0" smtClean="0"/>
+              <a:t>. Motivo del castigo</a:t>
             </a:r>
             <a:endParaRPr lang="es-VE" sz="6600" b="1" dirty="0"/>
           </a:p>
@@ -5630,61 +9125,68 @@
               <a:buNone/>
             </a:pPr>
             <a:r>
-              <a:rPr lang="es-VE" sz="2800" dirty="0" smtClean="0"/>
-              <a:t>El </a:t>
-            </a:r>
-            <a:r>
-              <a:rPr lang="es-VE" sz="2800" dirty="0"/>
-              <a:t>hombre culpable, por instinto, trata de ocultarse de Dios, de huir de </a:t>
-            </a:r>
-            <a:r>
-              <a:rPr lang="es-VE" sz="2800" dirty="0" smtClean="0"/>
-              <a:t>El.</a:t>
+              <a:rPr lang="es-VE" sz="2400" dirty="0"/>
+              <a:t>Aunque el castigo de Dios por el pecado sirve como </a:t>
+            </a:r>
+            <a:r>
+              <a:rPr lang="es-VE" sz="2400" i="1" dirty="0"/>
+              <a:t>disuasivo</a:t>
+            </a:r>
+            <a:r>
+              <a:rPr lang="es-VE" sz="2400" dirty="0"/>
+              <a:t> en cuanto a seguir pecando y como una </a:t>
+            </a:r>
+            <a:r>
+              <a:rPr lang="es-VE" sz="2400" i="1" dirty="0"/>
+              <a:t>advertencia</a:t>
+            </a:r>
+            <a:r>
+              <a:rPr lang="es-VE" sz="2400" dirty="0"/>
+              <a:t> para los que lo observan, esa no es la razón primaria por la que Dios castiga el </a:t>
+            </a:r>
+            <a:r>
+              <a:rPr lang="es-VE" sz="2400" dirty="0" smtClean="0"/>
+              <a:t>pecado.</a:t>
             </a:r>
           </a:p>
           <a:p>
             <a:pPr marL="0" indent="0">
               <a:buNone/>
             </a:pPr>
-            <a:endParaRPr lang="es-VE" sz="2800" dirty="0"/>
+            <a:endParaRPr lang="es-VE" sz="2400" dirty="0"/>
           </a:p>
           <a:p>
             <a:pPr marL="0" indent="0">
               <a:buNone/>
             </a:pPr>
             <a:r>
-              <a:rPr lang="es-VE" sz="2800" dirty="0" smtClean="0"/>
-              <a:t>Y </a:t>
-            </a:r>
-            <a:r>
-              <a:rPr lang="es-VE" sz="2800" dirty="0"/>
-              <a:t>así como Adán y </a:t>
-            </a:r>
-            <a:r>
-              <a:rPr lang="es-VE" sz="2800" dirty="0" smtClean="0"/>
-              <a:t>Eva </a:t>
-            </a:r>
-            <a:r>
-              <a:rPr lang="es-VE" sz="2800" dirty="0"/>
-              <a:t>e</a:t>
-            </a:r>
-            <a:r>
-              <a:rPr lang="es-VE" sz="2800" dirty="0" smtClean="0"/>
-              <a:t>n </a:t>
-            </a:r>
-            <a:r>
-              <a:rPr lang="es-VE" sz="2800" dirty="0"/>
-              <a:t>vez de sentirse como Dios, experimentaron un horrible sentimiento de culpabilidad que los hizo temer a </a:t>
-            </a:r>
-            <a:r>
-              <a:rPr lang="es-VE" sz="2800" dirty="0" smtClean="0"/>
-              <a:t>Dios y </a:t>
-            </a:r>
-            <a:r>
-              <a:rPr lang="es-VE" sz="2800" dirty="0"/>
-              <a:t>procuraron ocultarse entre los árboles, así también la gente procura en la actualidad ocultarse o sumirse en los placeres y otras actividades.</a:t>
-            </a:r>
-            <a:endParaRPr lang="es-VE" sz="2800" dirty="0" smtClean="0"/>
+              <a:rPr lang="es-VE" sz="2400" dirty="0" smtClean="0"/>
+              <a:t>La </a:t>
+            </a:r>
+            <a:r>
+              <a:rPr lang="es-VE" sz="2400" dirty="0"/>
+              <a:t>razón primaria es que la </a:t>
+            </a:r>
+            <a:r>
+              <a:rPr lang="es-VE" sz="2400" i="1" dirty="0"/>
+              <a:t>justicia de Dios lo demanda</a:t>
+            </a:r>
+            <a:r>
+              <a:rPr lang="es-VE" sz="2400" dirty="0"/>
+              <a:t>, a fin de que él sea glorificado en el universo que ha creado. Él es el Señor que actúa en la tierra «con amor, con derecho y justicia, pues es lo que a mí me agrada</a:t>
+            </a:r>
+            <a:r>
+              <a:rPr lang="es-VE" sz="2400" dirty="0" smtClean="0"/>
+              <a:t>» </a:t>
+            </a:r>
+            <a:r>
+              <a:rPr lang="es-VE" sz="2400" b="1" dirty="0" smtClean="0">
+                <a:solidFill>
+                  <a:srgbClr val="FFC000"/>
+                </a:solidFill>
+              </a:rPr>
+              <a:t>[1]</a:t>
+            </a:r>
           </a:p>
         </p:txBody>
       </p:sp>
@@ -6097,7 +9599,7 @@
                 <a:ea typeface="+mn-ea"/>
                 <a:cs typeface="+mn-cs"/>
               </a:rPr>
-              <a:t>[Referencia</a:t>
+              <a:t>[1</a:t>
             </a:r>
             <a:r>
               <a:rPr lang="es-VE" sz="1800" b="1" dirty="0" smtClean="0">
@@ -6108,28 +9610,12 @@
               <a:t>] </a:t>
             </a:r>
             <a:r>
-              <a:rPr lang="es-VE" sz="1800" dirty="0" err="1"/>
-              <a:t>Gén</a:t>
-            </a:r>
-            <a:r>
-              <a:rPr lang="es-VE" sz="1800" dirty="0"/>
-              <a:t> </a:t>
+              <a:rPr lang="es-VE" sz="1800" dirty="0" err="1" smtClean="0"/>
+              <a:t>Jer</a:t>
             </a:r>
             <a:r>
               <a:rPr lang="es-VE" sz="1800" dirty="0" smtClean="0"/>
-              <a:t>3:7, </a:t>
-            </a:r>
-            <a:r>
-              <a:rPr lang="es-VE" sz="1800" dirty="0" err="1"/>
-              <a:t>Gén</a:t>
-            </a:r>
-            <a:r>
-              <a:rPr lang="es-VE" sz="1800"/>
-              <a:t> </a:t>
-            </a:r>
-            <a:r>
-              <a:rPr lang="es-VE" sz="1800" smtClean="0"/>
-              <a:t>3:10</a:t>
+              <a:t> 9:24</a:t>
             </a:r>
             <a:endParaRPr kumimoji="0" lang="es-VE" sz="1800" i="0" strike="noStrike" kern="1200" cap="none" spc="0" normalizeH="0" baseline="0" noProof="0" dirty="0">
               <a:ln>
@@ -6146,13 +9632,2422 @@
     </p:spTree>
     <p:extLst>
       <p:ext uri="{BB962C8B-B14F-4D97-AF65-F5344CB8AC3E}">
-        <p14:creationId xmlns:p14="http://schemas.microsoft.com/office/powerpoint/2010/main" val="846292925"/>
+        <p14:creationId xmlns:p14="http://schemas.microsoft.com/office/powerpoint/2010/main" val="3865372473"/>
       </p:ext>
     </p:extLst>
   </p:cSld>
   <p:clrMapOvr>
     <a:masterClrMapping/>
   </p:clrMapOvr>
+</p:sld>
+</file>
+
+<file path=ppt/slides/slide15.xml><?xml version="1.0" encoding="utf-8"?>
+<p:sld xmlns:a="http://schemas.openxmlformats.org/drawingml/2006/main" xmlns:r="http://schemas.openxmlformats.org/officeDocument/2006/relationships" xmlns:p="http://schemas.openxmlformats.org/presentationml/2006/main">
+  <p:cSld>
+    <p:bg>
+      <p:bgPr>
+        <a:gradFill flip="none" rotWithShape="1">
+          <a:gsLst>
+            <a:gs pos="0">
+              <a:schemeClr val="accent4">
+                <a:lumMod val="89000"/>
+              </a:schemeClr>
+            </a:gs>
+            <a:gs pos="23000">
+              <a:schemeClr val="accent4">
+                <a:lumMod val="89000"/>
+              </a:schemeClr>
+            </a:gs>
+            <a:gs pos="69000">
+              <a:schemeClr val="accent4">
+                <a:lumMod val="75000"/>
+              </a:schemeClr>
+            </a:gs>
+            <a:gs pos="97000">
+              <a:schemeClr val="accent4">
+                <a:lumMod val="70000"/>
+              </a:schemeClr>
+            </a:gs>
+          </a:gsLst>
+          <a:path path="circle">
+            <a:fillToRect l="50000" t="50000" r="50000" b="50000"/>
+          </a:path>
+          <a:tileRect/>
+        </a:gradFill>
+        <a:effectLst/>
+      </p:bgPr>
+    </p:bg>
+    <p:spTree>
+      <p:nvGrpSpPr>
+        <p:cNvPr id="1" name=""/>
+        <p:cNvGrpSpPr/>
+        <p:nvPr/>
+      </p:nvGrpSpPr>
+      <p:grpSpPr>
+        <a:xfrm>
+          <a:off x="0" y="0"/>
+          <a:ext cx="0" cy="0"/>
+          <a:chOff x="0" y="0"/>
+          <a:chExt cx="0" cy="0"/>
+        </a:xfrm>
+      </p:grpSpPr>
+      <p:sp>
+        <p:nvSpPr>
+          <p:cNvPr id="2" name="Título 1">
+            <a:extLst>
+              <a:ext uri="{FF2B5EF4-FFF2-40B4-BE49-F238E27FC236}">
+                <a16:creationId xmlns="" xmlns:a16="http://schemas.microsoft.com/office/drawing/2014/main" id="{C65A0631-47E2-4854-94DA-DD27A379FEF1}"/>
+              </a:ext>
+            </a:extLst>
+          </p:cNvPr>
+          <p:cNvSpPr>
+            <a:spLocks noGrp="1"/>
+          </p:cNvSpPr>
+          <p:nvPr>
+            <p:ph type="title"/>
+          </p:nvPr>
+        </p:nvSpPr>
+        <p:spPr>
+          <a:xfrm>
+            <a:off x="228600" y="47144"/>
+            <a:ext cx="8686800" cy="1333787"/>
+          </a:xfrm>
+        </p:spPr>
+        <p:txBody>
+          <a:bodyPr anchor="ctr">
+            <a:normAutofit fontScale="90000"/>
+          </a:bodyPr>
+          <a:lstStyle/>
+          <a:p>
+            <a:r>
+              <a:rPr lang="es-VE" sz="5400" b="1" dirty="0"/>
+              <a:t>2. EL ORIGEN DEL </a:t>
+            </a:r>
+            <a:r>
+              <a:rPr lang="es-VE" sz="5400" b="1" dirty="0" smtClean="0"/>
+              <a:t>PECADO</a:t>
+            </a:r>
+            <a:br>
+              <a:rPr lang="es-VE" sz="5400" b="1" dirty="0" smtClean="0"/>
+            </a:br>
+            <a:r>
+              <a:rPr lang="es-VE" sz="2800" b="1" dirty="0" smtClean="0"/>
+              <a:t>2.3.</a:t>
+            </a:r>
+            <a:r>
+              <a:rPr lang="es-VE" sz="2800" b="1" dirty="0"/>
+              <a:t> </a:t>
+            </a:r>
+            <a:r>
+              <a:rPr lang="es-VE" sz="2800" b="1" dirty="0" smtClean="0"/>
+              <a:t>Castigo del pecado</a:t>
+            </a:r>
+            <a:r>
+              <a:rPr lang="es-VE" sz="2800" b="1" dirty="0"/>
+              <a:t/>
+            </a:r>
+            <a:br>
+              <a:rPr lang="es-VE" sz="2800" b="1" dirty="0"/>
+            </a:br>
+            <a:r>
+              <a:rPr lang="es-VE" sz="2800" b="1" dirty="0" smtClean="0"/>
+              <a:t>2.3.2. Expiación</a:t>
+            </a:r>
+            <a:endParaRPr lang="es-VE" sz="6600" b="1" dirty="0"/>
+          </a:p>
+        </p:txBody>
+      </p:sp>
+      <p:sp>
+        <p:nvSpPr>
+          <p:cNvPr id="3" name="Marcador de contenido 2">
+            <a:extLst>
+              <a:ext uri="{FF2B5EF4-FFF2-40B4-BE49-F238E27FC236}">
+                <a16:creationId xmlns="" xmlns:a16="http://schemas.microsoft.com/office/drawing/2014/main" id="{AA130F57-7D31-4139-81B2-4D70486C00F2}"/>
+              </a:ext>
+            </a:extLst>
+          </p:cNvPr>
+          <p:cNvSpPr>
+            <a:spLocks noGrp="1"/>
+          </p:cNvSpPr>
+          <p:nvPr>
+            <p:ph idx="1"/>
+          </p:nvPr>
+        </p:nvSpPr>
+        <p:spPr>
+          <a:xfrm>
+            <a:off x="228600" y="1455576"/>
+            <a:ext cx="8686800" cy="3726025"/>
+          </a:xfrm>
+        </p:spPr>
+        <p:txBody>
+          <a:bodyPr anchor="ctr">
+            <a:noAutofit/>
+          </a:bodyPr>
+          <a:lstStyle/>
+          <a:p>
+            <a:pPr marL="0" indent="0">
+              <a:buNone/>
+            </a:pPr>
+            <a:r>
+              <a:rPr lang="es-VE" sz="2400" dirty="0"/>
+              <a:t>Pablo dice de Cristo Jesús que «Dios lo ofreció como un sacrificio de expiación que se recibe por la fe en su sangre</a:t>
+            </a:r>
+            <a:r>
+              <a:rPr lang="es-VE" sz="2400" dirty="0" smtClean="0"/>
+              <a:t>». Pablo </a:t>
+            </a:r>
+            <a:r>
+              <a:rPr lang="es-VE" sz="2400" dirty="0"/>
+              <a:t>entonces explica por qué Dios ofreció a Jesús como «expiación» (esto es, un sacrificio que lleva sobre sí la ira de Dios en contra del pecado y de ese </a:t>
+            </a:r>
+            <a:r>
+              <a:rPr lang="es-VE" sz="2400" dirty="0" smtClean="0"/>
+              <a:t>modo Dios </a:t>
+            </a:r>
+            <a:r>
+              <a:rPr lang="es-VE" sz="2400" dirty="0"/>
+              <a:t>transformar la ira en favor</a:t>
+            </a:r>
+            <a:r>
+              <a:rPr lang="es-VE" sz="2400" dirty="0" smtClean="0"/>
+              <a:t>) «</a:t>
+            </a:r>
+            <a:r>
+              <a:rPr lang="es-VE" sz="2400" dirty="0"/>
+              <a:t>Para así demostrar su justicia». </a:t>
+            </a:r>
+            <a:endParaRPr lang="es-VE" sz="2400" dirty="0" smtClean="0"/>
+          </a:p>
+          <a:p>
+            <a:pPr marL="0" indent="0">
+              <a:buNone/>
+            </a:pPr>
+            <a:endParaRPr lang="es-VE" sz="2400" dirty="0"/>
+          </a:p>
+          <a:p>
+            <a:pPr marL="0" indent="0">
+              <a:buNone/>
+            </a:pPr>
+            <a:r>
+              <a:rPr lang="es-VE" sz="2400" dirty="0" smtClean="0"/>
+              <a:t>Anteriormente</a:t>
+            </a:r>
+            <a:r>
+              <a:rPr lang="es-VE" sz="2400" dirty="0"/>
+              <a:t>, en su paciencia, Dios había pasado por alto los pecados</a:t>
+            </a:r>
+            <a:r>
+              <a:rPr lang="es-VE" sz="2400" dirty="0" smtClean="0"/>
+              <a:t>».</a:t>
+            </a:r>
+            <a:endParaRPr lang="es-VE" sz="2400" b="1" dirty="0" smtClean="0">
+              <a:solidFill>
+                <a:srgbClr val="FFC000"/>
+              </a:solidFill>
+            </a:endParaRPr>
+          </a:p>
+        </p:txBody>
+      </p:sp>
+      <p:sp>
+        <p:nvSpPr>
+          <p:cNvPr id="4" name="Marcador de contenido 2">
+            <a:extLst>
+              <a:ext uri="{FF2B5EF4-FFF2-40B4-BE49-F238E27FC236}">
+                <a16:creationId xmlns="" xmlns:a16="http://schemas.microsoft.com/office/drawing/2014/main" id="{AD729BF5-40FC-4F23-B3BA-A58ACA0A56AD}"/>
+              </a:ext>
+            </a:extLst>
+          </p:cNvPr>
+          <p:cNvSpPr txBox="1">
+            <a:spLocks/>
+          </p:cNvSpPr>
+          <p:nvPr/>
+        </p:nvSpPr>
+        <p:spPr>
+          <a:xfrm>
+            <a:off x="228600" y="5325035"/>
+            <a:ext cx="8686800" cy="342775"/>
+          </a:xfrm>
+          <a:prstGeom prst="rect">
+            <a:avLst/>
+          </a:prstGeom>
+        </p:spPr>
+        <p:txBody>
+          <a:bodyPr vert="horz" lIns="91440" tIns="45720" rIns="91440" bIns="45720" rtlCol="0" anchor="ctr">
+            <a:normAutofit/>
+          </a:bodyPr>
+          <a:lstStyle>
+            <a:lvl1pPr marL="171446" indent="-171446" algn="l" defTabSz="685783" rtl="0" eaLnBrk="1" latinLnBrk="0" hangingPunct="1">
+              <a:lnSpc>
+                <a:spcPct val="90000"/>
+              </a:lnSpc>
+              <a:spcBef>
+                <a:spcPts val="751"/>
+              </a:spcBef>
+              <a:buFont typeface="Arial" panose="020B0604020202020204" pitchFamily="34" charset="0"/>
+              <a:buChar char="•"/>
+              <a:defRPr sz="2100" kern="1200">
+                <a:solidFill>
+                  <a:schemeClr val="tx1"/>
+                </a:solidFill>
+                <a:latin typeface="+mn-lt"/>
+                <a:ea typeface="+mn-ea"/>
+                <a:cs typeface="+mn-cs"/>
+              </a:defRPr>
+            </a:lvl1pPr>
+            <a:lvl2pPr marL="514338" indent="-171446" algn="l" defTabSz="685783" rtl="0" eaLnBrk="1" latinLnBrk="0" hangingPunct="1">
+              <a:lnSpc>
+                <a:spcPct val="90000"/>
+              </a:lnSpc>
+              <a:spcBef>
+                <a:spcPts val="375"/>
+              </a:spcBef>
+              <a:buFont typeface="Arial" panose="020B0604020202020204" pitchFamily="34" charset="0"/>
+              <a:buChar char="•"/>
+              <a:defRPr sz="1800" kern="1200">
+                <a:solidFill>
+                  <a:schemeClr val="tx1"/>
+                </a:solidFill>
+                <a:latin typeface="+mn-lt"/>
+                <a:ea typeface="+mn-ea"/>
+                <a:cs typeface="+mn-cs"/>
+              </a:defRPr>
+            </a:lvl2pPr>
+            <a:lvl3pPr marL="857229" indent="-171446" algn="l" defTabSz="685783" rtl="0" eaLnBrk="1" latinLnBrk="0" hangingPunct="1">
+              <a:lnSpc>
+                <a:spcPct val="90000"/>
+              </a:lnSpc>
+              <a:spcBef>
+                <a:spcPts val="375"/>
+              </a:spcBef>
+              <a:buFont typeface="Arial" panose="020B0604020202020204" pitchFamily="34" charset="0"/>
+              <a:buChar char="•"/>
+              <a:defRPr sz="1500" kern="1200">
+                <a:solidFill>
+                  <a:schemeClr val="tx1"/>
+                </a:solidFill>
+                <a:latin typeface="+mn-lt"/>
+                <a:ea typeface="+mn-ea"/>
+                <a:cs typeface="+mn-cs"/>
+              </a:defRPr>
+            </a:lvl3pPr>
+            <a:lvl4pPr marL="1200121" indent="-171446" algn="l" defTabSz="685783" rtl="0" eaLnBrk="1" latinLnBrk="0" hangingPunct="1">
+              <a:lnSpc>
+                <a:spcPct val="90000"/>
+              </a:lnSpc>
+              <a:spcBef>
+                <a:spcPts val="375"/>
+              </a:spcBef>
+              <a:buFont typeface="Arial" panose="020B0604020202020204" pitchFamily="34" charset="0"/>
+              <a:buChar char="•"/>
+              <a:defRPr sz="1351" kern="1200">
+                <a:solidFill>
+                  <a:schemeClr val="tx1"/>
+                </a:solidFill>
+                <a:latin typeface="+mn-lt"/>
+                <a:ea typeface="+mn-ea"/>
+                <a:cs typeface="+mn-cs"/>
+              </a:defRPr>
+            </a:lvl4pPr>
+            <a:lvl5pPr marL="1543012" indent="-171446" algn="l" defTabSz="685783" rtl="0" eaLnBrk="1" latinLnBrk="0" hangingPunct="1">
+              <a:lnSpc>
+                <a:spcPct val="90000"/>
+              </a:lnSpc>
+              <a:spcBef>
+                <a:spcPts val="375"/>
+              </a:spcBef>
+              <a:buFont typeface="Arial" panose="020B0604020202020204" pitchFamily="34" charset="0"/>
+              <a:buChar char="•"/>
+              <a:defRPr sz="1351" kern="1200">
+                <a:solidFill>
+                  <a:schemeClr val="tx1"/>
+                </a:solidFill>
+                <a:latin typeface="+mn-lt"/>
+                <a:ea typeface="+mn-ea"/>
+                <a:cs typeface="+mn-cs"/>
+              </a:defRPr>
+            </a:lvl5pPr>
+            <a:lvl6pPr marL="1885904" indent="-171446" algn="l" defTabSz="685783" rtl="0" eaLnBrk="1" latinLnBrk="0" hangingPunct="1">
+              <a:lnSpc>
+                <a:spcPct val="90000"/>
+              </a:lnSpc>
+              <a:spcBef>
+                <a:spcPts val="375"/>
+              </a:spcBef>
+              <a:buFont typeface="Arial" panose="020B0604020202020204" pitchFamily="34" charset="0"/>
+              <a:buChar char="•"/>
+              <a:defRPr sz="1351" kern="1200">
+                <a:solidFill>
+                  <a:schemeClr val="tx1"/>
+                </a:solidFill>
+                <a:latin typeface="+mn-lt"/>
+                <a:ea typeface="+mn-ea"/>
+                <a:cs typeface="+mn-cs"/>
+              </a:defRPr>
+            </a:lvl6pPr>
+            <a:lvl7pPr marL="2228795" indent="-171446" algn="l" defTabSz="685783" rtl="0" eaLnBrk="1" latinLnBrk="0" hangingPunct="1">
+              <a:lnSpc>
+                <a:spcPct val="90000"/>
+              </a:lnSpc>
+              <a:spcBef>
+                <a:spcPts val="375"/>
+              </a:spcBef>
+              <a:buFont typeface="Arial" panose="020B0604020202020204" pitchFamily="34" charset="0"/>
+              <a:buChar char="•"/>
+              <a:defRPr sz="1351" kern="1200">
+                <a:solidFill>
+                  <a:schemeClr val="tx1"/>
+                </a:solidFill>
+                <a:latin typeface="+mn-lt"/>
+                <a:ea typeface="+mn-ea"/>
+                <a:cs typeface="+mn-cs"/>
+              </a:defRPr>
+            </a:lvl7pPr>
+            <a:lvl8pPr marL="2571686" indent="-171446" algn="l" defTabSz="685783" rtl="0" eaLnBrk="1" latinLnBrk="0" hangingPunct="1">
+              <a:lnSpc>
+                <a:spcPct val="90000"/>
+              </a:lnSpc>
+              <a:spcBef>
+                <a:spcPts val="375"/>
+              </a:spcBef>
+              <a:buFont typeface="Arial" panose="020B0604020202020204" pitchFamily="34" charset="0"/>
+              <a:buChar char="•"/>
+              <a:defRPr sz="1351" kern="1200">
+                <a:solidFill>
+                  <a:schemeClr val="tx1"/>
+                </a:solidFill>
+                <a:latin typeface="+mn-lt"/>
+                <a:ea typeface="+mn-ea"/>
+                <a:cs typeface="+mn-cs"/>
+              </a:defRPr>
+            </a:lvl8pPr>
+            <a:lvl9pPr marL="2914578" indent="-171446" algn="l" defTabSz="685783" rtl="0" eaLnBrk="1" latinLnBrk="0" hangingPunct="1">
+              <a:lnSpc>
+                <a:spcPct val="90000"/>
+              </a:lnSpc>
+              <a:spcBef>
+                <a:spcPts val="375"/>
+              </a:spcBef>
+              <a:buFont typeface="Arial" panose="020B0604020202020204" pitchFamily="34" charset="0"/>
+              <a:buChar char="•"/>
+              <a:defRPr sz="1351" kern="1200">
+                <a:solidFill>
+                  <a:schemeClr val="tx1"/>
+                </a:solidFill>
+                <a:latin typeface="+mn-lt"/>
+                <a:ea typeface="+mn-ea"/>
+                <a:cs typeface="+mn-cs"/>
+              </a:defRPr>
+            </a:lvl9pPr>
+          </a:lstStyle>
+          <a:p>
+            <a:pPr marL="0" indent="0" algn="r">
+              <a:buNone/>
+            </a:pPr>
+            <a:endParaRPr lang="es-VE" sz="1800" dirty="0"/>
+          </a:p>
+        </p:txBody>
+      </p:sp>
+      <p:sp>
+        <p:nvSpPr>
+          <p:cNvPr id="5" name="Marcador de contenido 2">
+            <a:extLst>
+              <a:ext uri="{FF2B5EF4-FFF2-40B4-BE49-F238E27FC236}">
+                <a16:creationId xmlns="" xmlns:a16="http://schemas.microsoft.com/office/drawing/2014/main" id="{1FF0983A-E18D-4B43-AE5B-6B835BABD33A}"/>
+              </a:ext>
+            </a:extLst>
+          </p:cNvPr>
+          <p:cNvSpPr txBox="1">
+            <a:spLocks/>
+          </p:cNvSpPr>
+          <p:nvPr/>
+        </p:nvSpPr>
+        <p:spPr>
+          <a:xfrm>
+            <a:off x="228600" y="5181601"/>
+            <a:ext cx="8686800" cy="486210"/>
+          </a:xfrm>
+          <a:prstGeom prst="rect">
+            <a:avLst/>
+          </a:prstGeom>
+        </p:spPr>
+        <p:txBody>
+          <a:bodyPr vert="horz" lIns="91440" tIns="45720" rIns="91440" bIns="45720" rtlCol="0" anchor="ctr">
+            <a:normAutofit/>
+          </a:bodyPr>
+          <a:lstStyle>
+            <a:lvl1pPr marL="171446" indent="-171446" algn="l" defTabSz="685783" rtl="0" eaLnBrk="1" latinLnBrk="0" hangingPunct="1">
+              <a:lnSpc>
+                <a:spcPct val="90000"/>
+              </a:lnSpc>
+              <a:spcBef>
+                <a:spcPts val="751"/>
+              </a:spcBef>
+              <a:buFont typeface="Arial" panose="020B0604020202020204" pitchFamily="34" charset="0"/>
+              <a:buChar char="•"/>
+              <a:defRPr sz="2100" kern="1200">
+                <a:solidFill>
+                  <a:schemeClr val="tx1"/>
+                </a:solidFill>
+                <a:latin typeface="+mn-lt"/>
+                <a:ea typeface="+mn-ea"/>
+                <a:cs typeface="+mn-cs"/>
+              </a:defRPr>
+            </a:lvl1pPr>
+            <a:lvl2pPr marL="514338" indent="-171446" algn="l" defTabSz="685783" rtl="0" eaLnBrk="1" latinLnBrk="0" hangingPunct="1">
+              <a:lnSpc>
+                <a:spcPct val="90000"/>
+              </a:lnSpc>
+              <a:spcBef>
+                <a:spcPts val="375"/>
+              </a:spcBef>
+              <a:buFont typeface="Arial" panose="020B0604020202020204" pitchFamily="34" charset="0"/>
+              <a:buChar char="•"/>
+              <a:defRPr sz="1800" kern="1200">
+                <a:solidFill>
+                  <a:schemeClr val="tx1"/>
+                </a:solidFill>
+                <a:latin typeface="+mn-lt"/>
+                <a:ea typeface="+mn-ea"/>
+                <a:cs typeface="+mn-cs"/>
+              </a:defRPr>
+            </a:lvl2pPr>
+            <a:lvl3pPr marL="857229" indent="-171446" algn="l" defTabSz="685783" rtl="0" eaLnBrk="1" latinLnBrk="0" hangingPunct="1">
+              <a:lnSpc>
+                <a:spcPct val="90000"/>
+              </a:lnSpc>
+              <a:spcBef>
+                <a:spcPts val="375"/>
+              </a:spcBef>
+              <a:buFont typeface="Arial" panose="020B0604020202020204" pitchFamily="34" charset="0"/>
+              <a:buChar char="•"/>
+              <a:defRPr sz="1500" kern="1200">
+                <a:solidFill>
+                  <a:schemeClr val="tx1"/>
+                </a:solidFill>
+                <a:latin typeface="+mn-lt"/>
+                <a:ea typeface="+mn-ea"/>
+                <a:cs typeface="+mn-cs"/>
+              </a:defRPr>
+            </a:lvl3pPr>
+            <a:lvl4pPr marL="1200121" indent="-171446" algn="l" defTabSz="685783" rtl="0" eaLnBrk="1" latinLnBrk="0" hangingPunct="1">
+              <a:lnSpc>
+                <a:spcPct val="90000"/>
+              </a:lnSpc>
+              <a:spcBef>
+                <a:spcPts val="375"/>
+              </a:spcBef>
+              <a:buFont typeface="Arial" panose="020B0604020202020204" pitchFamily="34" charset="0"/>
+              <a:buChar char="•"/>
+              <a:defRPr sz="1351" kern="1200">
+                <a:solidFill>
+                  <a:schemeClr val="tx1"/>
+                </a:solidFill>
+                <a:latin typeface="+mn-lt"/>
+                <a:ea typeface="+mn-ea"/>
+                <a:cs typeface="+mn-cs"/>
+              </a:defRPr>
+            </a:lvl4pPr>
+            <a:lvl5pPr marL="1543012" indent="-171446" algn="l" defTabSz="685783" rtl="0" eaLnBrk="1" latinLnBrk="0" hangingPunct="1">
+              <a:lnSpc>
+                <a:spcPct val="90000"/>
+              </a:lnSpc>
+              <a:spcBef>
+                <a:spcPts val="375"/>
+              </a:spcBef>
+              <a:buFont typeface="Arial" panose="020B0604020202020204" pitchFamily="34" charset="0"/>
+              <a:buChar char="•"/>
+              <a:defRPr sz="1351" kern="1200">
+                <a:solidFill>
+                  <a:schemeClr val="tx1"/>
+                </a:solidFill>
+                <a:latin typeface="+mn-lt"/>
+                <a:ea typeface="+mn-ea"/>
+                <a:cs typeface="+mn-cs"/>
+              </a:defRPr>
+            </a:lvl5pPr>
+            <a:lvl6pPr marL="1885904" indent="-171446" algn="l" defTabSz="685783" rtl="0" eaLnBrk="1" latinLnBrk="0" hangingPunct="1">
+              <a:lnSpc>
+                <a:spcPct val="90000"/>
+              </a:lnSpc>
+              <a:spcBef>
+                <a:spcPts val="375"/>
+              </a:spcBef>
+              <a:buFont typeface="Arial" panose="020B0604020202020204" pitchFamily="34" charset="0"/>
+              <a:buChar char="•"/>
+              <a:defRPr sz="1351" kern="1200">
+                <a:solidFill>
+                  <a:schemeClr val="tx1"/>
+                </a:solidFill>
+                <a:latin typeface="+mn-lt"/>
+                <a:ea typeface="+mn-ea"/>
+                <a:cs typeface="+mn-cs"/>
+              </a:defRPr>
+            </a:lvl6pPr>
+            <a:lvl7pPr marL="2228795" indent="-171446" algn="l" defTabSz="685783" rtl="0" eaLnBrk="1" latinLnBrk="0" hangingPunct="1">
+              <a:lnSpc>
+                <a:spcPct val="90000"/>
+              </a:lnSpc>
+              <a:spcBef>
+                <a:spcPts val="375"/>
+              </a:spcBef>
+              <a:buFont typeface="Arial" panose="020B0604020202020204" pitchFamily="34" charset="0"/>
+              <a:buChar char="•"/>
+              <a:defRPr sz="1351" kern="1200">
+                <a:solidFill>
+                  <a:schemeClr val="tx1"/>
+                </a:solidFill>
+                <a:latin typeface="+mn-lt"/>
+                <a:ea typeface="+mn-ea"/>
+                <a:cs typeface="+mn-cs"/>
+              </a:defRPr>
+            </a:lvl7pPr>
+            <a:lvl8pPr marL="2571686" indent="-171446" algn="l" defTabSz="685783" rtl="0" eaLnBrk="1" latinLnBrk="0" hangingPunct="1">
+              <a:lnSpc>
+                <a:spcPct val="90000"/>
+              </a:lnSpc>
+              <a:spcBef>
+                <a:spcPts val="375"/>
+              </a:spcBef>
+              <a:buFont typeface="Arial" panose="020B0604020202020204" pitchFamily="34" charset="0"/>
+              <a:buChar char="•"/>
+              <a:defRPr sz="1351" kern="1200">
+                <a:solidFill>
+                  <a:schemeClr val="tx1"/>
+                </a:solidFill>
+                <a:latin typeface="+mn-lt"/>
+                <a:ea typeface="+mn-ea"/>
+                <a:cs typeface="+mn-cs"/>
+              </a:defRPr>
+            </a:lvl8pPr>
+            <a:lvl9pPr marL="2914578" indent="-171446" algn="l" defTabSz="685783" rtl="0" eaLnBrk="1" latinLnBrk="0" hangingPunct="1">
+              <a:lnSpc>
+                <a:spcPct val="90000"/>
+              </a:lnSpc>
+              <a:spcBef>
+                <a:spcPts val="375"/>
+              </a:spcBef>
+              <a:buFont typeface="Arial" panose="020B0604020202020204" pitchFamily="34" charset="0"/>
+              <a:buChar char="•"/>
+              <a:defRPr sz="1351" kern="1200">
+                <a:solidFill>
+                  <a:schemeClr val="tx1"/>
+                </a:solidFill>
+                <a:latin typeface="+mn-lt"/>
+                <a:ea typeface="+mn-ea"/>
+                <a:cs typeface="+mn-cs"/>
+              </a:defRPr>
+            </a:lvl9pPr>
+          </a:lstStyle>
+          <a:p>
+            <a:pPr marL="0" lvl="0" indent="0" algn="r">
+              <a:buNone/>
+            </a:pPr>
+            <a:r>
+              <a:rPr kumimoji="0" lang="es-VE" sz="1800" b="1" i="0" u="none" strike="noStrike" kern="1200" cap="none" spc="0" normalizeH="0" baseline="0" noProof="0" dirty="0" smtClean="0">
+                <a:ln>
+                  <a:noFill/>
+                </a:ln>
+                <a:solidFill>
+                  <a:srgbClr val="FFC000"/>
+                </a:solidFill>
+                <a:effectLst/>
+                <a:uLnTx/>
+                <a:uFillTx/>
+                <a:latin typeface="Calibri" panose="020F0502020204030204"/>
+                <a:ea typeface="+mn-ea"/>
+                <a:cs typeface="+mn-cs"/>
+              </a:rPr>
+              <a:t>[Referencia</a:t>
+            </a:r>
+            <a:r>
+              <a:rPr lang="es-VE" sz="1800" b="1" dirty="0" smtClean="0">
+                <a:solidFill>
+                  <a:srgbClr val="FFC000"/>
+                </a:solidFill>
+              </a:rPr>
+              <a:t>] </a:t>
+            </a:r>
+            <a:r>
+              <a:rPr lang="es-VE" sz="1800" dirty="0" err="1" smtClean="0"/>
+              <a:t>Rm</a:t>
+            </a:r>
+            <a:r>
+              <a:rPr lang="es-VE" sz="1800" dirty="0" smtClean="0"/>
+              <a:t> 3:25</a:t>
+            </a:r>
+            <a:endParaRPr kumimoji="0" lang="es-VE" sz="1800" i="0" strike="noStrike" kern="1200" cap="none" spc="0" normalizeH="0" baseline="0" noProof="0" dirty="0">
+              <a:ln>
+                <a:noFill/>
+              </a:ln>
+              <a:effectLst/>
+              <a:uLnTx/>
+              <a:uFillTx/>
+              <a:latin typeface="Calibri" panose="020F0502020204030204"/>
+            </a:endParaRPr>
+          </a:p>
+        </p:txBody>
+      </p:sp>
+    </p:spTree>
+    <p:extLst>
+      <p:ext uri="{BB962C8B-B14F-4D97-AF65-F5344CB8AC3E}">
+        <p14:creationId xmlns:p14="http://schemas.microsoft.com/office/powerpoint/2010/main" val="3733027469"/>
+      </p:ext>
+    </p:extLst>
+  </p:cSld>
+  <p:clrMapOvr>
+    <a:masterClrMapping/>
+  </p:clrMapOvr>
+</p:sld>
+</file>
+
+<file path=ppt/slides/slide16.xml><?xml version="1.0" encoding="utf-8"?>
+<p:sld xmlns:a="http://schemas.openxmlformats.org/drawingml/2006/main" xmlns:r="http://schemas.openxmlformats.org/officeDocument/2006/relationships" xmlns:p="http://schemas.openxmlformats.org/presentationml/2006/main">
+  <p:cSld>
+    <p:bg>
+      <p:bgPr>
+        <a:gradFill flip="none" rotWithShape="1">
+          <a:gsLst>
+            <a:gs pos="0">
+              <a:schemeClr val="accent4">
+                <a:lumMod val="89000"/>
+              </a:schemeClr>
+            </a:gs>
+            <a:gs pos="23000">
+              <a:schemeClr val="accent4">
+                <a:lumMod val="89000"/>
+              </a:schemeClr>
+            </a:gs>
+            <a:gs pos="69000">
+              <a:schemeClr val="accent4">
+                <a:lumMod val="75000"/>
+              </a:schemeClr>
+            </a:gs>
+            <a:gs pos="97000">
+              <a:schemeClr val="accent4">
+                <a:lumMod val="70000"/>
+              </a:schemeClr>
+            </a:gs>
+          </a:gsLst>
+          <a:path path="circle">
+            <a:fillToRect l="50000" t="50000" r="50000" b="50000"/>
+          </a:path>
+          <a:tileRect/>
+        </a:gradFill>
+        <a:effectLst/>
+      </p:bgPr>
+    </p:bg>
+    <p:spTree>
+      <p:nvGrpSpPr>
+        <p:cNvPr id="1" name=""/>
+        <p:cNvGrpSpPr/>
+        <p:nvPr/>
+      </p:nvGrpSpPr>
+      <p:grpSpPr>
+        <a:xfrm>
+          <a:off x="0" y="0"/>
+          <a:ext cx="0" cy="0"/>
+          <a:chOff x="0" y="0"/>
+          <a:chExt cx="0" cy="0"/>
+        </a:xfrm>
+      </p:grpSpPr>
+      <p:sp>
+        <p:nvSpPr>
+          <p:cNvPr id="2" name="Título 1">
+            <a:extLst>
+              <a:ext uri="{FF2B5EF4-FFF2-40B4-BE49-F238E27FC236}">
+                <a16:creationId xmlns="" xmlns:a16="http://schemas.microsoft.com/office/drawing/2014/main" id="{C65A0631-47E2-4854-94DA-DD27A379FEF1}"/>
+              </a:ext>
+            </a:extLst>
+          </p:cNvPr>
+          <p:cNvSpPr>
+            <a:spLocks noGrp="1"/>
+          </p:cNvSpPr>
+          <p:nvPr>
+            <p:ph type="title"/>
+          </p:nvPr>
+        </p:nvSpPr>
+        <p:spPr>
+          <a:xfrm>
+            <a:off x="228600" y="47144"/>
+            <a:ext cx="8686800" cy="1333787"/>
+          </a:xfrm>
+        </p:spPr>
+        <p:txBody>
+          <a:bodyPr anchor="ctr">
+            <a:normAutofit fontScale="90000"/>
+          </a:bodyPr>
+          <a:lstStyle/>
+          <a:p>
+            <a:r>
+              <a:rPr lang="es-VE" sz="5400" b="1" dirty="0"/>
+              <a:t>2. EL ORIGEN DEL </a:t>
+            </a:r>
+            <a:r>
+              <a:rPr lang="es-VE" sz="5400" b="1" dirty="0" smtClean="0"/>
+              <a:t>PECADO</a:t>
+            </a:r>
+            <a:br>
+              <a:rPr lang="es-VE" sz="5400" b="1" dirty="0" smtClean="0"/>
+            </a:br>
+            <a:r>
+              <a:rPr lang="es-VE" sz="2800" b="1" dirty="0" smtClean="0"/>
+              <a:t>2.3.</a:t>
+            </a:r>
+            <a:r>
+              <a:rPr lang="es-VE" sz="2800" b="1" dirty="0"/>
+              <a:t> </a:t>
+            </a:r>
+            <a:r>
+              <a:rPr lang="es-VE" sz="2800" b="1" dirty="0" smtClean="0"/>
+              <a:t>Castigo del pecado</a:t>
+            </a:r>
+            <a:r>
+              <a:rPr lang="es-VE" sz="2800" b="1" dirty="0"/>
+              <a:t/>
+            </a:r>
+            <a:br>
+              <a:rPr lang="es-VE" sz="2800" b="1" dirty="0"/>
+            </a:br>
+            <a:r>
+              <a:rPr lang="es-VE" sz="2800" b="1" dirty="0" smtClean="0"/>
+              <a:t>2.3.3. Necesidad del castigo</a:t>
+            </a:r>
+            <a:endParaRPr lang="es-VE" sz="6600" b="1" dirty="0"/>
+          </a:p>
+        </p:txBody>
+      </p:sp>
+      <p:sp>
+        <p:nvSpPr>
+          <p:cNvPr id="3" name="Marcador de contenido 2">
+            <a:extLst>
+              <a:ext uri="{FF2B5EF4-FFF2-40B4-BE49-F238E27FC236}">
+                <a16:creationId xmlns="" xmlns:a16="http://schemas.microsoft.com/office/drawing/2014/main" id="{AA130F57-7D31-4139-81B2-4D70486C00F2}"/>
+              </a:ext>
+            </a:extLst>
+          </p:cNvPr>
+          <p:cNvSpPr>
+            <a:spLocks noGrp="1"/>
+          </p:cNvSpPr>
+          <p:nvPr>
+            <p:ph idx="1"/>
+          </p:nvPr>
+        </p:nvSpPr>
+        <p:spPr>
+          <a:xfrm>
+            <a:off x="228600" y="1455576"/>
+            <a:ext cx="8686800" cy="3726025"/>
+          </a:xfrm>
+        </p:spPr>
+        <p:txBody>
+          <a:bodyPr anchor="ctr">
+            <a:noAutofit/>
+          </a:bodyPr>
+          <a:lstStyle/>
+          <a:p>
+            <a:pPr marL="0" indent="0">
+              <a:buNone/>
+            </a:pPr>
+            <a:r>
+              <a:rPr lang="es-VE" sz="2000" dirty="0"/>
+              <a:t>Pablo se da cuenta de que si Cristo no hubiera venido </a:t>
+            </a:r>
+            <a:r>
+              <a:rPr lang="es-VE" sz="2000" dirty="0" smtClean="0"/>
+              <a:t>a pagar </a:t>
+            </a:r>
+            <a:r>
+              <a:rPr lang="es-VE" sz="2000" dirty="0"/>
+              <a:t>el castigo por los pecados, Dios no podría mostrar que era justo. Porque si él hubiera pasado por alto los pecados en el pasado y no los hubiera castigado, las personas podrían con razón acusar a Dios de injusticia, en base de la suposición de que un Dios que no castiga el pecado no puede ser un Dios </a:t>
+            </a:r>
+            <a:r>
+              <a:rPr lang="es-VE" sz="2000" dirty="0" smtClean="0"/>
+              <a:t>justo.</a:t>
+            </a:r>
+          </a:p>
+          <a:p>
+            <a:pPr marL="0" indent="0">
+              <a:buNone/>
+            </a:pPr>
+            <a:endParaRPr lang="es-VE" sz="2000" dirty="0"/>
+          </a:p>
+          <a:p>
+            <a:pPr marL="0" indent="0">
+              <a:buNone/>
+            </a:pPr>
+            <a:r>
+              <a:rPr lang="es-VE" sz="2000" dirty="0" smtClean="0"/>
+              <a:t>Por </a:t>
+            </a:r>
+            <a:r>
+              <a:rPr lang="es-VE" sz="2000" dirty="0"/>
+              <a:t>tanto, cuando Dios envió a Cristo a morir y pagar el castigo de nuestros pecados, mostró cómo podía ser todavía justo: había acumulado el castigo de los pecados anteriores (los de los santos del Antiguo Testamento) y entonces, en perfecta justicia, cargó ese castigo sobre Jesús en la cruz. La propiciación del Calvario demostraba de ese modo claramente que Dios es perfectamente </a:t>
+            </a:r>
+            <a:r>
+              <a:rPr lang="es-VE" sz="2000" dirty="0" smtClean="0"/>
+              <a:t>justo.</a:t>
+            </a:r>
+            <a:endParaRPr lang="es-VE" sz="2000" b="1" dirty="0" smtClean="0">
+              <a:solidFill>
+                <a:srgbClr val="FFC000"/>
+              </a:solidFill>
+            </a:endParaRPr>
+          </a:p>
+        </p:txBody>
+      </p:sp>
+      <p:sp>
+        <p:nvSpPr>
+          <p:cNvPr id="4" name="Marcador de contenido 2">
+            <a:extLst>
+              <a:ext uri="{FF2B5EF4-FFF2-40B4-BE49-F238E27FC236}">
+                <a16:creationId xmlns="" xmlns:a16="http://schemas.microsoft.com/office/drawing/2014/main" id="{AD729BF5-40FC-4F23-B3BA-A58ACA0A56AD}"/>
+              </a:ext>
+            </a:extLst>
+          </p:cNvPr>
+          <p:cNvSpPr txBox="1">
+            <a:spLocks/>
+          </p:cNvSpPr>
+          <p:nvPr/>
+        </p:nvSpPr>
+        <p:spPr>
+          <a:xfrm>
+            <a:off x="228600" y="5325035"/>
+            <a:ext cx="8686800" cy="342775"/>
+          </a:xfrm>
+          <a:prstGeom prst="rect">
+            <a:avLst/>
+          </a:prstGeom>
+        </p:spPr>
+        <p:txBody>
+          <a:bodyPr vert="horz" lIns="91440" tIns="45720" rIns="91440" bIns="45720" rtlCol="0" anchor="ctr">
+            <a:normAutofit/>
+          </a:bodyPr>
+          <a:lstStyle>
+            <a:lvl1pPr marL="171446" indent="-171446" algn="l" defTabSz="685783" rtl="0" eaLnBrk="1" latinLnBrk="0" hangingPunct="1">
+              <a:lnSpc>
+                <a:spcPct val="90000"/>
+              </a:lnSpc>
+              <a:spcBef>
+                <a:spcPts val="751"/>
+              </a:spcBef>
+              <a:buFont typeface="Arial" panose="020B0604020202020204" pitchFamily="34" charset="0"/>
+              <a:buChar char="•"/>
+              <a:defRPr sz="2100" kern="1200">
+                <a:solidFill>
+                  <a:schemeClr val="tx1"/>
+                </a:solidFill>
+                <a:latin typeface="+mn-lt"/>
+                <a:ea typeface="+mn-ea"/>
+                <a:cs typeface="+mn-cs"/>
+              </a:defRPr>
+            </a:lvl1pPr>
+            <a:lvl2pPr marL="514338" indent="-171446" algn="l" defTabSz="685783" rtl="0" eaLnBrk="1" latinLnBrk="0" hangingPunct="1">
+              <a:lnSpc>
+                <a:spcPct val="90000"/>
+              </a:lnSpc>
+              <a:spcBef>
+                <a:spcPts val="375"/>
+              </a:spcBef>
+              <a:buFont typeface="Arial" panose="020B0604020202020204" pitchFamily="34" charset="0"/>
+              <a:buChar char="•"/>
+              <a:defRPr sz="1800" kern="1200">
+                <a:solidFill>
+                  <a:schemeClr val="tx1"/>
+                </a:solidFill>
+                <a:latin typeface="+mn-lt"/>
+                <a:ea typeface="+mn-ea"/>
+                <a:cs typeface="+mn-cs"/>
+              </a:defRPr>
+            </a:lvl2pPr>
+            <a:lvl3pPr marL="857229" indent="-171446" algn="l" defTabSz="685783" rtl="0" eaLnBrk="1" latinLnBrk="0" hangingPunct="1">
+              <a:lnSpc>
+                <a:spcPct val="90000"/>
+              </a:lnSpc>
+              <a:spcBef>
+                <a:spcPts val="375"/>
+              </a:spcBef>
+              <a:buFont typeface="Arial" panose="020B0604020202020204" pitchFamily="34" charset="0"/>
+              <a:buChar char="•"/>
+              <a:defRPr sz="1500" kern="1200">
+                <a:solidFill>
+                  <a:schemeClr val="tx1"/>
+                </a:solidFill>
+                <a:latin typeface="+mn-lt"/>
+                <a:ea typeface="+mn-ea"/>
+                <a:cs typeface="+mn-cs"/>
+              </a:defRPr>
+            </a:lvl3pPr>
+            <a:lvl4pPr marL="1200121" indent="-171446" algn="l" defTabSz="685783" rtl="0" eaLnBrk="1" latinLnBrk="0" hangingPunct="1">
+              <a:lnSpc>
+                <a:spcPct val="90000"/>
+              </a:lnSpc>
+              <a:spcBef>
+                <a:spcPts val="375"/>
+              </a:spcBef>
+              <a:buFont typeface="Arial" panose="020B0604020202020204" pitchFamily="34" charset="0"/>
+              <a:buChar char="•"/>
+              <a:defRPr sz="1351" kern="1200">
+                <a:solidFill>
+                  <a:schemeClr val="tx1"/>
+                </a:solidFill>
+                <a:latin typeface="+mn-lt"/>
+                <a:ea typeface="+mn-ea"/>
+                <a:cs typeface="+mn-cs"/>
+              </a:defRPr>
+            </a:lvl4pPr>
+            <a:lvl5pPr marL="1543012" indent="-171446" algn="l" defTabSz="685783" rtl="0" eaLnBrk="1" latinLnBrk="0" hangingPunct="1">
+              <a:lnSpc>
+                <a:spcPct val="90000"/>
+              </a:lnSpc>
+              <a:spcBef>
+                <a:spcPts val="375"/>
+              </a:spcBef>
+              <a:buFont typeface="Arial" panose="020B0604020202020204" pitchFamily="34" charset="0"/>
+              <a:buChar char="•"/>
+              <a:defRPr sz="1351" kern="1200">
+                <a:solidFill>
+                  <a:schemeClr val="tx1"/>
+                </a:solidFill>
+                <a:latin typeface="+mn-lt"/>
+                <a:ea typeface="+mn-ea"/>
+                <a:cs typeface="+mn-cs"/>
+              </a:defRPr>
+            </a:lvl5pPr>
+            <a:lvl6pPr marL="1885904" indent="-171446" algn="l" defTabSz="685783" rtl="0" eaLnBrk="1" latinLnBrk="0" hangingPunct="1">
+              <a:lnSpc>
+                <a:spcPct val="90000"/>
+              </a:lnSpc>
+              <a:spcBef>
+                <a:spcPts val="375"/>
+              </a:spcBef>
+              <a:buFont typeface="Arial" panose="020B0604020202020204" pitchFamily="34" charset="0"/>
+              <a:buChar char="•"/>
+              <a:defRPr sz="1351" kern="1200">
+                <a:solidFill>
+                  <a:schemeClr val="tx1"/>
+                </a:solidFill>
+                <a:latin typeface="+mn-lt"/>
+                <a:ea typeface="+mn-ea"/>
+                <a:cs typeface="+mn-cs"/>
+              </a:defRPr>
+            </a:lvl6pPr>
+            <a:lvl7pPr marL="2228795" indent="-171446" algn="l" defTabSz="685783" rtl="0" eaLnBrk="1" latinLnBrk="0" hangingPunct="1">
+              <a:lnSpc>
+                <a:spcPct val="90000"/>
+              </a:lnSpc>
+              <a:spcBef>
+                <a:spcPts val="375"/>
+              </a:spcBef>
+              <a:buFont typeface="Arial" panose="020B0604020202020204" pitchFamily="34" charset="0"/>
+              <a:buChar char="•"/>
+              <a:defRPr sz="1351" kern="1200">
+                <a:solidFill>
+                  <a:schemeClr val="tx1"/>
+                </a:solidFill>
+                <a:latin typeface="+mn-lt"/>
+                <a:ea typeface="+mn-ea"/>
+                <a:cs typeface="+mn-cs"/>
+              </a:defRPr>
+            </a:lvl7pPr>
+            <a:lvl8pPr marL="2571686" indent="-171446" algn="l" defTabSz="685783" rtl="0" eaLnBrk="1" latinLnBrk="0" hangingPunct="1">
+              <a:lnSpc>
+                <a:spcPct val="90000"/>
+              </a:lnSpc>
+              <a:spcBef>
+                <a:spcPts val="375"/>
+              </a:spcBef>
+              <a:buFont typeface="Arial" panose="020B0604020202020204" pitchFamily="34" charset="0"/>
+              <a:buChar char="•"/>
+              <a:defRPr sz="1351" kern="1200">
+                <a:solidFill>
+                  <a:schemeClr val="tx1"/>
+                </a:solidFill>
+                <a:latin typeface="+mn-lt"/>
+                <a:ea typeface="+mn-ea"/>
+                <a:cs typeface="+mn-cs"/>
+              </a:defRPr>
+            </a:lvl8pPr>
+            <a:lvl9pPr marL="2914578" indent="-171446" algn="l" defTabSz="685783" rtl="0" eaLnBrk="1" latinLnBrk="0" hangingPunct="1">
+              <a:lnSpc>
+                <a:spcPct val="90000"/>
+              </a:lnSpc>
+              <a:spcBef>
+                <a:spcPts val="375"/>
+              </a:spcBef>
+              <a:buFont typeface="Arial" panose="020B0604020202020204" pitchFamily="34" charset="0"/>
+              <a:buChar char="•"/>
+              <a:defRPr sz="1351" kern="1200">
+                <a:solidFill>
+                  <a:schemeClr val="tx1"/>
+                </a:solidFill>
+                <a:latin typeface="+mn-lt"/>
+                <a:ea typeface="+mn-ea"/>
+                <a:cs typeface="+mn-cs"/>
+              </a:defRPr>
+            </a:lvl9pPr>
+          </a:lstStyle>
+          <a:p>
+            <a:pPr marL="0" indent="0" algn="r">
+              <a:buNone/>
+            </a:pPr>
+            <a:endParaRPr lang="es-VE" sz="1800" dirty="0"/>
+          </a:p>
+        </p:txBody>
+      </p:sp>
+      <p:sp>
+        <p:nvSpPr>
+          <p:cNvPr id="5" name="Marcador de contenido 2">
+            <a:extLst>
+              <a:ext uri="{FF2B5EF4-FFF2-40B4-BE49-F238E27FC236}">
+                <a16:creationId xmlns="" xmlns:a16="http://schemas.microsoft.com/office/drawing/2014/main" id="{1FF0983A-E18D-4B43-AE5B-6B835BABD33A}"/>
+              </a:ext>
+            </a:extLst>
+          </p:cNvPr>
+          <p:cNvSpPr txBox="1">
+            <a:spLocks/>
+          </p:cNvSpPr>
+          <p:nvPr/>
+        </p:nvSpPr>
+        <p:spPr>
+          <a:xfrm>
+            <a:off x="228600" y="5181601"/>
+            <a:ext cx="8686800" cy="486210"/>
+          </a:xfrm>
+          <a:prstGeom prst="rect">
+            <a:avLst/>
+          </a:prstGeom>
+        </p:spPr>
+        <p:txBody>
+          <a:bodyPr vert="horz" lIns="91440" tIns="45720" rIns="91440" bIns="45720" rtlCol="0" anchor="ctr">
+            <a:normAutofit/>
+          </a:bodyPr>
+          <a:lstStyle>
+            <a:lvl1pPr marL="171446" indent="-171446" algn="l" defTabSz="685783" rtl="0" eaLnBrk="1" latinLnBrk="0" hangingPunct="1">
+              <a:lnSpc>
+                <a:spcPct val="90000"/>
+              </a:lnSpc>
+              <a:spcBef>
+                <a:spcPts val="751"/>
+              </a:spcBef>
+              <a:buFont typeface="Arial" panose="020B0604020202020204" pitchFamily="34" charset="0"/>
+              <a:buChar char="•"/>
+              <a:defRPr sz="2100" kern="1200">
+                <a:solidFill>
+                  <a:schemeClr val="tx1"/>
+                </a:solidFill>
+                <a:latin typeface="+mn-lt"/>
+                <a:ea typeface="+mn-ea"/>
+                <a:cs typeface="+mn-cs"/>
+              </a:defRPr>
+            </a:lvl1pPr>
+            <a:lvl2pPr marL="514338" indent="-171446" algn="l" defTabSz="685783" rtl="0" eaLnBrk="1" latinLnBrk="0" hangingPunct="1">
+              <a:lnSpc>
+                <a:spcPct val="90000"/>
+              </a:lnSpc>
+              <a:spcBef>
+                <a:spcPts val="375"/>
+              </a:spcBef>
+              <a:buFont typeface="Arial" panose="020B0604020202020204" pitchFamily="34" charset="0"/>
+              <a:buChar char="•"/>
+              <a:defRPr sz="1800" kern="1200">
+                <a:solidFill>
+                  <a:schemeClr val="tx1"/>
+                </a:solidFill>
+                <a:latin typeface="+mn-lt"/>
+                <a:ea typeface="+mn-ea"/>
+                <a:cs typeface="+mn-cs"/>
+              </a:defRPr>
+            </a:lvl2pPr>
+            <a:lvl3pPr marL="857229" indent="-171446" algn="l" defTabSz="685783" rtl="0" eaLnBrk="1" latinLnBrk="0" hangingPunct="1">
+              <a:lnSpc>
+                <a:spcPct val="90000"/>
+              </a:lnSpc>
+              <a:spcBef>
+                <a:spcPts val="375"/>
+              </a:spcBef>
+              <a:buFont typeface="Arial" panose="020B0604020202020204" pitchFamily="34" charset="0"/>
+              <a:buChar char="•"/>
+              <a:defRPr sz="1500" kern="1200">
+                <a:solidFill>
+                  <a:schemeClr val="tx1"/>
+                </a:solidFill>
+                <a:latin typeface="+mn-lt"/>
+                <a:ea typeface="+mn-ea"/>
+                <a:cs typeface="+mn-cs"/>
+              </a:defRPr>
+            </a:lvl3pPr>
+            <a:lvl4pPr marL="1200121" indent="-171446" algn="l" defTabSz="685783" rtl="0" eaLnBrk="1" latinLnBrk="0" hangingPunct="1">
+              <a:lnSpc>
+                <a:spcPct val="90000"/>
+              </a:lnSpc>
+              <a:spcBef>
+                <a:spcPts val="375"/>
+              </a:spcBef>
+              <a:buFont typeface="Arial" panose="020B0604020202020204" pitchFamily="34" charset="0"/>
+              <a:buChar char="•"/>
+              <a:defRPr sz="1351" kern="1200">
+                <a:solidFill>
+                  <a:schemeClr val="tx1"/>
+                </a:solidFill>
+                <a:latin typeface="+mn-lt"/>
+                <a:ea typeface="+mn-ea"/>
+                <a:cs typeface="+mn-cs"/>
+              </a:defRPr>
+            </a:lvl4pPr>
+            <a:lvl5pPr marL="1543012" indent="-171446" algn="l" defTabSz="685783" rtl="0" eaLnBrk="1" latinLnBrk="0" hangingPunct="1">
+              <a:lnSpc>
+                <a:spcPct val="90000"/>
+              </a:lnSpc>
+              <a:spcBef>
+                <a:spcPts val="375"/>
+              </a:spcBef>
+              <a:buFont typeface="Arial" panose="020B0604020202020204" pitchFamily="34" charset="0"/>
+              <a:buChar char="•"/>
+              <a:defRPr sz="1351" kern="1200">
+                <a:solidFill>
+                  <a:schemeClr val="tx1"/>
+                </a:solidFill>
+                <a:latin typeface="+mn-lt"/>
+                <a:ea typeface="+mn-ea"/>
+                <a:cs typeface="+mn-cs"/>
+              </a:defRPr>
+            </a:lvl5pPr>
+            <a:lvl6pPr marL="1885904" indent="-171446" algn="l" defTabSz="685783" rtl="0" eaLnBrk="1" latinLnBrk="0" hangingPunct="1">
+              <a:lnSpc>
+                <a:spcPct val="90000"/>
+              </a:lnSpc>
+              <a:spcBef>
+                <a:spcPts val="375"/>
+              </a:spcBef>
+              <a:buFont typeface="Arial" panose="020B0604020202020204" pitchFamily="34" charset="0"/>
+              <a:buChar char="•"/>
+              <a:defRPr sz="1351" kern="1200">
+                <a:solidFill>
+                  <a:schemeClr val="tx1"/>
+                </a:solidFill>
+                <a:latin typeface="+mn-lt"/>
+                <a:ea typeface="+mn-ea"/>
+                <a:cs typeface="+mn-cs"/>
+              </a:defRPr>
+            </a:lvl6pPr>
+            <a:lvl7pPr marL="2228795" indent="-171446" algn="l" defTabSz="685783" rtl="0" eaLnBrk="1" latinLnBrk="0" hangingPunct="1">
+              <a:lnSpc>
+                <a:spcPct val="90000"/>
+              </a:lnSpc>
+              <a:spcBef>
+                <a:spcPts val="375"/>
+              </a:spcBef>
+              <a:buFont typeface="Arial" panose="020B0604020202020204" pitchFamily="34" charset="0"/>
+              <a:buChar char="•"/>
+              <a:defRPr sz="1351" kern="1200">
+                <a:solidFill>
+                  <a:schemeClr val="tx1"/>
+                </a:solidFill>
+                <a:latin typeface="+mn-lt"/>
+                <a:ea typeface="+mn-ea"/>
+                <a:cs typeface="+mn-cs"/>
+              </a:defRPr>
+            </a:lvl7pPr>
+            <a:lvl8pPr marL="2571686" indent="-171446" algn="l" defTabSz="685783" rtl="0" eaLnBrk="1" latinLnBrk="0" hangingPunct="1">
+              <a:lnSpc>
+                <a:spcPct val="90000"/>
+              </a:lnSpc>
+              <a:spcBef>
+                <a:spcPts val="375"/>
+              </a:spcBef>
+              <a:buFont typeface="Arial" panose="020B0604020202020204" pitchFamily="34" charset="0"/>
+              <a:buChar char="•"/>
+              <a:defRPr sz="1351" kern="1200">
+                <a:solidFill>
+                  <a:schemeClr val="tx1"/>
+                </a:solidFill>
+                <a:latin typeface="+mn-lt"/>
+                <a:ea typeface="+mn-ea"/>
+                <a:cs typeface="+mn-cs"/>
+              </a:defRPr>
+            </a:lvl8pPr>
+            <a:lvl9pPr marL="2914578" indent="-171446" algn="l" defTabSz="685783" rtl="0" eaLnBrk="1" latinLnBrk="0" hangingPunct="1">
+              <a:lnSpc>
+                <a:spcPct val="90000"/>
+              </a:lnSpc>
+              <a:spcBef>
+                <a:spcPts val="375"/>
+              </a:spcBef>
+              <a:buFont typeface="Arial" panose="020B0604020202020204" pitchFamily="34" charset="0"/>
+              <a:buChar char="•"/>
+              <a:defRPr sz="1351" kern="1200">
+                <a:solidFill>
+                  <a:schemeClr val="tx1"/>
+                </a:solidFill>
+                <a:latin typeface="+mn-lt"/>
+                <a:ea typeface="+mn-ea"/>
+                <a:cs typeface="+mn-cs"/>
+              </a:defRPr>
+            </a:lvl9pPr>
+          </a:lstStyle>
+          <a:p>
+            <a:pPr marL="0" lvl="0" indent="0" algn="r">
+              <a:buNone/>
+            </a:pPr>
+            <a:r>
+              <a:rPr kumimoji="0" lang="es-VE" sz="1800" b="1" i="0" u="none" strike="noStrike" kern="1200" cap="none" spc="0" normalizeH="0" baseline="0" noProof="0" dirty="0" smtClean="0">
+                <a:ln>
+                  <a:noFill/>
+                </a:ln>
+                <a:solidFill>
+                  <a:srgbClr val="FFC000"/>
+                </a:solidFill>
+                <a:effectLst/>
+                <a:uLnTx/>
+                <a:uFillTx/>
+                <a:latin typeface="Calibri" panose="020F0502020204030204"/>
+                <a:ea typeface="+mn-ea"/>
+                <a:cs typeface="+mn-cs"/>
+              </a:rPr>
+              <a:t>[Referencia</a:t>
+            </a:r>
+            <a:r>
+              <a:rPr lang="es-VE" sz="1800" b="1" dirty="0" smtClean="0">
+                <a:solidFill>
+                  <a:srgbClr val="FFC000"/>
+                </a:solidFill>
+              </a:rPr>
+              <a:t>] </a:t>
+            </a:r>
+            <a:r>
+              <a:rPr lang="es-VE" sz="1800" dirty="0" err="1" smtClean="0"/>
+              <a:t>Rm</a:t>
+            </a:r>
+            <a:r>
+              <a:rPr lang="es-VE" sz="1800" dirty="0" smtClean="0"/>
+              <a:t> 3:26</a:t>
+            </a:r>
+            <a:endParaRPr kumimoji="0" lang="es-VE" sz="1800" i="0" strike="noStrike" kern="1200" cap="none" spc="0" normalizeH="0" baseline="0" noProof="0" dirty="0">
+              <a:ln>
+                <a:noFill/>
+              </a:ln>
+              <a:effectLst/>
+              <a:uLnTx/>
+              <a:uFillTx/>
+              <a:latin typeface="Calibri" panose="020F0502020204030204"/>
+            </a:endParaRPr>
+          </a:p>
+        </p:txBody>
+      </p:sp>
+    </p:spTree>
+    <p:extLst>
+      <p:ext uri="{BB962C8B-B14F-4D97-AF65-F5344CB8AC3E}">
+        <p14:creationId xmlns:p14="http://schemas.microsoft.com/office/powerpoint/2010/main" val="848156186"/>
+      </p:ext>
+    </p:extLst>
+  </p:cSld>
+  <p:clrMapOvr>
+    <a:masterClrMapping/>
+  </p:clrMapOvr>
+</p:sld>
+</file>
+
+<file path=ppt/slides/slide17.xml><?xml version="1.0" encoding="utf-8"?>
+<p:sld xmlns:a="http://schemas.openxmlformats.org/drawingml/2006/main" xmlns:r="http://schemas.openxmlformats.org/officeDocument/2006/relationships" xmlns:p="http://schemas.openxmlformats.org/presentationml/2006/main">
+  <p:cSld>
+    <p:bg>
+      <p:bgPr>
+        <a:gradFill flip="none" rotWithShape="1">
+          <a:gsLst>
+            <a:gs pos="0">
+              <a:schemeClr val="accent4">
+                <a:lumMod val="89000"/>
+              </a:schemeClr>
+            </a:gs>
+            <a:gs pos="23000">
+              <a:schemeClr val="accent4">
+                <a:lumMod val="89000"/>
+              </a:schemeClr>
+            </a:gs>
+            <a:gs pos="69000">
+              <a:schemeClr val="accent4">
+                <a:lumMod val="75000"/>
+              </a:schemeClr>
+            </a:gs>
+            <a:gs pos="97000">
+              <a:schemeClr val="accent4">
+                <a:lumMod val="70000"/>
+              </a:schemeClr>
+            </a:gs>
+          </a:gsLst>
+          <a:path path="circle">
+            <a:fillToRect l="50000" t="50000" r="50000" b="50000"/>
+          </a:path>
+          <a:tileRect/>
+        </a:gradFill>
+        <a:effectLst/>
+      </p:bgPr>
+    </p:bg>
+    <p:spTree>
+      <p:nvGrpSpPr>
+        <p:cNvPr id="1" name=""/>
+        <p:cNvGrpSpPr/>
+        <p:nvPr/>
+      </p:nvGrpSpPr>
+      <p:grpSpPr>
+        <a:xfrm>
+          <a:off x="0" y="0"/>
+          <a:ext cx="0" cy="0"/>
+          <a:chOff x="0" y="0"/>
+          <a:chExt cx="0" cy="0"/>
+        </a:xfrm>
+      </p:grpSpPr>
+      <p:sp>
+        <p:nvSpPr>
+          <p:cNvPr id="2" name="Título 1">
+            <a:extLst>
+              <a:ext uri="{FF2B5EF4-FFF2-40B4-BE49-F238E27FC236}">
+                <a16:creationId xmlns="" xmlns:a16="http://schemas.microsoft.com/office/drawing/2014/main" id="{C65A0631-47E2-4854-94DA-DD27A379FEF1}"/>
+              </a:ext>
+            </a:extLst>
+          </p:cNvPr>
+          <p:cNvSpPr>
+            <a:spLocks noGrp="1"/>
+          </p:cNvSpPr>
+          <p:nvPr>
+            <p:ph type="title"/>
+          </p:nvPr>
+        </p:nvSpPr>
+        <p:spPr>
+          <a:xfrm>
+            <a:off x="228600" y="47144"/>
+            <a:ext cx="8686800" cy="1333787"/>
+          </a:xfrm>
+        </p:spPr>
+        <p:txBody>
+          <a:bodyPr anchor="ctr">
+            <a:normAutofit fontScale="90000"/>
+          </a:bodyPr>
+          <a:lstStyle/>
+          <a:p>
+            <a:r>
+              <a:rPr lang="es-VE" sz="5400" b="1" dirty="0"/>
+              <a:t>2. EL ORIGEN DEL </a:t>
+            </a:r>
+            <a:r>
+              <a:rPr lang="es-VE" sz="5400" b="1" dirty="0" smtClean="0"/>
+              <a:t>PECADO</a:t>
+            </a:r>
+            <a:br>
+              <a:rPr lang="es-VE" sz="5400" b="1" dirty="0" smtClean="0"/>
+            </a:br>
+            <a:r>
+              <a:rPr lang="es-VE" sz="2800" b="1" dirty="0" smtClean="0"/>
+              <a:t>2.3.</a:t>
+            </a:r>
+            <a:r>
+              <a:rPr lang="es-VE" sz="2800" b="1" dirty="0"/>
+              <a:t> </a:t>
+            </a:r>
+            <a:r>
+              <a:rPr lang="es-VE" sz="2800" b="1" dirty="0" smtClean="0"/>
+              <a:t>Castigo del pecado</a:t>
+            </a:r>
+            <a:r>
+              <a:rPr lang="es-VE" sz="2800" b="1" dirty="0"/>
+              <a:t/>
+            </a:r>
+            <a:br>
+              <a:rPr lang="es-VE" sz="2800" b="1" dirty="0"/>
+            </a:br>
+            <a:r>
+              <a:rPr lang="es-VE" sz="2800" b="1" dirty="0" smtClean="0"/>
+              <a:t>2.3.4. Conclusión</a:t>
+            </a:r>
+            <a:endParaRPr lang="es-VE" sz="6600" b="1" dirty="0"/>
+          </a:p>
+        </p:txBody>
+      </p:sp>
+      <p:sp>
+        <p:nvSpPr>
+          <p:cNvPr id="3" name="Marcador de contenido 2">
+            <a:extLst>
+              <a:ext uri="{FF2B5EF4-FFF2-40B4-BE49-F238E27FC236}">
+                <a16:creationId xmlns="" xmlns:a16="http://schemas.microsoft.com/office/drawing/2014/main" id="{AA130F57-7D31-4139-81B2-4D70486C00F2}"/>
+              </a:ext>
+            </a:extLst>
+          </p:cNvPr>
+          <p:cNvSpPr>
+            <a:spLocks noGrp="1"/>
+          </p:cNvSpPr>
+          <p:nvPr>
+            <p:ph idx="1"/>
+          </p:nvPr>
+        </p:nvSpPr>
+        <p:spPr>
+          <a:xfrm>
+            <a:off x="228600" y="1455576"/>
+            <a:ext cx="8686800" cy="3726025"/>
+          </a:xfrm>
+        </p:spPr>
+        <p:txBody>
+          <a:bodyPr anchor="ctr">
+            <a:noAutofit/>
+          </a:bodyPr>
+          <a:lstStyle/>
+          <a:p>
+            <a:pPr marL="0" indent="0">
+              <a:buNone/>
+            </a:pPr>
+            <a:r>
+              <a:rPr lang="es-VE" sz="2800" dirty="0"/>
+              <a:t>Por tanto, en la cruz tenemos una clara demostración de por qué Dios castiga el pecado: Si no castigara el pecado no sería un Dios justo, y no habría una situación de justicia suprema en el </a:t>
+            </a:r>
+            <a:r>
+              <a:rPr lang="es-VE" sz="2800" dirty="0" smtClean="0"/>
+              <a:t>universo.</a:t>
+            </a:r>
+          </a:p>
+          <a:p>
+            <a:pPr marL="0" indent="0">
+              <a:buNone/>
+            </a:pPr>
+            <a:endParaRPr lang="es-VE" sz="2800" dirty="0"/>
+          </a:p>
+          <a:p>
+            <a:pPr marL="0" indent="0">
+              <a:buNone/>
+            </a:pPr>
+            <a:r>
+              <a:rPr lang="es-VE" sz="2800" dirty="0" smtClean="0"/>
+              <a:t>Pero </a:t>
+            </a:r>
+            <a:r>
+              <a:rPr lang="es-VE" sz="2800" dirty="0"/>
+              <a:t>cuando castiga el pecado, Dios demuestra que es un juez justo sobre todos, y que se hace justicia en su universo.</a:t>
+            </a:r>
+            <a:endParaRPr lang="es-VE" sz="2800" b="1" dirty="0" smtClean="0">
+              <a:solidFill>
+                <a:srgbClr val="FFC000"/>
+              </a:solidFill>
+            </a:endParaRPr>
+          </a:p>
+        </p:txBody>
+      </p:sp>
+      <p:sp>
+        <p:nvSpPr>
+          <p:cNvPr id="4" name="Marcador de contenido 2">
+            <a:extLst>
+              <a:ext uri="{FF2B5EF4-FFF2-40B4-BE49-F238E27FC236}">
+                <a16:creationId xmlns="" xmlns:a16="http://schemas.microsoft.com/office/drawing/2014/main" id="{AD729BF5-40FC-4F23-B3BA-A58ACA0A56AD}"/>
+              </a:ext>
+            </a:extLst>
+          </p:cNvPr>
+          <p:cNvSpPr txBox="1">
+            <a:spLocks/>
+          </p:cNvSpPr>
+          <p:nvPr/>
+        </p:nvSpPr>
+        <p:spPr>
+          <a:xfrm>
+            <a:off x="228600" y="5325035"/>
+            <a:ext cx="8686800" cy="342775"/>
+          </a:xfrm>
+          <a:prstGeom prst="rect">
+            <a:avLst/>
+          </a:prstGeom>
+        </p:spPr>
+        <p:txBody>
+          <a:bodyPr vert="horz" lIns="91440" tIns="45720" rIns="91440" bIns="45720" rtlCol="0" anchor="ctr">
+            <a:normAutofit/>
+          </a:bodyPr>
+          <a:lstStyle>
+            <a:lvl1pPr marL="171446" indent="-171446" algn="l" defTabSz="685783" rtl="0" eaLnBrk="1" latinLnBrk="0" hangingPunct="1">
+              <a:lnSpc>
+                <a:spcPct val="90000"/>
+              </a:lnSpc>
+              <a:spcBef>
+                <a:spcPts val="751"/>
+              </a:spcBef>
+              <a:buFont typeface="Arial" panose="020B0604020202020204" pitchFamily="34" charset="0"/>
+              <a:buChar char="•"/>
+              <a:defRPr sz="2100" kern="1200">
+                <a:solidFill>
+                  <a:schemeClr val="tx1"/>
+                </a:solidFill>
+                <a:latin typeface="+mn-lt"/>
+                <a:ea typeface="+mn-ea"/>
+                <a:cs typeface="+mn-cs"/>
+              </a:defRPr>
+            </a:lvl1pPr>
+            <a:lvl2pPr marL="514338" indent="-171446" algn="l" defTabSz="685783" rtl="0" eaLnBrk="1" latinLnBrk="0" hangingPunct="1">
+              <a:lnSpc>
+                <a:spcPct val="90000"/>
+              </a:lnSpc>
+              <a:spcBef>
+                <a:spcPts val="375"/>
+              </a:spcBef>
+              <a:buFont typeface="Arial" panose="020B0604020202020204" pitchFamily="34" charset="0"/>
+              <a:buChar char="•"/>
+              <a:defRPr sz="1800" kern="1200">
+                <a:solidFill>
+                  <a:schemeClr val="tx1"/>
+                </a:solidFill>
+                <a:latin typeface="+mn-lt"/>
+                <a:ea typeface="+mn-ea"/>
+                <a:cs typeface="+mn-cs"/>
+              </a:defRPr>
+            </a:lvl2pPr>
+            <a:lvl3pPr marL="857229" indent="-171446" algn="l" defTabSz="685783" rtl="0" eaLnBrk="1" latinLnBrk="0" hangingPunct="1">
+              <a:lnSpc>
+                <a:spcPct val="90000"/>
+              </a:lnSpc>
+              <a:spcBef>
+                <a:spcPts val="375"/>
+              </a:spcBef>
+              <a:buFont typeface="Arial" panose="020B0604020202020204" pitchFamily="34" charset="0"/>
+              <a:buChar char="•"/>
+              <a:defRPr sz="1500" kern="1200">
+                <a:solidFill>
+                  <a:schemeClr val="tx1"/>
+                </a:solidFill>
+                <a:latin typeface="+mn-lt"/>
+                <a:ea typeface="+mn-ea"/>
+                <a:cs typeface="+mn-cs"/>
+              </a:defRPr>
+            </a:lvl3pPr>
+            <a:lvl4pPr marL="1200121" indent="-171446" algn="l" defTabSz="685783" rtl="0" eaLnBrk="1" latinLnBrk="0" hangingPunct="1">
+              <a:lnSpc>
+                <a:spcPct val="90000"/>
+              </a:lnSpc>
+              <a:spcBef>
+                <a:spcPts val="375"/>
+              </a:spcBef>
+              <a:buFont typeface="Arial" panose="020B0604020202020204" pitchFamily="34" charset="0"/>
+              <a:buChar char="•"/>
+              <a:defRPr sz="1351" kern="1200">
+                <a:solidFill>
+                  <a:schemeClr val="tx1"/>
+                </a:solidFill>
+                <a:latin typeface="+mn-lt"/>
+                <a:ea typeface="+mn-ea"/>
+                <a:cs typeface="+mn-cs"/>
+              </a:defRPr>
+            </a:lvl4pPr>
+            <a:lvl5pPr marL="1543012" indent="-171446" algn="l" defTabSz="685783" rtl="0" eaLnBrk="1" latinLnBrk="0" hangingPunct="1">
+              <a:lnSpc>
+                <a:spcPct val="90000"/>
+              </a:lnSpc>
+              <a:spcBef>
+                <a:spcPts val="375"/>
+              </a:spcBef>
+              <a:buFont typeface="Arial" panose="020B0604020202020204" pitchFamily="34" charset="0"/>
+              <a:buChar char="•"/>
+              <a:defRPr sz="1351" kern="1200">
+                <a:solidFill>
+                  <a:schemeClr val="tx1"/>
+                </a:solidFill>
+                <a:latin typeface="+mn-lt"/>
+                <a:ea typeface="+mn-ea"/>
+                <a:cs typeface="+mn-cs"/>
+              </a:defRPr>
+            </a:lvl5pPr>
+            <a:lvl6pPr marL="1885904" indent="-171446" algn="l" defTabSz="685783" rtl="0" eaLnBrk="1" latinLnBrk="0" hangingPunct="1">
+              <a:lnSpc>
+                <a:spcPct val="90000"/>
+              </a:lnSpc>
+              <a:spcBef>
+                <a:spcPts val="375"/>
+              </a:spcBef>
+              <a:buFont typeface="Arial" panose="020B0604020202020204" pitchFamily="34" charset="0"/>
+              <a:buChar char="•"/>
+              <a:defRPr sz="1351" kern="1200">
+                <a:solidFill>
+                  <a:schemeClr val="tx1"/>
+                </a:solidFill>
+                <a:latin typeface="+mn-lt"/>
+                <a:ea typeface="+mn-ea"/>
+                <a:cs typeface="+mn-cs"/>
+              </a:defRPr>
+            </a:lvl6pPr>
+            <a:lvl7pPr marL="2228795" indent="-171446" algn="l" defTabSz="685783" rtl="0" eaLnBrk="1" latinLnBrk="0" hangingPunct="1">
+              <a:lnSpc>
+                <a:spcPct val="90000"/>
+              </a:lnSpc>
+              <a:spcBef>
+                <a:spcPts val="375"/>
+              </a:spcBef>
+              <a:buFont typeface="Arial" panose="020B0604020202020204" pitchFamily="34" charset="0"/>
+              <a:buChar char="•"/>
+              <a:defRPr sz="1351" kern="1200">
+                <a:solidFill>
+                  <a:schemeClr val="tx1"/>
+                </a:solidFill>
+                <a:latin typeface="+mn-lt"/>
+                <a:ea typeface="+mn-ea"/>
+                <a:cs typeface="+mn-cs"/>
+              </a:defRPr>
+            </a:lvl7pPr>
+            <a:lvl8pPr marL="2571686" indent="-171446" algn="l" defTabSz="685783" rtl="0" eaLnBrk="1" latinLnBrk="0" hangingPunct="1">
+              <a:lnSpc>
+                <a:spcPct val="90000"/>
+              </a:lnSpc>
+              <a:spcBef>
+                <a:spcPts val="375"/>
+              </a:spcBef>
+              <a:buFont typeface="Arial" panose="020B0604020202020204" pitchFamily="34" charset="0"/>
+              <a:buChar char="•"/>
+              <a:defRPr sz="1351" kern="1200">
+                <a:solidFill>
+                  <a:schemeClr val="tx1"/>
+                </a:solidFill>
+                <a:latin typeface="+mn-lt"/>
+                <a:ea typeface="+mn-ea"/>
+                <a:cs typeface="+mn-cs"/>
+              </a:defRPr>
+            </a:lvl8pPr>
+            <a:lvl9pPr marL="2914578" indent="-171446" algn="l" defTabSz="685783" rtl="0" eaLnBrk="1" latinLnBrk="0" hangingPunct="1">
+              <a:lnSpc>
+                <a:spcPct val="90000"/>
+              </a:lnSpc>
+              <a:spcBef>
+                <a:spcPts val="375"/>
+              </a:spcBef>
+              <a:buFont typeface="Arial" panose="020B0604020202020204" pitchFamily="34" charset="0"/>
+              <a:buChar char="•"/>
+              <a:defRPr sz="1351" kern="1200">
+                <a:solidFill>
+                  <a:schemeClr val="tx1"/>
+                </a:solidFill>
+                <a:latin typeface="+mn-lt"/>
+                <a:ea typeface="+mn-ea"/>
+                <a:cs typeface="+mn-cs"/>
+              </a:defRPr>
+            </a:lvl9pPr>
+          </a:lstStyle>
+          <a:p>
+            <a:pPr marL="0" indent="0" algn="r">
+              <a:buNone/>
+            </a:pPr>
+            <a:endParaRPr lang="es-VE" sz="1800" dirty="0"/>
+          </a:p>
+        </p:txBody>
+      </p:sp>
+    </p:spTree>
+    <p:extLst>
+      <p:ext uri="{BB962C8B-B14F-4D97-AF65-F5344CB8AC3E}">
+        <p14:creationId xmlns:p14="http://schemas.microsoft.com/office/powerpoint/2010/main" val="526684392"/>
+      </p:ext>
+    </p:extLst>
+  </p:cSld>
+  <p:clrMapOvr>
+    <a:masterClrMapping/>
+  </p:clrMapOvr>
+</p:sld>
+</file>
+
+<file path=ppt/slides/slide18.xml><?xml version="1.0" encoding="utf-8"?>
+<p:sld xmlns:a="http://schemas.openxmlformats.org/drawingml/2006/main" xmlns:r="http://schemas.openxmlformats.org/officeDocument/2006/relationships" xmlns:p="http://schemas.openxmlformats.org/presentationml/2006/main">
+  <p:cSld>
+    <p:bg>
+      <p:bgPr>
+        <a:gradFill>
+          <a:gsLst>
+            <a:gs pos="0">
+              <a:srgbClr val="D6B19C">
+                <a:lumMod val="77000"/>
+              </a:srgbClr>
+            </a:gs>
+            <a:gs pos="30000">
+              <a:srgbClr val="D49E6C">
+                <a:lumMod val="80000"/>
+              </a:srgbClr>
+            </a:gs>
+            <a:gs pos="70000">
+              <a:srgbClr val="A65528"/>
+            </a:gs>
+            <a:gs pos="100000">
+              <a:srgbClr val="663012"/>
+            </a:gs>
+          </a:gsLst>
+          <a:lin ang="5400000" scaled="0"/>
+        </a:gradFill>
+        <a:effectLst/>
+      </p:bgPr>
+    </p:bg>
+    <p:spTree>
+      <p:nvGrpSpPr>
+        <p:cNvPr id="1" name=""/>
+        <p:cNvGrpSpPr/>
+        <p:nvPr/>
+      </p:nvGrpSpPr>
+      <p:grpSpPr>
+        <a:xfrm>
+          <a:off x="0" y="0"/>
+          <a:ext cx="0" cy="0"/>
+          <a:chOff x="0" y="0"/>
+          <a:chExt cx="0" cy="0"/>
+        </a:xfrm>
+      </p:grpSpPr>
+      <p:sp>
+        <p:nvSpPr>
+          <p:cNvPr id="2" name="Título 1">
+            <a:extLst>
+              <a:ext uri="{FF2B5EF4-FFF2-40B4-BE49-F238E27FC236}">
+                <a16:creationId xmlns="" xmlns:a16="http://schemas.microsoft.com/office/drawing/2014/main" id="{FD39663B-C752-4318-8673-4C9548A38A4C}"/>
+              </a:ext>
+            </a:extLst>
+          </p:cNvPr>
+          <p:cNvSpPr>
+            <a:spLocks noGrp="1"/>
+          </p:cNvSpPr>
+          <p:nvPr>
+            <p:ph type="ctrTitle"/>
+          </p:nvPr>
+        </p:nvSpPr>
+        <p:spPr>
+          <a:xfrm>
+            <a:off x="313766" y="408214"/>
+            <a:ext cx="8516471" cy="4947557"/>
+          </a:xfrm>
+        </p:spPr>
+        <p:txBody>
+          <a:bodyPr anchor="ctr">
+            <a:noAutofit/>
+          </a:bodyPr>
+          <a:lstStyle/>
+          <a:p>
+            <a:r>
+              <a:rPr lang="es-VE" sz="6600" b="1" dirty="0">
+                <a:latin typeface="+mn-lt"/>
+              </a:rPr>
+              <a:t>3</a:t>
+            </a:r>
+            <a:r>
+              <a:rPr lang="es-VE" sz="6600" b="1" dirty="0" smtClean="0">
+                <a:latin typeface="+mn-lt"/>
+              </a:rPr>
+              <a:t>.</a:t>
+            </a:r>
+            <a:r>
+              <a:rPr lang="es-VE" sz="6600" b="1" dirty="0">
+                <a:latin typeface="+mn-lt"/>
+              </a:rPr>
+              <a:t> LAS CONSECUENCIAS DEL PECADO</a:t>
+            </a:r>
+          </a:p>
+        </p:txBody>
+      </p:sp>
+    </p:spTree>
+    <p:extLst>
+      <p:ext uri="{BB962C8B-B14F-4D97-AF65-F5344CB8AC3E}">
+        <p14:creationId xmlns:p14="http://schemas.microsoft.com/office/powerpoint/2010/main" val="257048687"/>
+      </p:ext>
+    </p:extLst>
+  </p:cSld>
+  <p:clrMapOvr>
+    <a:masterClrMapping/>
+  </p:clrMapOvr>
+  <p:timing>
+    <p:tnLst>
+      <p:par>
+        <p:cTn id="1" dur="indefinite" restart="never" nodeType="tmRoot"/>
+      </p:par>
+    </p:tnLst>
+  </p:timing>
+</p:sld>
+</file>
+
+<file path=ppt/slides/slide19.xml><?xml version="1.0" encoding="utf-8"?>
+<p:sld xmlns:a="http://schemas.openxmlformats.org/drawingml/2006/main" xmlns:r="http://schemas.openxmlformats.org/officeDocument/2006/relationships" xmlns:p="http://schemas.openxmlformats.org/presentationml/2006/main">
+  <p:cSld>
+    <p:bg>
+      <p:bgPr>
+        <a:gradFill>
+          <a:gsLst>
+            <a:gs pos="0">
+              <a:srgbClr val="D6B19C">
+                <a:lumMod val="77000"/>
+              </a:srgbClr>
+            </a:gs>
+            <a:gs pos="30000">
+              <a:srgbClr val="D49E6C">
+                <a:lumMod val="80000"/>
+              </a:srgbClr>
+            </a:gs>
+            <a:gs pos="70000">
+              <a:srgbClr val="A65528"/>
+            </a:gs>
+            <a:gs pos="100000">
+              <a:srgbClr val="663012"/>
+            </a:gs>
+          </a:gsLst>
+          <a:lin ang="5400000" scaled="0"/>
+        </a:gradFill>
+        <a:effectLst/>
+      </p:bgPr>
+    </p:bg>
+    <p:spTree>
+      <p:nvGrpSpPr>
+        <p:cNvPr id="1" name=""/>
+        <p:cNvGrpSpPr/>
+        <p:nvPr/>
+      </p:nvGrpSpPr>
+      <p:grpSpPr>
+        <a:xfrm>
+          <a:off x="0" y="0"/>
+          <a:ext cx="0" cy="0"/>
+          <a:chOff x="0" y="0"/>
+          <a:chExt cx="0" cy="0"/>
+        </a:xfrm>
+      </p:grpSpPr>
+      <p:sp>
+        <p:nvSpPr>
+          <p:cNvPr id="2" name="Título 1">
+            <a:extLst>
+              <a:ext uri="{FF2B5EF4-FFF2-40B4-BE49-F238E27FC236}">
+                <a16:creationId xmlns="" xmlns:a16="http://schemas.microsoft.com/office/drawing/2014/main" id="{C65A0631-47E2-4854-94DA-DD27A379FEF1}"/>
+              </a:ext>
+            </a:extLst>
+          </p:cNvPr>
+          <p:cNvSpPr>
+            <a:spLocks noGrp="1"/>
+          </p:cNvSpPr>
+          <p:nvPr>
+            <p:ph type="title"/>
+          </p:nvPr>
+        </p:nvSpPr>
+        <p:spPr>
+          <a:xfrm>
+            <a:off x="228600" y="47144"/>
+            <a:ext cx="8686800" cy="1333787"/>
+          </a:xfrm>
+        </p:spPr>
+        <p:txBody>
+          <a:bodyPr anchor="ctr">
+            <a:normAutofit fontScale="90000"/>
+          </a:bodyPr>
+          <a:lstStyle/>
+          <a:p>
+            <a:r>
+              <a:rPr lang="es-VE" sz="4900" b="1" dirty="0"/>
+              <a:t>3</a:t>
+            </a:r>
+            <a:r>
+              <a:rPr lang="es-VE" sz="4900" b="1" dirty="0" smtClean="0"/>
+              <a:t>.</a:t>
+            </a:r>
+            <a:r>
+              <a:rPr lang="es-VE" sz="4900" b="1" dirty="0"/>
+              <a:t> LAS CONSECUENCIAS DEL </a:t>
+            </a:r>
+            <a:r>
+              <a:rPr lang="es-VE" sz="4900" b="1" dirty="0" smtClean="0"/>
+              <a:t>PECADO</a:t>
+            </a:r>
+            <a:r>
+              <a:rPr lang="es-VE" sz="5400" b="1" dirty="0" smtClean="0"/>
+              <a:t/>
+            </a:r>
+            <a:br>
+              <a:rPr lang="es-VE" sz="5400" b="1" dirty="0" smtClean="0"/>
+            </a:br>
+            <a:r>
+              <a:rPr lang="es-VE" sz="2800" b="1" dirty="0" smtClean="0"/>
+              <a:t>Introducción</a:t>
+            </a:r>
+            <a:endParaRPr lang="es-VE" sz="6600" b="1" dirty="0"/>
+          </a:p>
+        </p:txBody>
+      </p:sp>
+      <p:sp>
+        <p:nvSpPr>
+          <p:cNvPr id="3" name="Marcador de contenido 2">
+            <a:extLst>
+              <a:ext uri="{FF2B5EF4-FFF2-40B4-BE49-F238E27FC236}">
+                <a16:creationId xmlns="" xmlns:a16="http://schemas.microsoft.com/office/drawing/2014/main" id="{AA130F57-7D31-4139-81B2-4D70486C00F2}"/>
+              </a:ext>
+            </a:extLst>
+          </p:cNvPr>
+          <p:cNvSpPr>
+            <a:spLocks noGrp="1"/>
+          </p:cNvSpPr>
+          <p:nvPr>
+            <p:ph idx="1"/>
+          </p:nvPr>
+        </p:nvSpPr>
+        <p:spPr>
+          <a:xfrm>
+            <a:off x="228600" y="1455576"/>
+            <a:ext cx="8686800" cy="3726025"/>
+          </a:xfrm>
+        </p:spPr>
+        <p:txBody>
+          <a:bodyPr anchor="ctr">
+            <a:noAutofit/>
+          </a:bodyPr>
+          <a:lstStyle/>
+          <a:p>
+            <a:pPr marL="0" indent="0">
+              <a:buNone/>
+            </a:pPr>
+            <a:r>
+              <a:rPr lang="es-VE" sz="2200" dirty="0"/>
+              <a:t>Un padre le prohíbe a su hijo fumar, y le advierte de una consecuencia doble. Primero, el fumar lo enfermará, y además, lo castigará por su </a:t>
+            </a:r>
+            <a:r>
+              <a:rPr lang="es-VE" sz="2200" dirty="0" smtClean="0"/>
+              <a:t>desobediencia. El </a:t>
+            </a:r>
+            <a:r>
+              <a:rPr lang="es-VE" sz="2200" dirty="0"/>
+              <a:t>niño desobedece y se fuma el primer cigarrillo. El malestar estomacal que le produce constituye o representa las malas consecuencias de su pecado, y la paliza o castigo que recibirá representa la pena positiva por su culpabilidad</a:t>
+            </a:r>
+            <a:r>
+              <a:rPr lang="es-VE" sz="2200" dirty="0" smtClean="0"/>
+              <a:t>.</a:t>
+            </a:r>
+          </a:p>
+          <a:p>
+            <a:pPr marL="0" indent="0">
+              <a:buNone/>
+            </a:pPr>
+            <a:endParaRPr lang="es-VE" sz="2200" dirty="0"/>
+          </a:p>
+          <a:p>
+            <a:pPr marL="0" indent="0">
+              <a:buNone/>
+            </a:pPr>
+            <a:r>
+              <a:rPr lang="es-VE" sz="2200" dirty="0"/>
+              <a:t>De igual manera, las Sagradas Escrituras describen dos efectos del pecado en las personas culpables: es seguido de consecuencias desastrosas para sus almas y acarreará sobre ellos el decreto positivo de la condenación de Dios</a:t>
+            </a:r>
+            <a:r>
+              <a:rPr lang="es-VE" sz="2200" dirty="0" smtClean="0"/>
+              <a:t>.</a:t>
+            </a:r>
+            <a:endParaRPr lang="es-VE" sz="2200" dirty="0"/>
+          </a:p>
+        </p:txBody>
+      </p:sp>
+      <p:sp>
+        <p:nvSpPr>
+          <p:cNvPr id="4" name="Marcador de contenido 2">
+            <a:extLst>
+              <a:ext uri="{FF2B5EF4-FFF2-40B4-BE49-F238E27FC236}">
+                <a16:creationId xmlns="" xmlns:a16="http://schemas.microsoft.com/office/drawing/2014/main" id="{AD729BF5-40FC-4F23-B3BA-A58ACA0A56AD}"/>
+              </a:ext>
+            </a:extLst>
+          </p:cNvPr>
+          <p:cNvSpPr txBox="1">
+            <a:spLocks/>
+          </p:cNvSpPr>
+          <p:nvPr/>
+        </p:nvSpPr>
+        <p:spPr>
+          <a:xfrm>
+            <a:off x="228600" y="5325035"/>
+            <a:ext cx="8686800" cy="342775"/>
+          </a:xfrm>
+          <a:prstGeom prst="rect">
+            <a:avLst/>
+          </a:prstGeom>
+        </p:spPr>
+        <p:txBody>
+          <a:bodyPr vert="horz" lIns="91440" tIns="45720" rIns="91440" bIns="45720" rtlCol="0" anchor="ctr">
+            <a:normAutofit/>
+          </a:bodyPr>
+          <a:lstStyle>
+            <a:lvl1pPr marL="171446" indent="-171446" algn="l" defTabSz="685783" rtl="0" eaLnBrk="1" latinLnBrk="0" hangingPunct="1">
+              <a:lnSpc>
+                <a:spcPct val="90000"/>
+              </a:lnSpc>
+              <a:spcBef>
+                <a:spcPts val="751"/>
+              </a:spcBef>
+              <a:buFont typeface="Arial" panose="020B0604020202020204" pitchFamily="34" charset="0"/>
+              <a:buChar char="•"/>
+              <a:defRPr sz="2100" kern="1200">
+                <a:solidFill>
+                  <a:schemeClr val="tx1"/>
+                </a:solidFill>
+                <a:latin typeface="+mn-lt"/>
+                <a:ea typeface="+mn-ea"/>
+                <a:cs typeface="+mn-cs"/>
+              </a:defRPr>
+            </a:lvl1pPr>
+            <a:lvl2pPr marL="514338" indent="-171446" algn="l" defTabSz="685783" rtl="0" eaLnBrk="1" latinLnBrk="0" hangingPunct="1">
+              <a:lnSpc>
+                <a:spcPct val="90000"/>
+              </a:lnSpc>
+              <a:spcBef>
+                <a:spcPts val="375"/>
+              </a:spcBef>
+              <a:buFont typeface="Arial" panose="020B0604020202020204" pitchFamily="34" charset="0"/>
+              <a:buChar char="•"/>
+              <a:defRPr sz="1800" kern="1200">
+                <a:solidFill>
+                  <a:schemeClr val="tx1"/>
+                </a:solidFill>
+                <a:latin typeface="+mn-lt"/>
+                <a:ea typeface="+mn-ea"/>
+                <a:cs typeface="+mn-cs"/>
+              </a:defRPr>
+            </a:lvl2pPr>
+            <a:lvl3pPr marL="857229" indent="-171446" algn="l" defTabSz="685783" rtl="0" eaLnBrk="1" latinLnBrk="0" hangingPunct="1">
+              <a:lnSpc>
+                <a:spcPct val="90000"/>
+              </a:lnSpc>
+              <a:spcBef>
+                <a:spcPts val="375"/>
+              </a:spcBef>
+              <a:buFont typeface="Arial" panose="020B0604020202020204" pitchFamily="34" charset="0"/>
+              <a:buChar char="•"/>
+              <a:defRPr sz="1500" kern="1200">
+                <a:solidFill>
+                  <a:schemeClr val="tx1"/>
+                </a:solidFill>
+                <a:latin typeface="+mn-lt"/>
+                <a:ea typeface="+mn-ea"/>
+                <a:cs typeface="+mn-cs"/>
+              </a:defRPr>
+            </a:lvl3pPr>
+            <a:lvl4pPr marL="1200121" indent="-171446" algn="l" defTabSz="685783" rtl="0" eaLnBrk="1" latinLnBrk="0" hangingPunct="1">
+              <a:lnSpc>
+                <a:spcPct val="90000"/>
+              </a:lnSpc>
+              <a:spcBef>
+                <a:spcPts val="375"/>
+              </a:spcBef>
+              <a:buFont typeface="Arial" panose="020B0604020202020204" pitchFamily="34" charset="0"/>
+              <a:buChar char="•"/>
+              <a:defRPr sz="1351" kern="1200">
+                <a:solidFill>
+                  <a:schemeClr val="tx1"/>
+                </a:solidFill>
+                <a:latin typeface="+mn-lt"/>
+                <a:ea typeface="+mn-ea"/>
+                <a:cs typeface="+mn-cs"/>
+              </a:defRPr>
+            </a:lvl4pPr>
+            <a:lvl5pPr marL="1543012" indent="-171446" algn="l" defTabSz="685783" rtl="0" eaLnBrk="1" latinLnBrk="0" hangingPunct="1">
+              <a:lnSpc>
+                <a:spcPct val="90000"/>
+              </a:lnSpc>
+              <a:spcBef>
+                <a:spcPts val="375"/>
+              </a:spcBef>
+              <a:buFont typeface="Arial" panose="020B0604020202020204" pitchFamily="34" charset="0"/>
+              <a:buChar char="•"/>
+              <a:defRPr sz="1351" kern="1200">
+                <a:solidFill>
+                  <a:schemeClr val="tx1"/>
+                </a:solidFill>
+                <a:latin typeface="+mn-lt"/>
+                <a:ea typeface="+mn-ea"/>
+                <a:cs typeface="+mn-cs"/>
+              </a:defRPr>
+            </a:lvl5pPr>
+            <a:lvl6pPr marL="1885904" indent="-171446" algn="l" defTabSz="685783" rtl="0" eaLnBrk="1" latinLnBrk="0" hangingPunct="1">
+              <a:lnSpc>
+                <a:spcPct val="90000"/>
+              </a:lnSpc>
+              <a:spcBef>
+                <a:spcPts val="375"/>
+              </a:spcBef>
+              <a:buFont typeface="Arial" panose="020B0604020202020204" pitchFamily="34" charset="0"/>
+              <a:buChar char="•"/>
+              <a:defRPr sz="1351" kern="1200">
+                <a:solidFill>
+                  <a:schemeClr val="tx1"/>
+                </a:solidFill>
+                <a:latin typeface="+mn-lt"/>
+                <a:ea typeface="+mn-ea"/>
+                <a:cs typeface="+mn-cs"/>
+              </a:defRPr>
+            </a:lvl6pPr>
+            <a:lvl7pPr marL="2228795" indent="-171446" algn="l" defTabSz="685783" rtl="0" eaLnBrk="1" latinLnBrk="0" hangingPunct="1">
+              <a:lnSpc>
+                <a:spcPct val="90000"/>
+              </a:lnSpc>
+              <a:spcBef>
+                <a:spcPts val="375"/>
+              </a:spcBef>
+              <a:buFont typeface="Arial" panose="020B0604020202020204" pitchFamily="34" charset="0"/>
+              <a:buChar char="•"/>
+              <a:defRPr sz="1351" kern="1200">
+                <a:solidFill>
+                  <a:schemeClr val="tx1"/>
+                </a:solidFill>
+                <a:latin typeface="+mn-lt"/>
+                <a:ea typeface="+mn-ea"/>
+                <a:cs typeface="+mn-cs"/>
+              </a:defRPr>
+            </a:lvl7pPr>
+            <a:lvl8pPr marL="2571686" indent="-171446" algn="l" defTabSz="685783" rtl="0" eaLnBrk="1" latinLnBrk="0" hangingPunct="1">
+              <a:lnSpc>
+                <a:spcPct val="90000"/>
+              </a:lnSpc>
+              <a:spcBef>
+                <a:spcPts val="375"/>
+              </a:spcBef>
+              <a:buFont typeface="Arial" panose="020B0604020202020204" pitchFamily="34" charset="0"/>
+              <a:buChar char="•"/>
+              <a:defRPr sz="1351" kern="1200">
+                <a:solidFill>
+                  <a:schemeClr val="tx1"/>
+                </a:solidFill>
+                <a:latin typeface="+mn-lt"/>
+                <a:ea typeface="+mn-ea"/>
+                <a:cs typeface="+mn-cs"/>
+              </a:defRPr>
+            </a:lvl8pPr>
+            <a:lvl9pPr marL="2914578" indent="-171446" algn="l" defTabSz="685783" rtl="0" eaLnBrk="1" latinLnBrk="0" hangingPunct="1">
+              <a:lnSpc>
+                <a:spcPct val="90000"/>
+              </a:lnSpc>
+              <a:spcBef>
+                <a:spcPts val="375"/>
+              </a:spcBef>
+              <a:buFont typeface="Arial" panose="020B0604020202020204" pitchFamily="34" charset="0"/>
+              <a:buChar char="•"/>
+              <a:defRPr sz="1351" kern="1200">
+                <a:solidFill>
+                  <a:schemeClr val="tx1"/>
+                </a:solidFill>
+                <a:latin typeface="+mn-lt"/>
+                <a:ea typeface="+mn-ea"/>
+                <a:cs typeface="+mn-cs"/>
+              </a:defRPr>
+            </a:lvl9pPr>
+          </a:lstStyle>
+          <a:p>
+            <a:pPr marL="0" indent="0" algn="r">
+              <a:buNone/>
+            </a:pPr>
+            <a:endParaRPr lang="es-VE" sz="1800" dirty="0"/>
+          </a:p>
+        </p:txBody>
+      </p:sp>
+      <p:sp>
+        <p:nvSpPr>
+          <p:cNvPr id="5" name="Marcador de contenido 2">
+            <a:extLst>
+              <a:ext uri="{FF2B5EF4-FFF2-40B4-BE49-F238E27FC236}">
+                <a16:creationId xmlns="" xmlns:a16="http://schemas.microsoft.com/office/drawing/2014/main" id="{1FF0983A-E18D-4B43-AE5B-6B835BABD33A}"/>
+              </a:ext>
+            </a:extLst>
+          </p:cNvPr>
+          <p:cNvSpPr txBox="1">
+            <a:spLocks/>
+          </p:cNvSpPr>
+          <p:nvPr/>
+        </p:nvSpPr>
+        <p:spPr>
+          <a:xfrm>
+            <a:off x="228600" y="5181601"/>
+            <a:ext cx="8686800" cy="486210"/>
+          </a:xfrm>
+          <a:prstGeom prst="rect">
+            <a:avLst/>
+          </a:prstGeom>
+        </p:spPr>
+        <p:txBody>
+          <a:bodyPr vert="horz" lIns="91440" tIns="45720" rIns="91440" bIns="45720" rtlCol="0" anchor="ctr">
+            <a:normAutofit/>
+          </a:bodyPr>
+          <a:lstStyle>
+            <a:lvl1pPr marL="171446" indent="-171446" algn="l" defTabSz="685783" rtl="0" eaLnBrk="1" latinLnBrk="0" hangingPunct="1">
+              <a:lnSpc>
+                <a:spcPct val="90000"/>
+              </a:lnSpc>
+              <a:spcBef>
+                <a:spcPts val="751"/>
+              </a:spcBef>
+              <a:buFont typeface="Arial" panose="020B0604020202020204" pitchFamily="34" charset="0"/>
+              <a:buChar char="•"/>
+              <a:defRPr sz="2100" kern="1200">
+                <a:solidFill>
+                  <a:schemeClr val="tx1"/>
+                </a:solidFill>
+                <a:latin typeface="+mn-lt"/>
+                <a:ea typeface="+mn-ea"/>
+                <a:cs typeface="+mn-cs"/>
+              </a:defRPr>
+            </a:lvl1pPr>
+            <a:lvl2pPr marL="514338" indent="-171446" algn="l" defTabSz="685783" rtl="0" eaLnBrk="1" latinLnBrk="0" hangingPunct="1">
+              <a:lnSpc>
+                <a:spcPct val="90000"/>
+              </a:lnSpc>
+              <a:spcBef>
+                <a:spcPts val="375"/>
+              </a:spcBef>
+              <a:buFont typeface="Arial" panose="020B0604020202020204" pitchFamily="34" charset="0"/>
+              <a:buChar char="•"/>
+              <a:defRPr sz="1800" kern="1200">
+                <a:solidFill>
+                  <a:schemeClr val="tx1"/>
+                </a:solidFill>
+                <a:latin typeface="+mn-lt"/>
+                <a:ea typeface="+mn-ea"/>
+                <a:cs typeface="+mn-cs"/>
+              </a:defRPr>
+            </a:lvl2pPr>
+            <a:lvl3pPr marL="857229" indent="-171446" algn="l" defTabSz="685783" rtl="0" eaLnBrk="1" latinLnBrk="0" hangingPunct="1">
+              <a:lnSpc>
+                <a:spcPct val="90000"/>
+              </a:lnSpc>
+              <a:spcBef>
+                <a:spcPts val="375"/>
+              </a:spcBef>
+              <a:buFont typeface="Arial" panose="020B0604020202020204" pitchFamily="34" charset="0"/>
+              <a:buChar char="•"/>
+              <a:defRPr sz="1500" kern="1200">
+                <a:solidFill>
+                  <a:schemeClr val="tx1"/>
+                </a:solidFill>
+                <a:latin typeface="+mn-lt"/>
+                <a:ea typeface="+mn-ea"/>
+                <a:cs typeface="+mn-cs"/>
+              </a:defRPr>
+            </a:lvl3pPr>
+            <a:lvl4pPr marL="1200121" indent="-171446" algn="l" defTabSz="685783" rtl="0" eaLnBrk="1" latinLnBrk="0" hangingPunct="1">
+              <a:lnSpc>
+                <a:spcPct val="90000"/>
+              </a:lnSpc>
+              <a:spcBef>
+                <a:spcPts val="375"/>
+              </a:spcBef>
+              <a:buFont typeface="Arial" panose="020B0604020202020204" pitchFamily="34" charset="0"/>
+              <a:buChar char="•"/>
+              <a:defRPr sz="1351" kern="1200">
+                <a:solidFill>
+                  <a:schemeClr val="tx1"/>
+                </a:solidFill>
+                <a:latin typeface="+mn-lt"/>
+                <a:ea typeface="+mn-ea"/>
+                <a:cs typeface="+mn-cs"/>
+              </a:defRPr>
+            </a:lvl4pPr>
+            <a:lvl5pPr marL="1543012" indent="-171446" algn="l" defTabSz="685783" rtl="0" eaLnBrk="1" latinLnBrk="0" hangingPunct="1">
+              <a:lnSpc>
+                <a:spcPct val="90000"/>
+              </a:lnSpc>
+              <a:spcBef>
+                <a:spcPts val="375"/>
+              </a:spcBef>
+              <a:buFont typeface="Arial" panose="020B0604020202020204" pitchFamily="34" charset="0"/>
+              <a:buChar char="•"/>
+              <a:defRPr sz="1351" kern="1200">
+                <a:solidFill>
+                  <a:schemeClr val="tx1"/>
+                </a:solidFill>
+                <a:latin typeface="+mn-lt"/>
+                <a:ea typeface="+mn-ea"/>
+                <a:cs typeface="+mn-cs"/>
+              </a:defRPr>
+            </a:lvl5pPr>
+            <a:lvl6pPr marL="1885904" indent="-171446" algn="l" defTabSz="685783" rtl="0" eaLnBrk="1" latinLnBrk="0" hangingPunct="1">
+              <a:lnSpc>
+                <a:spcPct val="90000"/>
+              </a:lnSpc>
+              <a:spcBef>
+                <a:spcPts val="375"/>
+              </a:spcBef>
+              <a:buFont typeface="Arial" panose="020B0604020202020204" pitchFamily="34" charset="0"/>
+              <a:buChar char="•"/>
+              <a:defRPr sz="1351" kern="1200">
+                <a:solidFill>
+                  <a:schemeClr val="tx1"/>
+                </a:solidFill>
+                <a:latin typeface="+mn-lt"/>
+                <a:ea typeface="+mn-ea"/>
+                <a:cs typeface="+mn-cs"/>
+              </a:defRPr>
+            </a:lvl6pPr>
+            <a:lvl7pPr marL="2228795" indent="-171446" algn="l" defTabSz="685783" rtl="0" eaLnBrk="1" latinLnBrk="0" hangingPunct="1">
+              <a:lnSpc>
+                <a:spcPct val="90000"/>
+              </a:lnSpc>
+              <a:spcBef>
+                <a:spcPts val="375"/>
+              </a:spcBef>
+              <a:buFont typeface="Arial" panose="020B0604020202020204" pitchFamily="34" charset="0"/>
+              <a:buChar char="•"/>
+              <a:defRPr sz="1351" kern="1200">
+                <a:solidFill>
+                  <a:schemeClr val="tx1"/>
+                </a:solidFill>
+                <a:latin typeface="+mn-lt"/>
+                <a:ea typeface="+mn-ea"/>
+                <a:cs typeface="+mn-cs"/>
+              </a:defRPr>
+            </a:lvl7pPr>
+            <a:lvl8pPr marL="2571686" indent="-171446" algn="l" defTabSz="685783" rtl="0" eaLnBrk="1" latinLnBrk="0" hangingPunct="1">
+              <a:lnSpc>
+                <a:spcPct val="90000"/>
+              </a:lnSpc>
+              <a:spcBef>
+                <a:spcPts val="375"/>
+              </a:spcBef>
+              <a:buFont typeface="Arial" panose="020B0604020202020204" pitchFamily="34" charset="0"/>
+              <a:buChar char="•"/>
+              <a:defRPr sz="1351" kern="1200">
+                <a:solidFill>
+                  <a:schemeClr val="tx1"/>
+                </a:solidFill>
+                <a:latin typeface="+mn-lt"/>
+                <a:ea typeface="+mn-ea"/>
+                <a:cs typeface="+mn-cs"/>
+              </a:defRPr>
+            </a:lvl8pPr>
+            <a:lvl9pPr marL="2914578" indent="-171446" algn="l" defTabSz="685783" rtl="0" eaLnBrk="1" latinLnBrk="0" hangingPunct="1">
+              <a:lnSpc>
+                <a:spcPct val="90000"/>
+              </a:lnSpc>
+              <a:spcBef>
+                <a:spcPts val="375"/>
+              </a:spcBef>
+              <a:buFont typeface="Arial" panose="020B0604020202020204" pitchFamily="34" charset="0"/>
+              <a:buChar char="•"/>
+              <a:defRPr sz="1351" kern="1200">
+                <a:solidFill>
+                  <a:schemeClr val="tx1"/>
+                </a:solidFill>
+                <a:latin typeface="+mn-lt"/>
+                <a:ea typeface="+mn-ea"/>
+                <a:cs typeface="+mn-cs"/>
+              </a:defRPr>
+            </a:lvl9pPr>
+          </a:lstStyle>
+          <a:p>
+            <a:pPr marL="0" lvl="0" indent="0" algn="r">
+              <a:buNone/>
+            </a:pPr>
+            <a:endParaRPr kumimoji="0" lang="es-VE" sz="1800" i="0" strike="noStrike" kern="1200" cap="none" spc="0" normalizeH="0" baseline="0" noProof="0" dirty="0">
+              <a:ln>
+                <a:noFill/>
+              </a:ln>
+              <a:effectLst/>
+              <a:uLnTx/>
+              <a:uFillTx/>
+              <a:latin typeface="Calibri" panose="020F0502020204030204"/>
+            </a:endParaRPr>
+          </a:p>
+        </p:txBody>
+      </p:sp>
+    </p:spTree>
+    <p:extLst>
+      <p:ext uri="{BB962C8B-B14F-4D97-AF65-F5344CB8AC3E}">
+        <p14:creationId xmlns:p14="http://schemas.microsoft.com/office/powerpoint/2010/main" val="3270592449"/>
+      </p:ext>
+    </p:extLst>
+  </p:cSld>
+  <p:clrMapOvr>
+    <a:masterClrMapping/>
+  </p:clrMapOvr>
+  <p:timing>
+    <p:tnLst>
+      <p:par>
+        <p:cTn id="1" dur="indefinite" restart="never" nodeType="tmRoot"/>
+      </p:par>
+    </p:tnLst>
+  </p:timing>
 </p:sld>
 </file>
 
@@ -6351,6 +12246,2011 @@
     <p:extLst>
       <p:ext uri="{BB962C8B-B14F-4D97-AF65-F5344CB8AC3E}">
         <p14:creationId xmlns:p14="http://schemas.microsoft.com/office/powerpoint/2010/main" val="2003620032"/>
+      </p:ext>
+    </p:extLst>
+  </p:cSld>
+  <p:clrMapOvr>
+    <a:masterClrMapping/>
+  </p:clrMapOvr>
+  <p:timing>
+    <p:tnLst>
+      <p:par>
+        <p:cTn id="1" dur="indefinite" restart="never" nodeType="tmRoot"/>
+      </p:par>
+    </p:tnLst>
+  </p:timing>
+</p:sld>
+</file>
+
+<file path=ppt/slides/slide20.xml><?xml version="1.0" encoding="utf-8"?>
+<p:sld xmlns:a="http://schemas.openxmlformats.org/drawingml/2006/main" xmlns:r="http://schemas.openxmlformats.org/officeDocument/2006/relationships" xmlns:p="http://schemas.openxmlformats.org/presentationml/2006/main">
+  <p:cSld>
+    <p:bg>
+      <p:bgPr>
+        <a:gradFill>
+          <a:gsLst>
+            <a:gs pos="0">
+              <a:srgbClr val="D6B19C">
+                <a:lumMod val="77000"/>
+              </a:srgbClr>
+            </a:gs>
+            <a:gs pos="30000">
+              <a:srgbClr val="D49E6C">
+                <a:lumMod val="80000"/>
+              </a:srgbClr>
+            </a:gs>
+            <a:gs pos="70000">
+              <a:srgbClr val="A65528"/>
+            </a:gs>
+            <a:gs pos="100000">
+              <a:srgbClr val="663012"/>
+            </a:gs>
+          </a:gsLst>
+          <a:lin ang="5400000" scaled="0"/>
+        </a:gradFill>
+        <a:effectLst/>
+      </p:bgPr>
+    </p:bg>
+    <p:spTree>
+      <p:nvGrpSpPr>
+        <p:cNvPr id="1" name=""/>
+        <p:cNvGrpSpPr/>
+        <p:nvPr/>
+      </p:nvGrpSpPr>
+      <p:grpSpPr>
+        <a:xfrm>
+          <a:off x="0" y="0"/>
+          <a:ext cx="0" cy="0"/>
+          <a:chOff x="0" y="0"/>
+          <a:chExt cx="0" cy="0"/>
+        </a:xfrm>
+      </p:grpSpPr>
+      <p:sp>
+        <p:nvSpPr>
+          <p:cNvPr id="2" name="Título 1">
+            <a:extLst>
+              <a:ext uri="{FF2B5EF4-FFF2-40B4-BE49-F238E27FC236}">
+                <a16:creationId xmlns="" xmlns:a16="http://schemas.microsoft.com/office/drawing/2014/main" id="{C65A0631-47E2-4854-94DA-DD27A379FEF1}"/>
+              </a:ext>
+            </a:extLst>
+          </p:cNvPr>
+          <p:cNvSpPr>
+            <a:spLocks noGrp="1"/>
+          </p:cNvSpPr>
+          <p:nvPr>
+            <p:ph type="title"/>
+          </p:nvPr>
+        </p:nvSpPr>
+        <p:spPr>
+          <a:xfrm>
+            <a:off x="228600" y="47144"/>
+            <a:ext cx="8686800" cy="1333787"/>
+          </a:xfrm>
+        </p:spPr>
+        <p:txBody>
+          <a:bodyPr anchor="ctr">
+            <a:normAutofit fontScale="90000"/>
+          </a:bodyPr>
+          <a:lstStyle/>
+          <a:p>
+            <a:r>
+              <a:rPr lang="es-VE" sz="4900" b="1" dirty="0" smtClean="0"/>
+              <a:t>3. LAS CONSECUENCIAS DEL PECADO</a:t>
+            </a:r>
+            <a:r>
+              <a:rPr lang="es-VE" sz="5400" b="1" dirty="0" smtClean="0"/>
+              <a:t/>
+            </a:r>
+            <a:br>
+              <a:rPr lang="es-VE" sz="5400" b="1" dirty="0" smtClean="0"/>
+            </a:br>
+            <a:r>
+              <a:rPr lang="es-VE" sz="2800" b="1" dirty="0"/>
+              <a:t>4.1. Debilidad </a:t>
+            </a:r>
+            <a:r>
+              <a:rPr lang="es-VE" sz="2800" b="1" dirty="0" smtClean="0"/>
+              <a:t>espiritual</a:t>
+            </a:r>
+            <a:r>
+              <a:rPr lang="es-VE" sz="2800" b="1" dirty="0"/>
+              <a:t/>
+            </a:r>
+            <a:br>
+              <a:rPr lang="es-VE" sz="2800" b="1" dirty="0"/>
+            </a:br>
+            <a:r>
+              <a:rPr lang="es-VE" sz="2800" b="1" dirty="0"/>
+              <a:t>4.1.1. Daño a la imagen divina</a:t>
+            </a:r>
+            <a:endParaRPr lang="es-VE" sz="6600" b="1" dirty="0"/>
+          </a:p>
+        </p:txBody>
+      </p:sp>
+      <p:sp>
+        <p:nvSpPr>
+          <p:cNvPr id="3" name="Marcador de contenido 2">
+            <a:extLst>
+              <a:ext uri="{FF2B5EF4-FFF2-40B4-BE49-F238E27FC236}">
+                <a16:creationId xmlns="" xmlns:a16="http://schemas.microsoft.com/office/drawing/2014/main" id="{AA130F57-7D31-4139-81B2-4D70486C00F2}"/>
+              </a:ext>
+            </a:extLst>
+          </p:cNvPr>
+          <p:cNvSpPr>
+            <a:spLocks noGrp="1"/>
+          </p:cNvSpPr>
+          <p:nvPr>
+            <p:ph idx="1"/>
+          </p:nvPr>
+        </p:nvSpPr>
+        <p:spPr>
+          <a:xfrm>
+            <a:off x="228600" y="1455576"/>
+            <a:ext cx="8686800" cy="3726025"/>
+          </a:xfrm>
+        </p:spPr>
+        <p:txBody>
+          <a:bodyPr anchor="ctr">
+            <a:noAutofit/>
+          </a:bodyPr>
+          <a:lstStyle/>
+          <a:p>
+            <a:pPr marL="0" indent="0">
+              <a:buNone/>
+            </a:pPr>
+            <a:r>
+              <a:rPr lang="es-VE" sz="2400" dirty="0"/>
+              <a:t>El hombre no perdió por completo la imagen divina, puesto que aún en su condición caída se le considera como criatura hecha a la imagen de Dios </a:t>
+            </a:r>
+            <a:r>
+              <a:rPr lang="es-VE" sz="2400" b="1" dirty="0" smtClean="0"/>
+              <a:t>[1]</a:t>
+            </a:r>
+            <a:r>
+              <a:rPr lang="es-VE" sz="2400" dirty="0" smtClean="0"/>
+              <a:t>. </a:t>
+            </a:r>
+            <a:r>
+              <a:rPr lang="es-VE" sz="2400" dirty="0"/>
+              <a:t>Pero aunque no se ha perdido por completo, la imagen divina en el hombre ha sido gravemente dañada</a:t>
+            </a:r>
+            <a:r>
+              <a:rPr lang="es-VE" sz="2400" dirty="0" smtClean="0"/>
+              <a:t>.</a:t>
+            </a:r>
+          </a:p>
+          <a:p>
+            <a:pPr marL="0" indent="0">
+              <a:buNone/>
+            </a:pPr>
+            <a:endParaRPr lang="es-VE" sz="2200" dirty="0"/>
+          </a:p>
+          <a:p>
+            <a:pPr marL="0" indent="0">
+              <a:buNone/>
+            </a:pPr>
+            <a:r>
+              <a:rPr lang="es-VE" sz="2200" dirty="0" smtClean="0"/>
+              <a:t>El </a:t>
+            </a:r>
+            <a:r>
+              <a:rPr lang="es-VE" sz="2200" dirty="0"/>
+              <a:t>Señor Jesucristo vino al mundo para hacer posible para el hombre el reconquistar la imagen divina, al ser recreado en la imagen de Dios </a:t>
+            </a:r>
+            <a:r>
+              <a:rPr lang="es-VE" sz="2200" b="1" dirty="0" smtClean="0"/>
+              <a:t>[2]</a:t>
+            </a:r>
+            <a:r>
+              <a:rPr lang="es-VE" sz="2200" dirty="0" smtClean="0"/>
+              <a:t>.</a:t>
+            </a:r>
+            <a:endParaRPr lang="es-VE" sz="2200" dirty="0"/>
+          </a:p>
+        </p:txBody>
+      </p:sp>
+      <p:sp>
+        <p:nvSpPr>
+          <p:cNvPr id="4" name="Marcador de contenido 2">
+            <a:extLst>
+              <a:ext uri="{FF2B5EF4-FFF2-40B4-BE49-F238E27FC236}">
+                <a16:creationId xmlns="" xmlns:a16="http://schemas.microsoft.com/office/drawing/2014/main" id="{AD729BF5-40FC-4F23-B3BA-A58ACA0A56AD}"/>
+              </a:ext>
+            </a:extLst>
+          </p:cNvPr>
+          <p:cNvSpPr txBox="1">
+            <a:spLocks/>
+          </p:cNvSpPr>
+          <p:nvPr/>
+        </p:nvSpPr>
+        <p:spPr>
+          <a:xfrm>
+            <a:off x="228600" y="5325035"/>
+            <a:ext cx="8686800" cy="342775"/>
+          </a:xfrm>
+          <a:prstGeom prst="rect">
+            <a:avLst/>
+          </a:prstGeom>
+        </p:spPr>
+        <p:txBody>
+          <a:bodyPr vert="horz" lIns="91440" tIns="45720" rIns="91440" bIns="45720" rtlCol="0" anchor="ctr">
+            <a:normAutofit/>
+          </a:bodyPr>
+          <a:lstStyle>
+            <a:lvl1pPr marL="171446" indent="-171446" algn="l" defTabSz="685783" rtl="0" eaLnBrk="1" latinLnBrk="0" hangingPunct="1">
+              <a:lnSpc>
+                <a:spcPct val="90000"/>
+              </a:lnSpc>
+              <a:spcBef>
+                <a:spcPts val="751"/>
+              </a:spcBef>
+              <a:buFont typeface="Arial" panose="020B0604020202020204" pitchFamily="34" charset="0"/>
+              <a:buChar char="•"/>
+              <a:defRPr sz="2100" kern="1200">
+                <a:solidFill>
+                  <a:schemeClr val="tx1"/>
+                </a:solidFill>
+                <a:latin typeface="+mn-lt"/>
+                <a:ea typeface="+mn-ea"/>
+                <a:cs typeface="+mn-cs"/>
+              </a:defRPr>
+            </a:lvl1pPr>
+            <a:lvl2pPr marL="514338" indent="-171446" algn="l" defTabSz="685783" rtl="0" eaLnBrk="1" latinLnBrk="0" hangingPunct="1">
+              <a:lnSpc>
+                <a:spcPct val="90000"/>
+              </a:lnSpc>
+              <a:spcBef>
+                <a:spcPts val="375"/>
+              </a:spcBef>
+              <a:buFont typeface="Arial" panose="020B0604020202020204" pitchFamily="34" charset="0"/>
+              <a:buChar char="•"/>
+              <a:defRPr sz="1800" kern="1200">
+                <a:solidFill>
+                  <a:schemeClr val="tx1"/>
+                </a:solidFill>
+                <a:latin typeface="+mn-lt"/>
+                <a:ea typeface="+mn-ea"/>
+                <a:cs typeface="+mn-cs"/>
+              </a:defRPr>
+            </a:lvl2pPr>
+            <a:lvl3pPr marL="857229" indent="-171446" algn="l" defTabSz="685783" rtl="0" eaLnBrk="1" latinLnBrk="0" hangingPunct="1">
+              <a:lnSpc>
+                <a:spcPct val="90000"/>
+              </a:lnSpc>
+              <a:spcBef>
+                <a:spcPts val="375"/>
+              </a:spcBef>
+              <a:buFont typeface="Arial" panose="020B0604020202020204" pitchFamily="34" charset="0"/>
+              <a:buChar char="•"/>
+              <a:defRPr sz="1500" kern="1200">
+                <a:solidFill>
+                  <a:schemeClr val="tx1"/>
+                </a:solidFill>
+                <a:latin typeface="+mn-lt"/>
+                <a:ea typeface="+mn-ea"/>
+                <a:cs typeface="+mn-cs"/>
+              </a:defRPr>
+            </a:lvl3pPr>
+            <a:lvl4pPr marL="1200121" indent="-171446" algn="l" defTabSz="685783" rtl="0" eaLnBrk="1" latinLnBrk="0" hangingPunct="1">
+              <a:lnSpc>
+                <a:spcPct val="90000"/>
+              </a:lnSpc>
+              <a:spcBef>
+                <a:spcPts val="375"/>
+              </a:spcBef>
+              <a:buFont typeface="Arial" panose="020B0604020202020204" pitchFamily="34" charset="0"/>
+              <a:buChar char="•"/>
+              <a:defRPr sz="1351" kern="1200">
+                <a:solidFill>
+                  <a:schemeClr val="tx1"/>
+                </a:solidFill>
+                <a:latin typeface="+mn-lt"/>
+                <a:ea typeface="+mn-ea"/>
+                <a:cs typeface="+mn-cs"/>
+              </a:defRPr>
+            </a:lvl4pPr>
+            <a:lvl5pPr marL="1543012" indent="-171446" algn="l" defTabSz="685783" rtl="0" eaLnBrk="1" latinLnBrk="0" hangingPunct="1">
+              <a:lnSpc>
+                <a:spcPct val="90000"/>
+              </a:lnSpc>
+              <a:spcBef>
+                <a:spcPts val="375"/>
+              </a:spcBef>
+              <a:buFont typeface="Arial" panose="020B0604020202020204" pitchFamily="34" charset="0"/>
+              <a:buChar char="•"/>
+              <a:defRPr sz="1351" kern="1200">
+                <a:solidFill>
+                  <a:schemeClr val="tx1"/>
+                </a:solidFill>
+                <a:latin typeface="+mn-lt"/>
+                <a:ea typeface="+mn-ea"/>
+                <a:cs typeface="+mn-cs"/>
+              </a:defRPr>
+            </a:lvl5pPr>
+            <a:lvl6pPr marL="1885904" indent="-171446" algn="l" defTabSz="685783" rtl="0" eaLnBrk="1" latinLnBrk="0" hangingPunct="1">
+              <a:lnSpc>
+                <a:spcPct val="90000"/>
+              </a:lnSpc>
+              <a:spcBef>
+                <a:spcPts val="375"/>
+              </a:spcBef>
+              <a:buFont typeface="Arial" panose="020B0604020202020204" pitchFamily="34" charset="0"/>
+              <a:buChar char="•"/>
+              <a:defRPr sz="1351" kern="1200">
+                <a:solidFill>
+                  <a:schemeClr val="tx1"/>
+                </a:solidFill>
+                <a:latin typeface="+mn-lt"/>
+                <a:ea typeface="+mn-ea"/>
+                <a:cs typeface="+mn-cs"/>
+              </a:defRPr>
+            </a:lvl6pPr>
+            <a:lvl7pPr marL="2228795" indent="-171446" algn="l" defTabSz="685783" rtl="0" eaLnBrk="1" latinLnBrk="0" hangingPunct="1">
+              <a:lnSpc>
+                <a:spcPct val="90000"/>
+              </a:lnSpc>
+              <a:spcBef>
+                <a:spcPts val="375"/>
+              </a:spcBef>
+              <a:buFont typeface="Arial" panose="020B0604020202020204" pitchFamily="34" charset="0"/>
+              <a:buChar char="•"/>
+              <a:defRPr sz="1351" kern="1200">
+                <a:solidFill>
+                  <a:schemeClr val="tx1"/>
+                </a:solidFill>
+                <a:latin typeface="+mn-lt"/>
+                <a:ea typeface="+mn-ea"/>
+                <a:cs typeface="+mn-cs"/>
+              </a:defRPr>
+            </a:lvl7pPr>
+            <a:lvl8pPr marL="2571686" indent="-171446" algn="l" defTabSz="685783" rtl="0" eaLnBrk="1" latinLnBrk="0" hangingPunct="1">
+              <a:lnSpc>
+                <a:spcPct val="90000"/>
+              </a:lnSpc>
+              <a:spcBef>
+                <a:spcPts val="375"/>
+              </a:spcBef>
+              <a:buFont typeface="Arial" panose="020B0604020202020204" pitchFamily="34" charset="0"/>
+              <a:buChar char="•"/>
+              <a:defRPr sz="1351" kern="1200">
+                <a:solidFill>
+                  <a:schemeClr val="tx1"/>
+                </a:solidFill>
+                <a:latin typeface="+mn-lt"/>
+                <a:ea typeface="+mn-ea"/>
+                <a:cs typeface="+mn-cs"/>
+              </a:defRPr>
+            </a:lvl8pPr>
+            <a:lvl9pPr marL="2914578" indent="-171446" algn="l" defTabSz="685783" rtl="0" eaLnBrk="1" latinLnBrk="0" hangingPunct="1">
+              <a:lnSpc>
+                <a:spcPct val="90000"/>
+              </a:lnSpc>
+              <a:spcBef>
+                <a:spcPts val="375"/>
+              </a:spcBef>
+              <a:buFont typeface="Arial" panose="020B0604020202020204" pitchFamily="34" charset="0"/>
+              <a:buChar char="•"/>
+              <a:defRPr sz="1351" kern="1200">
+                <a:solidFill>
+                  <a:schemeClr val="tx1"/>
+                </a:solidFill>
+                <a:latin typeface="+mn-lt"/>
+                <a:ea typeface="+mn-ea"/>
+                <a:cs typeface="+mn-cs"/>
+              </a:defRPr>
+            </a:lvl9pPr>
+          </a:lstStyle>
+          <a:p>
+            <a:pPr marL="0" indent="0" algn="r">
+              <a:buNone/>
+            </a:pPr>
+            <a:r>
+              <a:rPr lang="es-VE" sz="1800" b="1" dirty="0">
+                <a:solidFill>
+                  <a:prstClr val="white"/>
+                </a:solidFill>
+              </a:rPr>
+              <a:t>[1]</a:t>
+            </a:r>
+            <a:r>
+              <a:rPr lang="es-VE" sz="1800" dirty="0">
+                <a:solidFill>
+                  <a:prstClr val="white"/>
+                </a:solidFill>
+              </a:rPr>
+              <a:t> </a:t>
+            </a:r>
+            <a:r>
+              <a:rPr lang="es-VE" sz="1800" dirty="0" err="1" smtClean="0">
+                <a:solidFill>
+                  <a:prstClr val="white"/>
+                </a:solidFill>
+              </a:rPr>
+              <a:t>Gén</a:t>
+            </a:r>
+            <a:r>
+              <a:rPr lang="es-VE" sz="1800" dirty="0" smtClean="0">
+                <a:solidFill>
+                  <a:prstClr val="white"/>
+                </a:solidFill>
+              </a:rPr>
+              <a:t> 9:6</a:t>
+            </a:r>
+            <a:r>
+              <a:rPr lang="es-VE" sz="1800" dirty="0">
+                <a:solidFill>
+                  <a:prstClr val="white"/>
+                </a:solidFill>
+              </a:rPr>
+              <a:t>; </a:t>
+            </a:r>
+            <a:r>
+              <a:rPr lang="es-VE" sz="1800" dirty="0" err="1" smtClean="0">
+                <a:solidFill>
+                  <a:prstClr val="white"/>
+                </a:solidFill>
+              </a:rPr>
+              <a:t>Stg</a:t>
+            </a:r>
+            <a:r>
+              <a:rPr lang="es-VE" sz="1800" dirty="0" smtClean="0">
+                <a:solidFill>
+                  <a:prstClr val="white"/>
+                </a:solidFill>
+              </a:rPr>
+              <a:t> 3:9 </a:t>
+            </a:r>
+            <a:r>
+              <a:rPr lang="es-VE" sz="1800" b="1" dirty="0" smtClean="0">
+                <a:solidFill>
+                  <a:prstClr val="white"/>
+                </a:solidFill>
+              </a:rPr>
+              <a:t>[2] </a:t>
+            </a:r>
+            <a:r>
+              <a:rPr lang="es-VE" sz="1800" dirty="0" smtClean="0"/>
+              <a:t>Col 3:10</a:t>
+            </a:r>
+            <a:endParaRPr lang="es-VE" sz="1800" b="1" dirty="0">
+              <a:solidFill>
+                <a:prstClr val="white"/>
+              </a:solidFill>
+            </a:endParaRPr>
+          </a:p>
+        </p:txBody>
+      </p:sp>
+      <p:sp>
+        <p:nvSpPr>
+          <p:cNvPr id="5" name="Marcador de contenido 2">
+            <a:extLst>
+              <a:ext uri="{FF2B5EF4-FFF2-40B4-BE49-F238E27FC236}">
+                <a16:creationId xmlns="" xmlns:a16="http://schemas.microsoft.com/office/drawing/2014/main" id="{1FF0983A-E18D-4B43-AE5B-6B835BABD33A}"/>
+              </a:ext>
+            </a:extLst>
+          </p:cNvPr>
+          <p:cNvSpPr txBox="1">
+            <a:spLocks/>
+          </p:cNvSpPr>
+          <p:nvPr/>
+        </p:nvSpPr>
+        <p:spPr>
+          <a:xfrm>
+            <a:off x="228600" y="5181601"/>
+            <a:ext cx="8686800" cy="486210"/>
+          </a:xfrm>
+          <a:prstGeom prst="rect">
+            <a:avLst/>
+          </a:prstGeom>
+        </p:spPr>
+        <p:txBody>
+          <a:bodyPr vert="horz" lIns="91440" tIns="45720" rIns="91440" bIns="45720" rtlCol="0" anchor="ctr">
+            <a:normAutofit/>
+          </a:bodyPr>
+          <a:lstStyle>
+            <a:lvl1pPr marL="171446" indent="-171446" algn="l" defTabSz="685783" rtl="0" eaLnBrk="1" latinLnBrk="0" hangingPunct="1">
+              <a:lnSpc>
+                <a:spcPct val="90000"/>
+              </a:lnSpc>
+              <a:spcBef>
+                <a:spcPts val="751"/>
+              </a:spcBef>
+              <a:buFont typeface="Arial" panose="020B0604020202020204" pitchFamily="34" charset="0"/>
+              <a:buChar char="•"/>
+              <a:defRPr sz="2100" kern="1200">
+                <a:solidFill>
+                  <a:schemeClr val="tx1"/>
+                </a:solidFill>
+                <a:latin typeface="+mn-lt"/>
+                <a:ea typeface="+mn-ea"/>
+                <a:cs typeface="+mn-cs"/>
+              </a:defRPr>
+            </a:lvl1pPr>
+            <a:lvl2pPr marL="514338" indent="-171446" algn="l" defTabSz="685783" rtl="0" eaLnBrk="1" latinLnBrk="0" hangingPunct="1">
+              <a:lnSpc>
+                <a:spcPct val="90000"/>
+              </a:lnSpc>
+              <a:spcBef>
+                <a:spcPts val="375"/>
+              </a:spcBef>
+              <a:buFont typeface="Arial" panose="020B0604020202020204" pitchFamily="34" charset="0"/>
+              <a:buChar char="•"/>
+              <a:defRPr sz="1800" kern="1200">
+                <a:solidFill>
+                  <a:schemeClr val="tx1"/>
+                </a:solidFill>
+                <a:latin typeface="+mn-lt"/>
+                <a:ea typeface="+mn-ea"/>
+                <a:cs typeface="+mn-cs"/>
+              </a:defRPr>
+            </a:lvl2pPr>
+            <a:lvl3pPr marL="857229" indent="-171446" algn="l" defTabSz="685783" rtl="0" eaLnBrk="1" latinLnBrk="0" hangingPunct="1">
+              <a:lnSpc>
+                <a:spcPct val="90000"/>
+              </a:lnSpc>
+              <a:spcBef>
+                <a:spcPts val="375"/>
+              </a:spcBef>
+              <a:buFont typeface="Arial" panose="020B0604020202020204" pitchFamily="34" charset="0"/>
+              <a:buChar char="•"/>
+              <a:defRPr sz="1500" kern="1200">
+                <a:solidFill>
+                  <a:schemeClr val="tx1"/>
+                </a:solidFill>
+                <a:latin typeface="+mn-lt"/>
+                <a:ea typeface="+mn-ea"/>
+                <a:cs typeface="+mn-cs"/>
+              </a:defRPr>
+            </a:lvl3pPr>
+            <a:lvl4pPr marL="1200121" indent="-171446" algn="l" defTabSz="685783" rtl="0" eaLnBrk="1" latinLnBrk="0" hangingPunct="1">
+              <a:lnSpc>
+                <a:spcPct val="90000"/>
+              </a:lnSpc>
+              <a:spcBef>
+                <a:spcPts val="375"/>
+              </a:spcBef>
+              <a:buFont typeface="Arial" panose="020B0604020202020204" pitchFamily="34" charset="0"/>
+              <a:buChar char="•"/>
+              <a:defRPr sz="1351" kern="1200">
+                <a:solidFill>
+                  <a:schemeClr val="tx1"/>
+                </a:solidFill>
+                <a:latin typeface="+mn-lt"/>
+                <a:ea typeface="+mn-ea"/>
+                <a:cs typeface="+mn-cs"/>
+              </a:defRPr>
+            </a:lvl4pPr>
+            <a:lvl5pPr marL="1543012" indent="-171446" algn="l" defTabSz="685783" rtl="0" eaLnBrk="1" latinLnBrk="0" hangingPunct="1">
+              <a:lnSpc>
+                <a:spcPct val="90000"/>
+              </a:lnSpc>
+              <a:spcBef>
+                <a:spcPts val="375"/>
+              </a:spcBef>
+              <a:buFont typeface="Arial" panose="020B0604020202020204" pitchFamily="34" charset="0"/>
+              <a:buChar char="•"/>
+              <a:defRPr sz="1351" kern="1200">
+                <a:solidFill>
+                  <a:schemeClr val="tx1"/>
+                </a:solidFill>
+                <a:latin typeface="+mn-lt"/>
+                <a:ea typeface="+mn-ea"/>
+                <a:cs typeface="+mn-cs"/>
+              </a:defRPr>
+            </a:lvl5pPr>
+            <a:lvl6pPr marL="1885904" indent="-171446" algn="l" defTabSz="685783" rtl="0" eaLnBrk="1" latinLnBrk="0" hangingPunct="1">
+              <a:lnSpc>
+                <a:spcPct val="90000"/>
+              </a:lnSpc>
+              <a:spcBef>
+                <a:spcPts val="375"/>
+              </a:spcBef>
+              <a:buFont typeface="Arial" panose="020B0604020202020204" pitchFamily="34" charset="0"/>
+              <a:buChar char="•"/>
+              <a:defRPr sz="1351" kern="1200">
+                <a:solidFill>
+                  <a:schemeClr val="tx1"/>
+                </a:solidFill>
+                <a:latin typeface="+mn-lt"/>
+                <a:ea typeface="+mn-ea"/>
+                <a:cs typeface="+mn-cs"/>
+              </a:defRPr>
+            </a:lvl6pPr>
+            <a:lvl7pPr marL="2228795" indent="-171446" algn="l" defTabSz="685783" rtl="0" eaLnBrk="1" latinLnBrk="0" hangingPunct="1">
+              <a:lnSpc>
+                <a:spcPct val="90000"/>
+              </a:lnSpc>
+              <a:spcBef>
+                <a:spcPts val="375"/>
+              </a:spcBef>
+              <a:buFont typeface="Arial" panose="020B0604020202020204" pitchFamily="34" charset="0"/>
+              <a:buChar char="•"/>
+              <a:defRPr sz="1351" kern="1200">
+                <a:solidFill>
+                  <a:schemeClr val="tx1"/>
+                </a:solidFill>
+                <a:latin typeface="+mn-lt"/>
+                <a:ea typeface="+mn-ea"/>
+                <a:cs typeface="+mn-cs"/>
+              </a:defRPr>
+            </a:lvl7pPr>
+            <a:lvl8pPr marL="2571686" indent="-171446" algn="l" defTabSz="685783" rtl="0" eaLnBrk="1" latinLnBrk="0" hangingPunct="1">
+              <a:lnSpc>
+                <a:spcPct val="90000"/>
+              </a:lnSpc>
+              <a:spcBef>
+                <a:spcPts val="375"/>
+              </a:spcBef>
+              <a:buFont typeface="Arial" panose="020B0604020202020204" pitchFamily="34" charset="0"/>
+              <a:buChar char="•"/>
+              <a:defRPr sz="1351" kern="1200">
+                <a:solidFill>
+                  <a:schemeClr val="tx1"/>
+                </a:solidFill>
+                <a:latin typeface="+mn-lt"/>
+                <a:ea typeface="+mn-ea"/>
+                <a:cs typeface="+mn-cs"/>
+              </a:defRPr>
+            </a:lvl8pPr>
+            <a:lvl9pPr marL="2914578" indent="-171446" algn="l" defTabSz="685783" rtl="0" eaLnBrk="1" latinLnBrk="0" hangingPunct="1">
+              <a:lnSpc>
+                <a:spcPct val="90000"/>
+              </a:lnSpc>
+              <a:spcBef>
+                <a:spcPts val="375"/>
+              </a:spcBef>
+              <a:buFont typeface="Arial" panose="020B0604020202020204" pitchFamily="34" charset="0"/>
+              <a:buChar char="•"/>
+              <a:defRPr sz="1351" kern="1200">
+                <a:solidFill>
+                  <a:schemeClr val="tx1"/>
+                </a:solidFill>
+                <a:latin typeface="+mn-lt"/>
+                <a:ea typeface="+mn-ea"/>
+                <a:cs typeface="+mn-cs"/>
+              </a:defRPr>
+            </a:lvl9pPr>
+          </a:lstStyle>
+          <a:p>
+            <a:pPr marL="0" indent="0" algn="r">
+              <a:buFont typeface="Arial" panose="020B0604020202020204" pitchFamily="34" charset="0"/>
+              <a:buNone/>
+            </a:pPr>
+            <a:endParaRPr lang="es-VE" sz="1800" dirty="0">
+              <a:solidFill>
+                <a:prstClr val="white"/>
+              </a:solidFill>
+            </a:endParaRPr>
+          </a:p>
+        </p:txBody>
+      </p:sp>
+    </p:spTree>
+    <p:extLst>
+      <p:ext uri="{BB962C8B-B14F-4D97-AF65-F5344CB8AC3E}">
+        <p14:creationId xmlns:p14="http://schemas.microsoft.com/office/powerpoint/2010/main" val="215679390"/>
+      </p:ext>
+    </p:extLst>
+  </p:cSld>
+  <p:clrMapOvr>
+    <a:masterClrMapping/>
+  </p:clrMapOvr>
+  <p:timing>
+    <p:tnLst>
+      <p:par>
+        <p:cTn id="1" dur="indefinite" restart="never" nodeType="tmRoot"/>
+      </p:par>
+    </p:tnLst>
+  </p:timing>
+</p:sld>
+</file>
+
+<file path=ppt/slides/slide21.xml><?xml version="1.0" encoding="utf-8"?>
+<p:sld xmlns:a="http://schemas.openxmlformats.org/drawingml/2006/main" xmlns:r="http://schemas.openxmlformats.org/officeDocument/2006/relationships" xmlns:p="http://schemas.openxmlformats.org/presentationml/2006/main">
+  <p:cSld>
+    <p:bg>
+      <p:bgPr>
+        <a:gradFill>
+          <a:gsLst>
+            <a:gs pos="0">
+              <a:srgbClr val="D6B19C">
+                <a:lumMod val="77000"/>
+              </a:srgbClr>
+            </a:gs>
+            <a:gs pos="30000">
+              <a:srgbClr val="D49E6C">
+                <a:lumMod val="80000"/>
+              </a:srgbClr>
+            </a:gs>
+            <a:gs pos="70000">
+              <a:srgbClr val="A65528"/>
+            </a:gs>
+            <a:gs pos="100000">
+              <a:srgbClr val="663012"/>
+            </a:gs>
+          </a:gsLst>
+          <a:lin ang="5400000" scaled="0"/>
+        </a:gradFill>
+        <a:effectLst/>
+      </p:bgPr>
+    </p:bg>
+    <p:spTree>
+      <p:nvGrpSpPr>
+        <p:cNvPr id="1" name=""/>
+        <p:cNvGrpSpPr/>
+        <p:nvPr/>
+      </p:nvGrpSpPr>
+      <p:grpSpPr>
+        <a:xfrm>
+          <a:off x="0" y="0"/>
+          <a:ext cx="0" cy="0"/>
+          <a:chOff x="0" y="0"/>
+          <a:chExt cx="0" cy="0"/>
+        </a:xfrm>
+      </p:grpSpPr>
+      <p:sp>
+        <p:nvSpPr>
+          <p:cNvPr id="2" name="Título 1">
+            <a:extLst>
+              <a:ext uri="{FF2B5EF4-FFF2-40B4-BE49-F238E27FC236}">
+                <a16:creationId xmlns="" xmlns:a16="http://schemas.microsoft.com/office/drawing/2014/main" id="{C65A0631-47E2-4854-94DA-DD27A379FEF1}"/>
+              </a:ext>
+            </a:extLst>
+          </p:cNvPr>
+          <p:cNvSpPr>
+            <a:spLocks noGrp="1"/>
+          </p:cNvSpPr>
+          <p:nvPr>
+            <p:ph type="title"/>
+          </p:nvPr>
+        </p:nvSpPr>
+        <p:spPr>
+          <a:xfrm>
+            <a:off x="228600" y="47144"/>
+            <a:ext cx="8686800" cy="1333787"/>
+          </a:xfrm>
+        </p:spPr>
+        <p:txBody>
+          <a:bodyPr anchor="ctr">
+            <a:normAutofit fontScale="90000"/>
+          </a:bodyPr>
+          <a:lstStyle/>
+          <a:p>
+            <a:r>
+              <a:rPr lang="es-VE" sz="4900" b="1" dirty="0" smtClean="0"/>
+              <a:t>3. LAS CONSECUENCIAS DEL PECADO</a:t>
+            </a:r>
+            <a:r>
+              <a:rPr lang="es-VE" sz="5400" b="1" dirty="0" smtClean="0"/>
+              <a:t/>
+            </a:r>
+            <a:br>
+              <a:rPr lang="es-VE" sz="5400" b="1" dirty="0" smtClean="0"/>
+            </a:br>
+            <a:r>
+              <a:rPr lang="es-VE" sz="2800" b="1" dirty="0"/>
+              <a:t>4.1. Debilidad </a:t>
+            </a:r>
+            <a:r>
+              <a:rPr lang="es-VE" sz="2800" b="1" dirty="0" smtClean="0"/>
+              <a:t>espiritual</a:t>
+            </a:r>
+            <a:r>
+              <a:rPr lang="es-VE" sz="2800" b="1" dirty="0"/>
+              <a:t/>
+            </a:r>
+            <a:br>
+              <a:rPr lang="es-VE" sz="2800" b="1" dirty="0"/>
+            </a:br>
+            <a:r>
+              <a:rPr lang="es-VE" sz="2800" b="1" dirty="0"/>
+              <a:t>4.1.2. Pecado original</a:t>
+            </a:r>
+            <a:endParaRPr lang="es-VE" sz="6600" b="1" dirty="0"/>
+          </a:p>
+        </p:txBody>
+      </p:sp>
+      <p:sp>
+        <p:nvSpPr>
+          <p:cNvPr id="3" name="Marcador de contenido 2">
+            <a:extLst>
+              <a:ext uri="{FF2B5EF4-FFF2-40B4-BE49-F238E27FC236}">
+                <a16:creationId xmlns="" xmlns:a16="http://schemas.microsoft.com/office/drawing/2014/main" id="{AA130F57-7D31-4139-81B2-4D70486C00F2}"/>
+              </a:ext>
+            </a:extLst>
+          </p:cNvPr>
+          <p:cNvSpPr>
+            <a:spLocks noGrp="1"/>
+          </p:cNvSpPr>
+          <p:nvPr>
+            <p:ph idx="1"/>
+          </p:nvPr>
+        </p:nvSpPr>
+        <p:spPr>
+          <a:xfrm>
+            <a:off x="228600" y="1455576"/>
+            <a:ext cx="8686800" cy="3726025"/>
+          </a:xfrm>
+        </p:spPr>
+        <p:txBody>
+          <a:bodyPr anchor="ctr">
+            <a:noAutofit/>
+          </a:bodyPr>
+          <a:lstStyle/>
+          <a:p>
+            <a:pPr marL="0" indent="0">
+              <a:buNone/>
+            </a:pPr>
+            <a:r>
+              <a:rPr lang="es-VE" sz="2400" dirty="0"/>
+              <a:t>El efecto de la caída estaba tan arraigado en la naturaleza del hombre, que Adán, el padre de la raza, trasmitió a sus descendientes una tendencia o inclinación a pecar </a:t>
+            </a:r>
+            <a:r>
+              <a:rPr lang="es-VE" sz="2400" b="1" dirty="0" smtClean="0"/>
+              <a:t>[1]</a:t>
+            </a:r>
+            <a:r>
+              <a:rPr lang="es-VE" sz="2400" dirty="0" smtClean="0"/>
+              <a:t>. </a:t>
+            </a:r>
+            <a:r>
+              <a:rPr lang="es-VE" sz="2400" dirty="0"/>
+              <a:t>Esta desventaja espiritual y moral bajo la cual todos los hombres nacen se conoce con el nombre de pecado </a:t>
+            </a:r>
+            <a:r>
+              <a:rPr lang="es-VE" sz="2400" dirty="0" smtClean="0"/>
+              <a:t>original.</a:t>
+            </a:r>
+          </a:p>
+          <a:p>
+            <a:pPr marL="0" indent="0">
+              <a:buNone/>
+            </a:pPr>
+            <a:endParaRPr lang="es-VE" sz="2400" dirty="0"/>
+          </a:p>
+          <a:p>
+            <a:pPr marL="0" indent="0">
+              <a:buNone/>
+            </a:pPr>
+            <a:r>
+              <a:rPr lang="es-VE" sz="2400" dirty="0" smtClean="0"/>
+              <a:t>Los </a:t>
+            </a:r>
+            <a:r>
+              <a:rPr lang="es-VE" sz="2400" dirty="0"/>
+              <a:t>actos o acciones de pecado que siguen durante la edad de la razón se denominan pecado actual o voluntario. Cristo, el segundo Adán, vino a este mundo para librarnos de todos los efectos de la caída </a:t>
+            </a:r>
+            <a:r>
+              <a:rPr lang="es-VE" sz="2400" b="1" dirty="0" smtClean="0"/>
+              <a:t>[2]</a:t>
+            </a:r>
+            <a:r>
+              <a:rPr lang="es-VE" sz="2400" dirty="0" smtClean="0"/>
+              <a:t>.</a:t>
+            </a:r>
+            <a:endParaRPr lang="es-VE" sz="2200" dirty="0"/>
+          </a:p>
+        </p:txBody>
+      </p:sp>
+      <p:sp>
+        <p:nvSpPr>
+          <p:cNvPr id="4" name="Marcador de contenido 2">
+            <a:extLst>
+              <a:ext uri="{FF2B5EF4-FFF2-40B4-BE49-F238E27FC236}">
+                <a16:creationId xmlns="" xmlns:a16="http://schemas.microsoft.com/office/drawing/2014/main" id="{AD729BF5-40FC-4F23-B3BA-A58ACA0A56AD}"/>
+              </a:ext>
+            </a:extLst>
+          </p:cNvPr>
+          <p:cNvSpPr txBox="1">
+            <a:spLocks/>
+          </p:cNvSpPr>
+          <p:nvPr/>
+        </p:nvSpPr>
+        <p:spPr>
+          <a:xfrm>
+            <a:off x="228600" y="5325035"/>
+            <a:ext cx="8686800" cy="342775"/>
+          </a:xfrm>
+          <a:prstGeom prst="rect">
+            <a:avLst/>
+          </a:prstGeom>
+        </p:spPr>
+        <p:txBody>
+          <a:bodyPr vert="horz" lIns="91440" tIns="45720" rIns="91440" bIns="45720" rtlCol="0" anchor="ctr">
+            <a:normAutofit/>
+          </a:bodyPr>
+          <a:lstStyle>
+            <a:lvl1pPr marL="171446" indent="-171446" algn="l" defTabSz="685783" rtl="0" eaLnBrk="1" latinLnBrk="0" hangingPunct="1">
+              <a:lnSpc>
+                <a:spcPct val="90000"/>
+              </a:lnSpc>
+              <a:spcBef>
+                <a:spcPts val="751"/>
+              </a:spcBef>
+              <a:buFont typeface="Arial" panose="020B0604020202020204" pitchFamily="34" charset="0"/>
+              <a:buChar char="•"/>
+              <a:defRPr sz="2100" kern="1200">
+                <a:solidFill>
+                  <a:schemeClr val="tx1"/>
+                </a:solidFill>
+                <a:latin typeface="+mn-lt"/>
+                <a:ea typeface="+mn-ea"/>
+                <a:cs typeface="+mn-cs"/>
+              </a:defRPr>
+            </a:lvl1pPr>
+            <a:lvl2pPr marL="514338" indent="-171446" algn="l" defTabSz="685783" rtl="0" eaLnBrk="1" latinLnBrk="0" hangingPunct="1">
+              <a:lnSpc>
+                <a:spcPct val="90000"/>
+              </a:lnSpc>
+              <a:spcBef>
+                <a:spcPts val="375"/>
+              </a:spcBef>
+              <a:buFont typeface="Arial" panose="020B0604020202020204" pitchFamily="34" charset="0"/>
+              <a:buChar char="•"/>
+              <a:defRPr sz="1800" kern="1200">
+                <a:solidFill>
+                  <a:schemeClr val="tx1"/>
+                </a:solidFill>
+                <a:latin typeface="+mn-lt"/>
+                <a:ea typeface="+mn-ea"/>
+                <a:cs typeface="+mn-cs"/>
+              </a:defRPr>
+            </a:lvl2pPr>
+            <a:lvl3pPr marL="857229" indent="-171446" algn="l" defTabSz="685783" rtl="0" eaLnBrk="1" latinLnBrk="0" hangingPunct="1">
+              <a:lnSpc>
+                <a:spcPct val="90000"/>
+              </a:lnSpc>
+              <a:spcBef>
+                <a:spcPts val="375"/>
+              </a:spcBef>
+              <a:buFont typeface="Arial" panose="020B0604020202020204" pitchFamily="34" charset="0"/>
+              <a:buChar char="•"/>
+              <a:defRPr sz="1500" kern="1200">
+                <a:solidFill>
+                  <a:schemeClr val="tx1"/>
+                </a:solidFill>
+                <a:latin typeface="+mn-lt"/>
+                <a:ea typeface="+mn-ea"/>
+                <a:cs typeface="+mn-cs"/>
+              </a:defRPr>
+            </a:lvl3pPr>
+            <a:lvl4pPr marL="1200121" indent="-171446" algn="l" defTabSz="685783" rtl="0" eaLnBrk="1" latinLnBrk="0" hangingPunct="1">
+              <a:lnSpc>
+                <a:spcPct val="90000"/>
+              </a:lnSpc>
+              <a:spcBef>
+                <a:spcPts val="375"/>
+              </a:spcBef>
+              <a:buFont typeface="Arial" panose="020B0604020202020204" pitchFamily="34" charset="0"/>
+              <a:buChar char="•"/>
+              <a:defRPr sz="1351" kern="1200">
+                <a:solidFill>
+                  <a:schemeClr val="tx1"/>
+                </a:solidFill>
+                <a:latin typeface="+mn-lt"/>
+                <a:ea typeface="+mn-ea"/>
+                <a:cs typeface="+mn-cs"/>
+              </a:defRPr>
+            </a:lvl4pPr>
+            <a:lvl5pPr marL="1543012" indent="-171446" algn="l" defTabSz="685783" rtl="0" eaLnBrk="1" latinLnBrk="0" hangingPunct="1">
+              <a:lnSpc>
+                <a:spcPct val="90000"/>
+              </a:lnSpc>
+              <a:spcBef>
+                <a:spcPts val="375"/>
+              </a:spcBef>
+              <a:buFont typeface="Arial" panose="020B0604020202020204" pitchFamily="34" charset="0"/>
+              <a:buChar char="•"/>
+              <a:defRPr sz="1351" kern="1200">
+                <a:solidFill>
+                  <a:schemeClr val="tx1"/>
+                </a:solidFill>
+                <a:latin typeface="+mn-lt"/>
+                <a:ea typeface="+mn-ea"/>
+                <a:cs typeface="+mn-cs"/>
+              </a:defRPr>
+            </a:lvl5pPr>
+            <a:lvl6pPr marL="1885904" indent="-171446" algn="l" defTabSz="685783" rtl="0" eaLnBrk="1" latinLnBrk="0" hangingPunct="1">
+              <a:lnSpc>
+                <a:spcPct val="90000"/>
+              </a:lnSpc>
+              <a:spcBef>
+                <a:spcPts val="375"/>
+              </a:spcBef>
+              <a:buFont typeface="Arial" panose="020B0604020202020204" pitchFamily="34" charset="0"/>
+              <a:buChar char="•"/>
+              <a:defRPr sz="1351" kern="1200">
+                <a:solidFill>
+                  <a:schemeClr val="tx1"/>
+                </a:solidFill>
+                <a:latin typeface="+mn-lt"/>
+                <a:ea typeface="+mn-ea"/>
+                <a:cs typeface="+mn-cs"/>
+              </a:defRPr>
+            </a:lvl6pPr>
+            <a:lvl7pPr marL="2228795" indent="-171446" algn="l" defTabSz="685783" rtl="0" eaLnBrk="1" latinLnBrk="0" hangingPunct="1">
+              <a:lnSpc>
+                <a:spcPct val="90000"/>
+              </a:lnSpc>
+              <a:spcBef>
+                <a:spcPts val="375"/>
+              </a:spcBef>
+              <a:buFont typeface="Arial" panose="020B0604020202020204" pitchFamily="34" charset="0"/>
+              <a:buChar char="•"/>
+              <a:defRPr sz="1351" kern="1200">
+                <a:solidFill>
+                  <a:schemeClr val="tx1"/>
+                </a:solidFill>
+                <a:latin typeface="+mn-lt"/>
+                <a:ea typeface="+mn-ea"/>
+                <a:cs typeface="+mn-cs"/>
+              </a:defRPr>
+            </a:lvl7pPr>
+            <a:lvl8pPr marL="2571686" indent="-171446" algn="l" defTabSz="685783" rtl="0" eaLnBrk="1" latinLnBrk="0" hangingPunct="1">
+              <a:lnSpc>
+                <a:spcPct val="90000"/>
+              </a:lnSpc>
+              <a:spcBef>
+                <a:spcPts val="375"/>
+              </a:spcBef>
+              <a:buFont typeface="Arial" panose="020B0604020202020204" pitchFamily="34" charset="0"/>
+              <a:buChar char="•"/>
+              <a:defRPr sz="1351" kern="1200">
+                <a:solidFill>
+                  <a:schemeClr val="tx1"/>
+                </a:solidFill>
+                <a:latin typeface="+mn-lt"/>
+                <a:ea typeface="+mn-ea"/>
+                <a:cs typeface="+mn-cs"/>
+              </a:defRPr>
+            </a:lvl8pPr>
+            <a:lvl9pPr marL="2914578" indent="-171446" algn="l" defTabSz="685783" rtl="0" eaLnBrk="1" latinLnBrk="0" hangingPunct="1">
+              <a:lnSpc>
+                <a:spcPct val="90000"/>
+              </a:lnSpc>
+              <a:spcBef>
+                <a:spcPts val="375"/>
+              </a:spcBef>
+              <a:buFont typeface="Arial" panose="020B0604020202020204" pitchFamily="34" charset="0"/>
+              <a:buChar char="•"/>
+              <a:defRPr sz="1351" kern="1200">
+                <a:solidFill>
+                  <a:schemeClr val="tx1"/>
+                </a:solidFill>
+                <a:latin typeface="+mn-lt"/>
+                <a:ea typeface="+mn-ea"/>
+                <a:cs typeface="+mn-cs"/>
+              </a:defRPr>
+            </a:lvl9pPr>
+          </a:lstStyle>
+          <a:p>
+            <a:pPr marL="0" indent="0" algn="r">
+              <a:buNone/>
+            </a:pPr>
+            <a:r>
+              <a:rPr lang="es-VE" sz="1800" b="1" dirty="0">
+                <a:solidFill>
+                  <a:prstClr val="white"/>
+                </a:solidFill>
+              </a:rPr>
+              <a:t>[1]</a:t>
+            </a:r>
+            <a:r>
+              <a:rPr lang="es-VE" sz="1800" dirty="0">
+                <a:solidFill>
+                  <a:prstClr val="white"/>
+                </a:solidFill>
+              </a:rPr>
+              <a:t> </a:t>
+            </a:r>
+            <a:r>
+              <a:rPr lang="es-VE" sz="1800" dirty="0" smtClean="0"/>
+              <a:t>Sal 51:5</a:t>
+            </a:r>
+            <a:r>
+              <a:rPr lang="es-VE" sz="1800" dirty="0" smtClean="0">
+                <a:solidFill>
+                  <a:prstClr val="white"/>
+                </a:solidFill>
+              </a:rPr>
+              <a:t> </a:t>
+            </a:r>
+            <a:r>
+              <a:rPr lang="es-VE" sz="1800" b="1" dirty="0" smtClean="0">
+                <a:solidFill>
+                  <a:prstClr val="white"/>
+                </a:solidFill>
+              </a:rPr>
+              <a:t>[2] </a:t>
+            </a:r>
+            <a:r>
+              <a:rPr lang="es-VE" sz="1800" dirty="0" err="1" smtClean="0"/>
+              <a:t>Rom</a:t>
+            </a:r>
+            <a:r>
+              <a:rPr lang="es-VE" sz="1800" dirty="0" smtClean="0"/>
+              <a:t> 5:12-21</a:t>
+            </a:r>
+            <a:endParaRPr lang="es-VE" sz="1800" b="1" dirty="0">
+              <a:solidFill>
+                <a:prstClr val="white"/>
+              </a:solidFill>
+            </a:endParaRPr>
+          </a:p>
+        </p:txBody>
+      </p:sp>
+      <p:sp>
+        <p:nvSpPr>
+          <p:cNvPr id="5" name="Marcador de contenido 2">
+            <a:extLst>
+              <a:ext uri="{FF2B5EF4-FFF2-40B4-BE49-F238E27FC236}">
+                <a16:creationId xmlns="" xmlns:a16="http://schemas.microsoft.com/office/drawing/2014/main" id="{1FF0983A-E18D-4B43-AE5B-6B835BABD33A}"/>
+              </a:ext>
+            </a:extLst>
+          </p:cNvPr>
+          <p:cNvSpPr txBox="1">
+            <a:spLocks/>
+          </p:cNvSpPr>
+          <p:nvPr/>
+        </p:nvSpPr>
+        <p:spPr>
+          <a:xfrm>
+            <a:off x="228600" y="5181601"/>
+            <a:ext cx="8686800" cy="486210"/>
+          </a:xfrm>
+          <a:prstGeom prst="rect">
+            <a:avLst/>
+          </a:prstGeom>
+        </p:spPr>
+        <p:txBody>
+          <a:bodyPr vert="horz" lIns="91440" tIns="45720" rIns="91440" bIns="45720" rtlCol="0" anchor="ctr">
+            <a:normAutofit/>
+          </a:bodyPr>
+          <a:lstStyle>
+            <a:lvl1pPr marL="171446" indent="-171446" algn="l" defTabSz="685783" rtl="0" eaLnBrk="1" latinLnBrk="0" hangingPunct="1">
+              <a:lnSpc>
+                <a:spcPct val="90000"/>
+              </a:lnSpc>
+              <a:spcBef>
+                <a:spcPts val="751"/>
+              </a:spcBef>
+              <a:buFont typeface="Arial" panose="020B0604020202020204" pitchFamily="34" charset="0"/>
+              <a:buChar char="•"/>
+              <a:defRPr sz="2100" kern="1200">
+                <a:solidFill>
+                  <a:schemeClr val="tx1"/>
+                </a:solidFill>
+                <a:latin typeface="+mn-lt"/>
+                <a:ea typeface="+mn-ea"/>
+                <a:cs typeface="+mn-cs"/>
+              </a:defRPr>
+            </a:lvl1pPr>
+            <a:lvl2pPr marL="514338" indent="-171446" algn="l" defTabSz="685783" rtl="0" eaLnBrk="1" latinLnBrk="0" hangingPunct="1">
+              <a:lnSpc>
+                <a:spcPct val="90000"/>
+              </a:lnSpc>
+              <a:spcBef>
+                <a:spcPts val="375"/>
+              </a:spcBef>
+              <a:buFont typeface="Arial" panose="020B0604020202020204" pitchFamily="34" charset="0"/>
+              <a:buChar char="•"/>
+              <a:defRPr sz="1800" kern="1200">
+                <a:solidFill>
+                  <a:schemeClr val="tx1"/>
+                </a:solidFill>
+                <a:latin typeface="+mn-lt"/>
+                <a:ea typeface="+mn-ea"/>
+                <a:cs typeface="+mn-cs"/>
+              </a:defRPr>
+            </a:lvl2pPr>
+            <a:lvl3pPr marL="857229" indent="-171446" algn="l" defTabSz="685783" rtl="0" eaLnBrk="1" latinLnBrk="0" hangingPunct="1">
+              <a:lnSpc>
+                <a:spcPct val="90000"/>
+              </a:lnSpc>
+              <a:spcBef>
+                <a:spcPts val="375"/>
+              </a:spcBef>
+              <a:buFont typeface="Arial" panose="020B0604020202020204" pitchFamily="34" charset="0"/>
+              <a:buChar char="•"/>
+              <a:defRPr sz="1500" kern="1200">
+                <a:solidFill>
+                  <a:schemeClr val="tx1"/>
+                </a:solidFill>
+                <a:latin typeface="+mn-lt"/>
+                <a:ea typeface="+mn-ea"/>
+                <a:cs typeface="+mn-cs"/>
+              </a:defRPr>
+            </a:lvl3pPr>
+            <a:lvl4pPr marL="1200121" indent="-171446" algn="l" defTabSz="685783" rtl="0" eaLnBrk="1" latinLnBrk="0" hangingPunct="1">
+              <a:lnSpc>
+                <a:spcPct val="90000"/>
+              </a:lnSpc>
+              <a:spcBef>
+                <a:spcPts val="375"/>
+              </a:spcBef>
+              <a:buFont typeface="Arial" panose="020B0604020202020204" pitchFamily="34" charset="0"/>
+              <a:buChar char="•"/>
+              <a:defRPr sz="1351" kern="1200">
+                <a:solidFill>
+                  <a:schemeClr val="tx1"/>
+                </a:solidFill>
+                <a:latin typeface="+mn-lt"/>
+                <a:ea typeface="+mn-ea"/>
+                <a:cs typeface="+mn-cs"/>
+              </a:defRPr>
+            </a:lvl4pPr>
+            <a:lvl5pPr marL="1543012" indent="-171446" algn="l" defTabSz="685783" rtl="0" eaLnBrk="1" latinLnBrk="0" hangingPunct="1">
+              <a:lnSpc>
+                <a:spcPct val="90000"/>
+              </a:lnSpc>
+              <a:spcBef>
+                <a:spcPts val="375"/>
+              </a:spcBef>
+              <a:buFont typeface="Arial" panose="020B0604020202020204" pitchFamily="34" charset="0"/>
+              <a:buChar char="•"/>
+              <a:defRPr sz="1351" kern="1200">
+                <a:solidFill>
+                  <a:schemeClr val="tx1"/>
+                </a:solidFill>
+                <a:latin typeface="+mn-lt"/>
+                <a:ea typeface="+mn-ea"/>
+                <a:cs typeface="+mn-cs"/>
+              </a:defRPr>
+            </a:lvl5pPr>
+            <a:lvl6pPr marL="1885904" indent="-171446" algn="l" defTabSz="685783" rtl="0" eaLnBrk="1" latinLnBrk="0" hangingPunct="1">
+              <a:lnSpc>
+                <a:spcPct val="90000"/>
+              </a:lnSpc>
+              <a:spcBef>
+                <a:spcPts val="375"/>
+              </a:spcBef>
+              <a:buFont typeface="Arial" panose="020B0604020202020204" pitchFamily="34" charset="0"/>
+              <a:buChar char="•"/>
+              <a:defRPr sz="1351" kern="1200">
+                <a:solidFill>
+                  <a:schemeClr val="tx1"/>
+                </a:solidFill>
+                <a:latin typeface="+mn-lt"/>
+                <a:ea typeface="+mn-ea"/>
+                <a:cs typeface="+mn-cs"/>
+              </a:defRPr>
+            </a:lvl6pPr>
+            <a:lvl7pPr marL="2228795" indent="-171446" algn="l" defTabSz="685783" rtl="0" eaLnBrk="1" latinLnBrk="0" hangingPunct="1">
+              <a:lnSpc>
+                <a:spcPct val="90000"/>
+              </a:lnSpc>
+              <a:spcBef>
+                <a:spcPts val="375"/>
+              </a:spcBef>
+              <a:buFont typeface="Arial" panose="020B0604020202020204" pitchFamily="34" charset="0"/>
+              <a:buChar char="•"/>
+              <a:defRPr sz="1351" kern="1200">
+                <a:solidFill>
+                  <a:schemeClr val="tx1"/>
+                </a:solidFill>
+                <a:latin typeface="+mn-lt"/>
+                <a:ea typeface="+mn-ea"/>
+                <a:cs typeface="+mn-cs"/>
+              </a:defRPr>
+            </a:lvl7pPr>
+            <a:lvl8pPr marL="2571686" indent="-171446" algn="l" defTabSz="685783" rtl="0" eaLnBrk="1" latinLnBrk="0" hangingPunct="1">
+              <a:lnSpc>
+                <a:spcPct val="90000"/>
+              </a:lnSpc>
+              <a:spcBef>
+                <a:spcPts val="375"/>
+              </a:spcBef>
+              <a:buFont typeface="Arial" panose="020B0604020202020204" pitchFamily="34" charset="0"/>
+              <a:buChar char="•"/>
+              <a:defRPr sz="1351" kern="1200">
+                <a:solidFill>
+                  <a:schemeClr val="tx1"/>
+                </a:solidFill>
+                <a:latin typeface="+mn-lt"/>
+                <a:ea typeface="+mn-ea"/>
+                <a:cs typeface="+mn-cs"/>
+              </a:defRPr>
+            </a:lvl8pPr>
+            <a:lvl9pPr marL="2914578" indent="-171446" algn="l" defTabSz="685783" rtl="0" eaLnBrk="1" latinLnBrk="0" hangingPunct="1">
+              <a:lnSpc>
+                <a:spcPct val="90000"/>
+              </a:lnSpc>
+              <a:spcBef>
+                <a:spcPts val="375"/>
+              </a:spcBef>
+              <a:buFont typeface="Arial" panose="020B0604020202020204" pitchFamily="34" charset="0"/>
+              <a:buChar char="•"/>
+              <a:defRPr sz="1351" kern="1200">
+                <a:solidFill>
+                  <a:schemeClr val="tx1"/>
+                </a:solidFill>
+                <a:latin typeface="+mn-lt"/>
+                <a:ea typeface="+mn-ea"/>
+                <a:cs typeface="+mn-cs"/>
+              </a:defRPr>
+            </a:lvl9pPr>
+          </a:lstStyle>
+          <a:p>
+            <a:pPr marL="0" indent="0" algn="r">
+              <a:buFont typeface="Arial" panose="020B0604020202020204" pitchFamily="34" charset="0"/>
+              <a:buNone/>
+            </a:pPr>
+            <a:endParaRPr lang="es-VE" sz="1800" dirty="0">
+              <a:solidFill>
+                <a:prstClr val="white"/>
+              </a:solidFill>
+            </a:endParaRPr>
+          </a:p>
+        </p:txBody>
+      </p:sp>
+    </p:spTree>
+    <p:extLst>
+      <p:ext uri="{BB962C8B-B14F-4D97-AF65-F5344CB8AC3E}">
+        <p14:creationId xmlns:p14="http://schemas.microsoft.com/office/powerpoint/2010/main" val="271624306"/>
+      </p:ext>
+    </p:extLst>
+  </p:cSld>
+  <p:clrMapOvr>
+    <a:masterClrMapping/>
+  </p:clrMapOvr>
+  <p:timing>
+    <p:tnLst>
+      <p:par>
+        <p:cTn id="1" dur="indefinite" restart="never" nodeType="tmRoot"/>
+      </p:par>
+    </p:tnLst>
+  </p:timing>
+</p:sld>
+</file>
+
+<file path=ppt/slides/slide22.xml><?xml version="1.0" encoding="utf-8"?>
+<p:sld xmlns:a="http://schemas.openxmlformats.org/drawingml/2006/main" xmlns:r="http://schemas.openxmlformats.org/officeDocument/2006/relationships" xmlns:p="http://schemas.openxmlformats.org/presentationml/2006/main">
+  <p:cSld>
+    <p:bg>
+      <p:bgPr>
+        <a:gradFill>
+          <a:gsLst>
+            <a:gs pos="0">
+              <a:srgbClr val="D6B19C">
+                <a:lumMod val="77000"/>
+              </a:srgbClr>
+            </a:gs>
+            <a:gs pos="30000">
+              <a:srgbClr val="D49E6C">
+                <a:lumMod val="80000"/>
+              </a:srgbClr>
+            </a:gs>
+            <a:gs pos="70000">
+              <a:srgbClr val="A65528"/>
+            </a:gs>
+            <a:gs pos="100000">
+              <a:srgbClr val="663012"/>
+            </a:gs>
+          </a:gsLst>
+          <a:lin ang="5400000" scaled="0"/>
+        </a:gradFill>
+        <a:effectLst/>
+      </p:bgPr>
+    </p:bg>
+    <p:spTree>
+      <p:nvGrpSpPr>
+        <p:cNvPr id="1" name=""/>
+        <p:cNvGrpSpPr/>
+        <p:nvPr/>
+      </p:nvGrpSpPr>
+      <p:grpSpPr>
+        <a:xfrm>
+          <a:off x="0" y="0"/>
+          <a:ext cx="0" cy="0"/>
+          <a:chOff x="0" y="0"/>
+          <a:chExt cx="0" cy="0"/>
+        </a:xfrm>
+      </p:grpSpPr>
+      <p:sp>
+        <p:nvSpPr>
+          <p:cNvPr id="2" name="Título 1">
+            <a:extLst>
+              <a:ext uri="{FF2B5EF4-FFF2-40B4-BE49-F238E27FC236}">
+                <a16:creationId xmlns="" xmlns:a16="http://schemas.microsoft.com/office/drawing/2014/main" id="{C65A0631-47E2-4854-94DA-DD27A379FEF1}"/>
+              </a:ext>
+            </a:extLst>
+          </p:cNvPr>
+          <p:cNvSpPr>
+            <a:spLocks noGrp="1"/>
+          </p:cNvSpPr>
+          <p:nvPr>
+            <p:ph type="title"/>
+          </p:nvPr>
+        </p:nvSpPr>
+        <p:spPr>
+          <a:xfrm>
+            <a:off x="228600" y="47144"/>
+            <a:ext cx="8686800" cy="1333787"/>
+          </a:xfrm>
+        </p:spPr>
+        <p:txBody>
+          <a:bodyPr anchor="ctr">
+            <a:normAutofit fontScale="90000"/>
+          </a:bodyPr>
+          <a:lstStyle/>
+          <a:p>
+            <a:r>
+              <a:rPr lang="es-VE" sz="4900" b="1" dirty="0" smtClean="0"/>
+              <a:t>3. LAS CONSECUENCIAS DEL PECADO</a:t>
+            </a:r>
+            <a:r>
+              <a:rPr lang="es-VE" sz="5400" b="1" dirty="0" smtClean="0"/>
+              <a:t/>
+            </a:r>
+            <a:br>
+              <a:rPr lang="es-VE" sz="5400" b="1" dirty="0" smtClean="0"/>
+            </a:br>
+            <a:r>
+              <a:rPr lang="es-VE" sz="2800" b="1" dirty="0"/>
+              <a:t>4.1. Debilidad </a:t>
+            </a:r>
+            <a:r>
+              <a:rPr lang="es-VE" sz="2800" b="1" dirty="0" smtClean="0"/>
+              <a:t>espiritual</a:t>
+            </a:r>
+            <a:r>
+              <a:rPr lang="es-VE" sz="2800" b="1" dirty="0"/>
+              <a:t/>
+            </a:r>
+            <a:br>
+              <a:rPr lang="es-VE" sz="2800" b="1" dirty="0"/>
+            </a:br>
+            <a:r>
+              <a:rPr lang="es-VE" sz="2800" b="1" dirty="0" smtClean="0"/>
+              <a:t>4.1.3.</a:t>
+            </a:r>
+            <a:r>
+              <a:rPr lang="es-VE" sz="2800" b="1" dirty="0"/>
+              <a:t> Conflicto interior</a:t>
+            </a:r>
+            <a:endParaRPr lang="es-VE" sz="6600" b="1" dirty="0"/>
+          </a:p>
+        </p:txBody>
+      </p:sp>
+      <p:sp>
+        <p:nvSpPr>
+          <p:cNvPr id="3" name="Marcador de contenido 2">
+            <a:extLst>
+              <a:ext uri="{FF2B5EF4-FFF2-40B4-BE49-F238E27FC236}">
+                <a16:creationId xmlns="" xmlns:a16="http://schemas.microsoft.com/office/drawing/2014/main" id="{AA130F57-7D31-4139-81B2-4D70486C00F2}"/>
+              </a:ext>
+            </a:extLst>
+          </p:cNvPr>
+          <p:cNvSpPr>
+            <a:spLocks noGrp="1"/>
+          </p:cNvSpPr>
+          <p:nvPr>
+            <p:ph idx="1"/>
+          </p:nvPr>
+        </p:nvSpPr>
+        <p:spPr>
+          <a:xfrm>
+            <a:off x="228600" y="1455576"/>
+            <a:ext cx="8686800" cy="3726025"/>
+          </a:xfrm>
+        </p:spPr>
+        <p:txBody>
+          <a:bodyPr anchor="ctr">
+            <a:noAutofit/>
+          </a:bodyPr>
+          <a:lstStyle/>
+          <a:p>
+            <a:pPr marL="0" indent="0">
+              <a:buNone/>
+            </a:pPr>
+            <a:r>
+              <a:rPr lang="es-VE" sz="1800" dirty="0"/>
+              <a:t>En el comienzo Dios hizo el cuerpo del hombre del polvo, dotándole así de vida física o naturaleza </a:t>
+            </a:r>
+            <a:r>
+              <a:rPr lang="es-VE" sz="1800" dirty="0" smtClean="0"/>
+              <a:t>inferior; </a:t>
+            </a:r>
+            <a:r>
+              <a:rPr lang="es-VE" sz="1800" dirty="0"/>
+              <a:t>luego le infundió vida, impartiéndole así una naturaleza </a:t>
+            </a:r>
+            <a:r>
+              <a:rPr lang="es-VE" sz="1800" dirty="0" smtClean="0"/>
+              <a:t>superior.</a:t>
+            </a:r>
+          </a:p>
+          <a:p>
+            <a:pPr marL="0" indent="0">
+              <a:buNone/>
+            </a:pPr>
+            <a:endParaRPr lang="es-VE" sz="1800" dirty="0"/>
+          </a:p>
+          <a:p>
+            <a:pPr marL="0" indent="0">
+              <a:buNone/>
+            </a:pPr>
+            <a:r>
+              <a:rPr lang="es-VE" sz="1800" dirty="0" smtClean="0"/>
+              <a:t>Se </a:t>
+            </a:r>
+            <a:r>
+              <a:rPr lang="es-VE" sz="1800" dirty="0"/>
+              <a:t>tenía el propósito de que hubiera armonía en el ser del hombre, que el cuerpo estuviera subordinado al alma. Pero el pecado perturbó esta relación, de manera que el hombre se encontró dividido en sí mismo, parte de su ser en conflicto con la otra en una guerra intestina entre su naturaleza superior e </a:t>
+            </a:r>
+            <a:r>
+              <a:rPr lang="es-VE" sz="1800" dirty="0" smtClean="0"/>
+              <a:t>inferior.</a:t>
+            </a:r>
+          </a:p>
+          <a:p>
+            <a:pPr marL="0" indent="0">
+              <a:buNone/>
+            </a:pPr>
+            <a:endParaRPr lang="es-VE" sz="1800" dirty="0"/>
+          </a:p>
+          <a:p>
+            <a:pPr marL="0" indent="0">
+              <a:buNone/>
+            </a:pPr>
+            <a:r>
+              <a:rPr lang="es-VE" sz="1800" dirty="0" smtClean="0"/>
+              <a:t>Su </a:t>
+            </a:r>
+            <a:r>
+              <a:rPr lang="es-VE" sz="1800" dirty="0"/>
+              <a:t>naturaleza inferior, frágil en sí misma, se ha rebelado contra la superior, y ha abierto los portales de su ser al enemigo. Durante la intensidad del conflicto, el hombre exclama: “¡Miserable este de mí! ¿quién me librará de este cuerpo de muerte?” </a:t>
+            </a:r>
+            <a:r>
+              <a:rPr lang="es-VE" sz="1800" b="1" dirty="0" smtClean="0"/>
+              <a:t>[1]</a:t>
+            </a:r>
+            <a:r>
+              <a:rPr lang="es-VE" sz="1800" dirty="0" smtClean="0"/>
+              <a:t>.</a:t>
+            </a:r>
+            <a:endParaRPr lang="es-VE" sz="1800" dirty="0"/>
+          </a:p>
+        </p:txBody>
+      </p:sp>
+      <p:sp>
+        <p:nvSpPr>
+          <p:cNvPr id="4" name="Marcador de contenido 2">
+            <a:extLst>
+              <a:ext uri="{FF2B5EF4-FFF2-40B4-BE49-F238E27FC236}">
+                <a16:creationId xmlns="" xmlns:a16="http://schemas.microsoft.com/office/drawing/2014/main" id="{AD729BF5-40FC-4F23-B3BA-A58ACA0A56AD}"/>
+              </a:ext>
+            </a:extLst>
+          </p:cNvPr>
+          <p:cNvSpPr txBox="1">
+            <a:spLocks/>
+          </p:cNvSpPr>
+          <p:nvPr/>
+        </p:nvSpPr>
+        <p:spPr>
+          <a:xfrm>
+            <a:off x="228600" y="5325035"/>
+            <a:ext cx="8686800" cy="342775"/>
+          </a:xfrm>
+          <a:prstGeom prst="rect">
+            <a:avLst/>
+          </a:prstGeom>
+        </p:spPr>
+        <p:txBody>
+          <a:bodyPr vert="horz" lIns="91440" tIns="45720" rIns="91440" bIns="45720" rtlCol="0" anchor="ctr">
+            <a:normAutofit/>
+          </a:bodyPr>
+          <a:lstStyle>
+            <a:lvl1pPr marL="171446" indent="-171446" algn="l" defTabSz="685783" rtl="0" eaLnBrk="1" latinLnBrk="0" hangingPunct="1">
+              <a:lnSpc>
+                <a:spcPct val="90000"/>
+              </a:lnSpc>
+              <a:spcBef>
+                <a:spcPts val="751"/>
+              </a:spcBef>
+              <a:buFont typeface="Arial" panose="020B0604020202020204" pitchFamily="34" charset="0"/>
+              <a:buChar char="•"/>
+              <a:defRPr sz="2100" kern="1200">
+                <a:solidFill>
+                  <a:schemeClr val="tx1"/>
+                </a:solidFill>
+                <a:latin typeface="+mn-lt"/>
+                <a:ea typeface="+mn-ea"/>
+                <a:cs typeface="+mn-cs"/>
+              </a:defRPr>
+            </a:lvl1pPr>
+            <a:lvl2pPr marL="514338" indent="-171446" algn="l" defTabSz="685783" rtl="0" eaLnBrk="1" latinLnBrk="0" hangingPunct="1">
+              <a:lnSpc>
+                <a:spcPct val="90000"/>
+              </a:lnSpc>
+              <a:spcBef>
+                <a:spcPts val="375"/>
+              </a:spcBef>
+              <a:buFont typeface="Arial" panose="020B0604020202020204" pitchFamily="34" charset="0"/>
+              <a:buChar char="•"/>
+              <a:defRPr sz="1800" kern="1200">
+                <a:solidFill>
+                  <a:schemeClr val="tx1"/>
+                </a:solidFill>
+                <a:latin typeface="+mn-lt"/>
+                <a:ea typeface="+mn-ea"/>
+                <a:cs typeface="+mn-cs"/>
+              </a:defRPr>
+            </a:lvl2pPr>
+            <a:lvl3pPr marL="857229" indent="-171446" algn="l" defTabSz="685783" rtl="0" eaLnBrk="1" latinLnBrk="0" hangingPunct="1">
+              <a:lnSpc>
+                <a:spcPct val="90000"/>
+              </a:lnSpc>
+              <a:spcBef>
+                <a:spcPts val="375"/>
+              </a:spcBef>
+              <a:buFont typeface="Arial" panose="020B0604020202020204" pitchFamily="34" charset="0"/>
+              <a:buChar char="•"/>
+              <a:defRPr sz="1500" kern="1200">
+                <a:solidFill>
+                  <a:schemeClr val="tx1"/>
+                </a:solidFill>
+                <a:latin typeface="+mn-lt"/>
+                <a:ea typeface="+mn-ea"/>
+                <a:cs typeface="+mn-cs"/>
+              </a:defRPr>
+            </a:lvl3pPr>
+            <a:lvl4pPr marL="1200121" indent="-171446" algn="l" defTabSz="685783" rtl="0" eaLnBrk="1" latinLnBrk="0" hangingPunct="1">
+              <a:lnSpc>
+                <a:spcPct val="90000"/>
+              </a:lnSpc>
+              <a:spcBef>
+                <a:spcPts val="375"/>
+              </a:spcBef>
+              <a:buFont typeface="Arial" panose="020B0604020202020204" pitchFamily="34" charset="0"/>
+              <a:buChar char="•"/>
+              <a:defRPr sz="1351" kern="1200">
+                <a:solidFill>
+                  <a:schemeClr val="tx1"/>
+                </a:solidFill>
+                <a:latin typeface="+mn-lt"/>
+                <a:ea typeface="+mn-ea"/>
+                <a:cs typeface="+mn-cs"/>
+              </a:defRPr>
+            </a:lvl4pPr>
+            <a:lvl5pPr marL="1543012" indent="-171446" algn="l" defTabSz="685783" rtl="0" eaLnBrk="1" latinLnBrk="0" hangingPunct="1">
+              <a:lnSpc>
+                <a:spcPct val="90000"/>
+              </a:lnSpc>
+              <a:spcBef>
+                <a:spcPts val="375"/>
+              </a:spcBef>
+              <a:buFont typeface="Arial" panose="020B0604020202020204" pitchFamily="34" charset="0"/>
+              <a:buChar char="•"/>
+              <a:defRPr sz="1351" kern="1200">
+                <a:solidFill>
+                  <a:schemeClr val="tx1"/>
+                </a:solidFill>
+                <a:latin typeface="+mn-lt"/>
+                <a:ea typeface="+mn-ea"/>
+                <a:cs typeface="+mn-cs"/>
+              </a:defRPr>
+            </a:lvl5pPr>
+            <a:lvl6pPr marL="1885904" indent="-171446" algn="l" defTabSz="685783" rtl="0" eaLnBrk="1" latinLnBrk="0" hangingPunct="1">
+              <a:lnSpc>
+                <a:spcPct val="90000"/>
+              </a:lnSpc>
+              <a:spcBef>
+                <a:spcPts val="375"/>
+              </a:spcBef>
+              <a:buFont typeface="Arial" panose="020B0604020202020204" pitchFamily="34" charset="0"/>
+              <a:buChar char="•"/>
+              <a:defRPr sz="1351" kern="1200">
+                <a:solidFill>
+                  <a:schemeClr val="tx1"/>
+                </a:solidFill>
+                <a:latin typeface="+mn-lt"/>
+                <a:ea typeface="+mn-ea"/>
+                <a:cs typeface="+mn-cs"/>
+              </a:defRPr>
+            </a:lvl6pPr>
+            <a:lvl7pPr marL="2228795" indent="-171446" algn="l" defTabSz="685783" rtl="0" eaLnBrk="1" latinLnBrk="0" hangingPunct="1">
+              <a:lnSpc>
+                <a:spcPct val="90000"/>
+              </a:lnSpc>
+              <a:spcBef>
+                <a:spcPts val="375"/>
+              </a:spcBef>
+              <a:buFont typeface="Arial" panose="020B0604020202020204" pitchFamily="34" charset="0"/>
+              <a:buChar char="•"/>
+              <a:defRPr sz="1351" kern="1200">
+                <a:solidFill>
+                  <a:schemeClr val="tx1"/>
+                </a:solidFill>
+                <a:latin typeface="+mn-lt"/>
+                <a:ea typeface="+mn-ea"/>
+                <a:cs typeface="+mn-cs"/>
+              </a:defRPr>
+            </a:lvl7pPr>
+            <a:lvl8pPr marL="2571686" indent="-171446" algn="l" defTabSz="685783" rtl="0" eaLnBrk="1" latinLnBrk="0" hangingPunct="1">
+              <a:lnSpc>
+                <a:spcPct val="90000"/>
+              </a:lnSpc>
+              <a:spcBef>
+                <a:spcPts val="375"/>
+              </a:spcBef>
+              <a:buFont typeface="Arial" panose="020B0604020202020204" pitchFamily="34" charset="0"/>
+              <a:buChar char="•"/>
+              <a:defRPr sz="1351" kern="1200">
+                <a:solidFill>
+                  <a:schemeClr val="tx1"/>
+                </a:solidFill>
+                <a:latin typeface="+mn-lt"/>
+                <a:ea typeface="+mn-ea"/>
+                <a:cs typeface="+mn-cs"/>
+              </a:defRPr>
+            </a:lvl8pPr>
+            <a:lvl9pPr marL="2914578" indent="-171446" algn="l" defTabSz="685783" rtl="0" eaLnBrk="1" latinLnBrk="0" hangingPunct="1">
+              <a:lnSpc>
+                <a:spcPct val="90000"/>
+              </a:lnSpc>
+              <a:spcBef>
+                <a:spcPts val="375"/>
+              </a:spcBef>
+              <a:buFont typeface="Arial" panose="020B0604020202020204" pitchFamily="34" charset="0"/>
+              <a:buChar char="•"/>
+              <a:defRPr sz="1351" kern="1200">
+                <a:solidFill>
+                  <a:schemeClr val="tx1"/>
+                </a:solidFill>
+                <a:latin typeface="+mn-lt"/>
+                <a:ea typeface="+mn-ea"/>
+                <a:cs typeface="+mn-cs"/>
+              </a:defRPr>
+            </a:lvl9pPr>
+          </a:lstStyle>
+          <a:p>
+            <a:pPr marL="0" indent="0" algn="r">
+              <a:buNone/>
+            </a:pPr>
+            <a:r>
+              <a:rPr lang="es-VE" sz="1800" b="1" dirty="0">
+                <a:solidFill>
+                  <a:prstClr val="white"/>
+                </a:solidFill>
+              </a:rPr>
+              <a:t>[1</a:t>
+            </a:r>
+            <a:r>
+              <a:rPr lang="es-VE" sz="1800" b="1" dirty="0" smtClean="0">
+                <a:solidFill>
+                  <a:prstClr val="white"/>
+                </a:solidFill>
+              </a:rPr>
+              <a:t>]</a:t>
+            </a:r>
+            <a:r>
+              <a:rPr lang="es-VE" sz="1800" dirty="0"/>
+              <a:t> </a:t>
+            </a:r>
+            <a:r>
+              <a:rPr lang="es-VE" sz="1800" dirty="0" err="1" smtClean="0"/>
+              <a:t>Rom</a:t>
+            </a:r>
+            <a:r>
+              <a:rPr lang="es-VE" sz="1800" dirty="0" smtClean="0"/>
+              <a:t> 7:24</a:t>
+            </a:r>
+            <a:endParaRPr lang="es-VE" sz="1800" b="1" dirty="0">
+              <a:solidFill>
+                <a:prstClr val="white"/>
+              </a:solidFill>
+            </a:endParaRPr>
+          </a:p>
+        </p:txBody>
+      </p:sp>
+      <p:sp>
+        <p:nvSpPr>
+          <p:cNvPr id="5" name="Marcador de contenido 2">
+            <a:extLst>
+              <a:ext uri="{FF2B5EF4-FFF2-40B4-BE49-F238E27FC236}">
+                <a16:creationId xmlns="" xmlns:a16="http://schemas.microsoft.com/office/drawing/2014/main" id="{1FF0983A-E18D-4B43-AE5B-6B835BABD33A}"/>
+              </a:ext>
+            </a:extLst>
+          </p:cNvPr>
+          <p:cNvSpPr txBox="1">
+            <a:spLocks/>
+          </p:cNvSpPr>
+          <p:nvPr/>
+        </p:nvSpPr>
+        <p:spPr>
+          <a:xfrm>
+            <a:off x="228600" y="5181601"/>
+            <a:ext cx="8686800" cy="486210"/>
+          </a:xfrm>
+          <a:prstGeom prst="rect">
+            <a:avLst/>
+          </a:prstGeom>
+        </p:spPr>
+        <p:txBody>
+          <a:bodyPr vert="horz" lIns="91440" tIns="45720" rIns="91440" bIns="45720" rtlCol="0" anchor="ctr">
+            <a:normAutofit/>
+          </a:bodyPr>
+          <a:lstStyle>
+            <a:lvl1pPr marL="171446" indent="-171446" algn="l" defTabSz="685783" rtl="0" eaLnBrk="1" latinLnBrk="0" hangingPunct="1">
+              <a:lnSpc>
+                <a:spcPct val="90000"/>
+              </a:lnSpc>
+              <a:spcBef>
+                <a:spcPts val="751"/>
+              </a:spcBef>
+              <a:buFont typeface="Arial" panose="020B0604020202020204" pitchFamily="34" charset="0"/>
+              <a:buChar char="•"/>
+              <a:defRPr sz="2100" kern="1200">
+                <a:solidFill>
+                  <a:schemeClr val="tx1"/>
+                </a:solidFill>
+                <a:latin typeface="+mn-lt"/>
+                <a:ea typeface="+mn-ea"/>
+                <a:cs typeface="+mn-cs"/>
+              </a:defRPr>
+            </a:lvl1pPr>
+            <a:lvl2pPr marL="514338" indent="-171446" algn="l" defTabSz="685783" rtl="0" eaLnBrk="1" latinLnBrk="0" hangingPunct="1">
+              <a:lnSpc>
+                <a:spcPct val="90000"/>
+              </a:lnSpc>
+              <a:spcBef>
+                <a:spcPts val="375"/>
+              </a:spcBef>
+              <a:buFont typeface="Arial" panose="020B0604020202020204" pitchFamily="34" charset="0"/>
+              <a:buChar char="•"/>
+              <a:defRPr sz="1800" kern="1200">
+                <a:solidFill>
+                  <a:schemeClr val="tx1"/>
+                </a:solidFill>
+                <a:latin typeface="+mn-lt"/>
+                <a:ea typeface="+mn-ea"/>
+                <a:cs typeface="+mn-cs"/>
+              </a:defRPr>
+            </a:lvl2pPr>
+            <a:lvl3pPr marL="857229" indent="-171446" algn="l" defTabSz="685783" rtl="0" eaLnBrk="1" latinLnBrk="0" hangingPunct="1">
+              <a:lnSpc>
+                <a:spcPct val="90000"/>
+              </a:lnSpc>
+              <a:spcBef>
+                <a:spcPts val="375"/>
+              </a:spcBef>
+              <a:buFont typeface="Arial" panose="020B0604020202020204" pitchFamily="34" charset="0"/>
+              <a:buChar char="•"/>
+              <a:defRPr sz="1500" kern="1200">
+                <a:solidFill>
+                  <a:schemeClr val="tx1"/>
+                </a:solidFill>
+                <a:latin typeface="+mn-lt"/>
+                <a:ea typeface="+mn-ea"/>
+                <a:cs typeface="+mn-cs"/>
+              </a:defRPr>
+            </a:lvl3pPr>
+            <a:lvl4pPr marL="1200121" indent="-171446" algn="l" defTabSz="685783" rtl="0" eaLnBrk="1" latinLnBrk="0" hangingPunct="1">
+              <a:lnSpc>
+                <a:spcPct val="90000"/>
+              </a:lnSpc>
+              <a:spcBef>
+                <a:spcPts val="375"/>
+              </a:spcBef>
+              <a:buFont typeface="Arial" panose="020B0604020202020204" pitchFamily="34" charset="0"/>
+              <a:buChar char="•"/>
+              <a:defRPr sz="1351" kern="1200">
+                <a:solidFill>
+                  <a:schemeClr val="tx1"/>
+                </a:solidFill>
+                <a:latin typeface="+mn-lt"/>
+                <a:ea typeface="+mn-ea"/>
+                <a:cs typeface="+mn-cs"/>
+              </a:defRPr>
+            </a:lvl4pPr>
+            <a:lvl5pPr marL="1543012" indent="-171446" algn="l" defTabSz="685783" rtl="0" eaLnBrk="1" latinLnBrk="0" hangingPunct="1">
+              <a:lnSpc>
+                <a:spcPct val="90000"/>
+              </a:lnSpc>
+              <a:spcBef>
+                <a:spcPts val="375"/>
+              </a:spcBef>
+              <a:buFont typeface="Arial" panose="020B0604020202020204" pitchFamily="34" charset="0"/>
+              <a:buChar char="•"/>
+              <a:defRPr sz="1351" kern="1200">
+                <a:solidFill>
+                  <a:schemeClr val="tx1"/>
+                </a:solidFill>
+                <a:latin typeface="+mn-lt"/>
+                <a:ea typeface="+mn-ea"/>
+                <a:cs typeface="+mn-cs"/>
+              </a:defRPr>
+            </a:lvl5pPr>
+            <a:lvl6pPr marL="1885904" indent="-171446" algn="l" defTabSz="685783" rtl="0" eaLnBrk="1" latinLnBrk="0" hangingPunct="1">
+              <a:lnSpc>
+                <a:spcPct val="90000"/>
+              </a:lnSpc>
+              <a:spcBef>
+                <a:spcPts val="375"/>
+              </a:spcBef>
+              <a:buFont typeface="Arial" panose="020B0604020202020204" pitchFamily="34" charset="0"/>
+              <a:buChar char="•"/>
+              <a:defRPr sz="1351" kern="1200">
+                <a:solidFill>
+                  <a:schemeClr val="tx1"/>
+                </a:solidFill>
+                <a:latin typeface="+mn-lt"/>
+                <a:ea typeface="+mn-ea"/>
+                <a:cs typeface="+mn-cs"/>
+              </a:defRPr>
+            </a:lvl6pPr>
+            <a:lvl7pPr marL="2228795" indent="-171446" algn="l" defTabSz="685783" rtl="0" eaLnBrk="1" latinLnBrk="0" hangingPunct="1">
+              <a:lnSpc>
+                <a:spcPct val="90000"/>
+              </a:lnSpc>
+              <a:spcBef>
+                <a:spcPts val="375"/>
+              </a:spcBef>
+              <a:buFont typeface="Arial" panose="020B0604020202020204" pitchFamily="34" charset="0"/>
+              <a:buChar char="•"/>
+              <a:defRPr sz="1351" kern="1200">
+                <a:solidFill>
+                  <a:schemeClr val="tx1"/>
+                </a:solidFill>
+                <a:latin typeface="+mn-lt"/>
+                <a:ea typeface="+mn-ea"/>
+                <a:cs typeface="+mn-cs"/>
+              </a:defRPr>
+            </a:lvl7pPr>
+            <a:lvl8pPr marL="2571686" indent="-171446" algn="l" defTabSz="685783" rtl="0" eaLnBrk="1" latinLnBrk="0" hangingPunct="1">
+              <a:lnSpc>
+                <a:spcPct val="90000"/>
+              </a:lnSpc>
+              <a:spcBef>
+                <a:spcPts val="375"/>
+              </a:spcBef>
+              <a:buFont typeface="Arial" panose="020B0604020202020204" pitchFamily="34" charset="0"/>
+              <a:buChar char="•"/>
+              <a:defRPr sz="1351" kern="1200">
+                <a:solidFill>
+                  <a:schemeClr val="tx1"/>
+                </a:solidFill>
+                <a:latin typeface="+mn-lt"/>
+                <a:ea typeface="+mn-ea"/>
+                <a:cs typeface="+mn-cs"/>
+              </a:defRPr>
+            </a:lvl8pPr>
+            <a:lvl9pPr marL="2914578" indent="-171446" algn="l" defTabSz="685783" rtl="0" eaLnBrk="1" latinLnBrk="0" hangingPunct="1">
+              <a:lnSpc>
+                <a:spcPct val="90000"/>
+              </a:lnSpc>
+              <a:spcBef>
+                <a:spcPts val="375"/>
+              </a:spcBef>
+              <a:buFont typeface="Arial" panose="020B0604020202020204" pitchFamily="34" charset="0"/>
+              <a:buChar char="•"/>
+              <a:defRPr sz="1351" kern="1200">
+                <a:solidFill>
+                  <a:schemeClr val="tx1"/>
+                </a:solidFill>
+                <a:latin typeface="+mn-lt"/>
+                <a:ea typeface="+mn-ea"/>
+                <a:cs typeface="+mn-cs"/>
+              </a:defRPr>
+            </a:lvl9pPr>
+          </a:lstStyle>
+          <a:p>
+            <a:pPr marL="0" indent="0" algn="r">
+              <a:buFont typeface="Arial" panose="020B0604020202020204" pitchFamily="34" charset="0"/>
+              <a:buNone/>
+            </a:pPr>
+            <a:endParaRPr lang="es-VE" sz="1800" dirty="0">
+              <a:solidFill>
+                <a:prstClr val="white"/>
+              </a:solidFill>
+            </a:endParaRPr>
+          </a:p>
+        </p:txBody>
+      </p:sp>
+    </p:spTree>
+    <p:extLst>
+      <p:ext uri="{BB962C8B-B14F-4D97-AF65-F5344CB8AC3E}">
+        <p14:creationId xmlns:p14="http://schemas.microsoft.com/office/powerpoint/2010/main" val="1121841930"/>
       </p:ext>
     </p:extLst>
   </p:cSld>
@@ -7836,4 +15736,265 @@
     </a:ext>
   </a:extLst>
 </a:theme>
+</file>
+
+<file path=ppt/theme/theme2.xml><?xml version="1.0" encoding="utf-8"?>
+<a:theme xmlns:a="http://schemas.openxmlformats.org/drawingml/2006/main" name="1_Office Theme">
+  <a:themeElements>
+    <a:clrScheme name="Tema de Office">
+      <a:dk1>
+        <a:sysClr val="windowText" lastClr="000000"/>
+      </a:dk1>
+      <a:lt1>
+        <a:sysClr val="window" lastClr="FFFFFF"/>
+      </a:lt1>
+      <a:dk2>
+        <a:srgbClr val="44546A"/>
+      </a:dk2>
+      <a:lt2>
+        <a:srgbClr val="E7E6E6"/>
+      </a:lt2>
+      <a:accent1>
+        <a:srgbClr val="29AF8C"/>
+      </a:accent1>
+      <a:accent2>
+        <a:srgbClr val="97BE49"/>
+      </a:accent2>
+      <a:accent3>
+        <a:srgbClr val="3D9CCC"/>
+      </a:accent3>
+      <a:accent4>
+        <a:srgbClr val="7C60C6"/>
+      </a:accent4>
+      <a:accent5>
+        <a:srgbClr val="C9492C"/>
+      </a:accent5>
+      <a:accent6>
+        <a:srgbClr val="D58C2E"/>
+      </a:accent6>
+      <a:hlink>
+        <a:srgbClr val="0563C1"/>
+      </a:hlink>
+      <a:folHlink>
+        <a:srgbClr val="954F72"/>
+      </a:folHlink>
+    </a:clrScheme>
+    <a:fontScheme name="Tema de Office">
+      <a:majorFont>
+        <a:latin typeface="Calibri Light"/>
+        <a:ea typeface=""/>
+        <a:cs typeface=""/>
+        <a:font script="Jpan" typeface="游ゴシック Light"/>
+        <a:font script="Hang" typeface="맑은 고딕"/>
+        <a:font script="Hans" typeface="等线 Light"/>
+        <a:font script="Hant" typeface="新細明體"/>
+        <a:font script="Arab" typeface="Times New Roman"/>
+        <a:font script="Hebr" typeface="Times New Roman"/>
+        <a:font script="Thai" typeface="Angsana New"/>
+        <a:font script="Ethi" typeface="Nyala"/>
+        <a:font script="Beng" typeface="Vrinda"/>
+        <a:font script="Gujr" typeface="Shruti"/>
+        <a:font script="Khmr" typeface="MoolBoran"/>
+        <a:font script="Knda" typeface="Tunga"/>
+        <a:font script="Guru" typeface="Raavi"/>
+        <a:font script="Cans" typeface="Euphemia"/>
+        <a:font script="Cher" typeface="Plantagenet Cherokee"/>
+        <a:font script="Yiii" typeface="Microsoft Yi Baiti"/>
+        <a:font script="Tibt" typeface="Microsoft Himalaya"/>
+        <a:font script="Thaa" typeface="MV Boli"/>
+        <a:font script="Deva" typeface="Mangal"/>
+        <a:font script="Telu" typeface="Gautami"/>
+        <a:font script="Taml" typeface="Latha"/>
+        <a:font script="Syrc" typeface="Estrangelo Edessa"/>
+        <a:font script="Orya" typeface="Kalinga"/>
+        <a:font script="Mlym" typeface="Kartika"/>
+        <a:font script="Laoo" typeface="DokChampa"/>
+        <a:font script="Sinh" typeface="Iskoola Pota"/>
+        <a:font script="Mong" typeface="Mongolian Baiti"/>
+        <a:font script="Viet" typeface="Times New Roman"/>
+        <a:font script="Uigh" typeface="Microsoft Uighur"/>
+        <a:font script="Geor" typeface="Sylfaen"/>
+      </a:majorFont>
+      <a:minorFont>
+        <a:latin typeface="Calibri"/>
+        <a:ea typeface=""/>
+        <a:cs typeface=""/>
+        <a:font script="Jpan" typeface="游ゴシック"/>
+        <a:font script="Hang" typeface="맑은 고딕"/>
+        <a:font script="Hans" typeface="等线"/>
+        <a:font script="Hant" typeface="新細明體"/>
+        <a:font script="Arab" typeface="Arial"/>
+        <a:font script="Hebr" typeface="Arial"/>
+        <a:font script="Thai" typeface="Cordia New"/>
+        <a:font script="Ethi" typeface="Nyala"/>
+        <a:font script="Beng" typeface="Vrinda"/>
+        <a:font script="Gujr" typeface="Shruti"/>
+        <a:font script="Khmr" typeface="DaunPenh"/>
+        <a:font script="Knda" typeface="Tunga"/>
+        <a:font script="Guru" typeface="Raavi"/>
+        <a:font script="Cans" typeface="Euphemia"/>
+        <a:font script="Cher" typeface="Plantagenet Cherokee"/>
+        <a:font script="Yiii" typeface="Microsoft Yi Baiti"/>
+        <a:font script="Tibt" typeface="Microsoft Himalaya"/>
+        <a:font script="Thaa" typeface="MV Boli"/>
+        <a:font script="Deva" typeface="Mangal"/>
+        <a:font script="Telu" typeface="Gautami"/>
+        <a:font script="Taml" typeface="Latha"/>
+        <a:font script="Syrc" typeface="Estrangelo Edessa"/>
+        <a:font script="Orya" typeface="Kalinga"/>
+        <a:font script="Mlym" typeface="Kartika"/>
+        <a:font script="Laoo" typeface="DokChampa"/>
+        <a:font script="Sinh" typeface="Iskoola Pota"/>
+        <a:font script="Mong" typeface="Mongolian Baiti"/>
+        <a:font script="Viet" typeface="Arial"/>
+        <a:font script="Uigh" typeface="Microsoft Uighur"/>
+        <a:font script="Geor" typeface="Sylfaen"/>
+      </a:minorFont>
+    </a:fontScheme>
+    <a:fmtScheme name="Tema de Office">
+      <a:fillStyleLst>
+        <a:solidFill>
+          <a:schemeClr val="phClr"/>
+        </a:solidFill>
+        <a:gradFill rotWithShape="1">
+          <a:gsLst>
+            <a:gs pos="0">
+              <a:schemeClr val="phClr">
+                <a:lumMod val="110000"/>
+                <a:satMod val="105000"/>
+                <a:tint val="67000"/>
+              </a:schemeClr>
+            </a:gs>
+            <a:gs pos="50000">
+              <a:schemeClr val="phClr">
+                <a:lumMod val="105000"/>
+                <a:satMod val="103000"/>
+                <a:tint val="73000"/>
+              </a:schemeClr>
+            </a:gs>
+            <a:gs pos="100000">
+              <a:schemeClr val="phClr">
+                <a:lumMod val="105000"/>
+                <a:satMod val="109000"/>
+                <a:tint val="81000"/>
+              </a:schemeClr>
+            </a:gs>
+          </a:gsLst>
+          <a:lin ang="5400000" scaled="0"/>
+        </a:gradFill>
+        <a:gradFill rotWithShape="1">
+          <a:gsLst>
+            <a:gs pos="0">
+              <a:schemeClr val="phClr">
+                <a:satMod val="103000"/>
+                <a:lumMod val="102000"/>
+                <a:tint val="94000"/>
+              </a:schemeClr>
+            </a:gs>
+            <a:gs pos="50000">
+              <a:schemeClr val="phClr">
+                <a:satMod val="110000"/>
+                <a:lumMod val="100000"/>
+                <a:shade val="100000"/>
+              </a:schemeClr>
+            </a:gs>
+            <a:gs pos="100000">
+              <a:schemeClr val="phClr">
+                <a:lumMod val="99000"/>
+                <a:satMod val="120000"/>
+                <a:shade val="78000"/>
+              </a:schemeClr>
+            </a:gs>
+          </a:gsLst>
+          <a:lin ang="5400000" scaled="0"/>
+        </a:gradFill>
+      </a:fillStyleLst>
+      <a:lnStyleLst>
+        <a:ln w="6350" cap="flat" cmpd="sng" algn="ctr">
+          <a:solidFill>
+            <a:schemeClr val="phClr"/>
+          </a:solidFill>
+          <a:prstDash val="solid"/>
+          <a:miter lim="800000"/>
+        </a:ln>
+        <a:ln w="12700" cap="flat" cmpd="sng" algn="ctr">
+          <a:solidFill>
+            <a:schemeClr val="phClr"/>
+          </a:solidFill>
+          <a:prstDash val="solid"/>
+          <a:miter lim="800000"/>
+        </a:ln>
+        <a:ln w="19050" cap="flat" cmpd="sng" algn="ctr">
+          <a:solidFill>
+            <a:schemeClr val="phClr"/>
+          </a:solidFill>
+          <a:prstDash val="solid"/>
+          <a:miter lim="800000"/>
+        </a:ln>
+      </a:lnStyleLst>
+      <a:effectStyleLst>
+        <a:effectStyle>
+          <a:effectLst/>
+        </a:effectStyle>
+        <a:effectStyle>
+          <a:effectLst/>
+        </a:effectStyle>
+        <a:effectStyle>
+          <a:effectLst>
+            <a:outerShdw blurRad="57150" dist="19050" dir="5400000" algn="ctr" rotWithShape="0">
+              <a:srgbClr val="000000">
+                <a:alpha val="63000"/>
+              </a:srgbClr>
+            </a:outerShdw>
+          </a:effectLst>
+        </a:effectStyle>
+      </a:effectStyleLst>
+      <a:bgFillStyleLst>
+        <a:solidFill>
+          <a:schemeClr val="phClr"/>
+        </a:solidFill>
+        <a:solidFill>
+          <a:schemeClr val="phClr">
+            <a:tint val="95000"/>
+            <a:satMod val="170000"/>
+          </a:schemeClr>
+        </a:solidFill>
+        <a:gradFill rotWithShape="1">
+          <a:gsLst>
+            <a:gs pos="0">
+              <a:schemeClr val="phClr">
+                <a:tint val="93000"/>
+                <a:satMod val="150000"/>
+                <a:shade val="98000"/>
+                <a:lumMod val="102000"/>
+              </a:schemeClr>
+            </a:gs>
+            <a:gs pos="50000">
+              <a:schemeClr val="phClr">
+                <a:tint val="98000"/>
+                <a:satMod val="130000"/>
+                <a:shade val="90000"/>
+                <a:lumMod val="103000"/>
+              </a:schemeClr>
+            </a:gs>
+            <a:gs pos="100000">
+              <a:schemeClr val="phClr">
+                <a:shade val="63000"/>
+                <a:satMod val="120000"/>
+              </a:schemeClr>
+            </a:gs>
+          </a:gsLst>
+          <a:lin ang="5400000" scaled="0"/>
+        </a:gradFill>
+      </a:bgFillStyleLst>
+    </a:fmtScheme>
+  </a:themeElements>
+  <a:objectDefaults/>
+  <a:extraClrSchemeLst/>
+  <a:extLst>
+    <a:ext uri="{05A4C25C-085E-4340-85A3-A5531E510DB2}">
+      <thm15:themeFamily xmlns="" xmlns:thm15="http://schemas.microsoft.com/office/thememl/2012/main" name="Office Theme" id="{62F939B6-93AF-4DB8-9C6B-D6C7DFDC589F}" vid="{3E4F19A7-A959-40BB-972C-4880BAF8EB09}"/>
+    </a:ext>
+  </a:extLst>
+</a:theme>
 </file>